--- a/Vitor Martins - Equipament fails.pptx
+++ b/Vitor Martins - Equipament fails.pptx
@@ -2,62 +2,65 @@
 <file path=ppt/presentation.xml><?xml version="1.0" encoding="utf-8"?>
 <p:presentation xmlns:a="http://schemas.openxmlformats.org/drawingml/2006/main" xmlns:r="http://schemas.openxmlformats.org/officeDocument/2006/relationships" xmlns:mc="http://schemas.openxmlformats.org/markup-compatibility/2006" xmlns:mv="urn:schemas-microsoft-com:mac:vml" xmlns:p="http://schemas.openxmlformats.org/presentationml/2006/main" xmlns:c="http://schemas.openxmlformats.org/drawingml/2006/chart" xmlns:dgm="http://schemas.openxmlformats.org/drawingml/2006/diagram" xmlns:o="urn:schemas-microsoft-com:office:office" xmlns:v="urn:schemas-microsoft-com:vml" xmlns:pvml="urn:schemas-microsoft-com:office:powerpoint" xmlns:com="http://schemas.openxmlformats.org/drawingml/2006/compatibility" xmlns:p14="http://schemas.microsoft.com/office/powerpoint/2010/main" xmlns:p15="http://schemas.microsoft.com/office/powerpoint/2012/main" xmlns:ahyp="http://schemas.microsoft.com/office/drawing/2018/hyperlinkcolor" autoCompressPictures="0" embedTrueTypeFonts="1" strictFirstAndLastChars="0" saveSubsetFonts="1">
   <p:sldMasterIdLst>
-    <p:sldMasterId id="2147483648" r:id="rId4"/>
+    <p:sldMasterId id="2147483648" r:id="rId5"/>
   </p:sldMasterIdLst>
   <p:notesMasterIdLst>
-    <p:notesMasterId r:id="rId5"/>
+    <p:notesMasterId r:id="rId6"/>
   </p:notesMasterIdLst>
   <p:sldIdLst>
-    <p:sldId id="256" r:id="rId6"/>
-    <p:sldId id="257" r:id="rId7"/>
-    <p:sldId id="258" r:id="rId8"/>
-    <p:sldId id="259" r:id="rId9"/>
-    <p:sldId id="260" r:id="rId10"/>
-    <p:sldId id="261" r:id="rId11"/>
-    <p:sldId id="262" r:id="rId12"/>
-    <p:sldId id="263" r:id="rId13"/>
-    <p:sldId id="264" r:id="rId14"/>
-    <p:sldId id="265" r:id="rId15"/>
-    <p:sldId id="266" r:id="rId16"/>
+    <p:sldId id="256" r:id="rId7"/>
+    <p:sldId id="257" r:id="rId8"/>
+    <p:sldId id="258" r:id="rId9"/>
+    <p:sldId id="259" r:id="rId10"/>
+    <p:sldId id="260" r:id="rId11"/>
+    <p:sldId id="261" r:id="rId12"/>
+    <p:sldId id="262" r:id="rId13"/>
+    <p:sldId id="263" r:id="rId14"/>
+    <p:sldId id="264" r:id="rId15"/>
+    <p:sldId id="265" r:id="rId16"/>
+    <p:sldId id="266" r:id="rId17"/>
+    <p:sldId id="267" r:id="rId18"/>
+    <p:sldId id="268" r:id="rId19"/>
+    <p:sldId id="269" r:id="rId20"/>
   </p:sldIdLst>
   <p:sldSz cy="5143500" cx="9144000"/>
   <p:notesSz cx="6858000" cy="9144000"/>
   <p:embeddedFontLst>
     <p:embeddedFont>
       <p:font typeface="Roboto Black"/>
-      <p:bold r:id="rId17"/>
-      <p:boldItalic r:id="rId18"/>
+      <p:bold r:id="rId21"/>
+      <p:boldItalic r:id="rId22"/>
     </p:embeddedFont>
     <p:embeddedFont>
       <p:font typeface="Poppins"/>
-      <p:regular r:id="rId19"/>
-      <p:bold r:id="rId20"/>
-      <p:italic r:id="rId21"/>
-      <p:boldItalic r:id="rId22"/>
+      <p:regular r:id="rId23"/>
+      <p:bold r:id="rId24"/>
+      <p:italic r:id="rId25"/>
+      <p:boldItalic r:id="rId26"/>
     </p:embeddedFont>
     <p:embeddedFont>
       <p:font typeface="Poppins Black"/>
-      <p:bold r:id="rId23"/>
-      <p:boldItalic r:id="rId24"/>
+      <p:bold r:id="rId27"/>
+      <p:boldItalic r:id="rId28"/>
     </p:embeddedFont>
     <p:embeddedFont>
       <p:font typeface="Helvetica Neue Light"/>
-      <p:regular r:id="rId25"/>
-      <p:bold r:id="rId26"/>
-      <p:italic r:id="rId27"/>
-      <p:boldItalic r:id="rId28"/>
-    </p:embeddedFont>
-    <p:embeddedFont>
-      <p:font typeface="PT Sans"/>
       <p:regular r:id="rId29"/>
       <p:bold r:id="rId30"/>
       <p:italic r:id="rId31"/>
       <p:boldItalic r:id="rId32"/>
     </p:embeddedFont>
     <p:embeddedFont>
+      <p:font typeface="PT Sans"/>
+      <p:regular r:id="rId33"/>
+      <p:bold r:id="rId34"/>
+      <p:italic r:id="rId35"/>
+      <p:boldItalic r:id="rId36"/>
+    </p:embeddedFont>
+    <p:embeddedFont>
       <p:font typeface="Poppins ExtraBold"/>
-      <p:bold r:id="rId33"/>
-      <p:boldItalic r:id="rId34"/>
+      <p:bold r:id="rId37"/>
+      <p:boldItalic r:id="rId38"/>
     </p:embeddedFont>
   </p:embeddedFontLst>
   <p:defaultTextStyle>
@@ -305,7 +308,7 @@
       </p15:sldGuideLst>
     </p:ext>
     <p:ext uri="GoogleSlidesCustomDataVersion2">
-      <go:slidesCustomData xmlns:go="http://customooxmlschemas.google.com/" r:id="rId35" roundtripDataSignature="AMtx7mgh/7RN70uwu5lPmWL0XW5X51SK+g=="/>
+      <go:slidesCustomData xmlns:go="http://customooxmlschemas.google.com/" r:id="rId39" roundtripDataSignature="AMtx7miibOEG1c4AHufCKzN8QYE9vh6gCw=="/>
     </p:ext>
   </p:extLst>
 </p:presentation>
@@ -995,7 +998,7 @@
   <p:cSld>
     <p:spTree>
       <p:nvGrpSpPr>
-        <p:cNvPr id="169" name="Shape 169"/>
+        <p:cNvPr id="178" name="Shape 178"/>
         <p:cNvGrpSpPr/>
         <p:nvPr/>
       </p:nvGrpSpPr>
@@ -1009,7 +1012,7 @@
       </p:grpSpPr>
       <p:sp>
         <p:nvSpPr>
-          <p:cNvPr id="170" name="Google Shape;170;g251ebc0e60a_1_21:notes"/>
+          <p:cNvPr id="179" name="Google Shape;179;g251ebc0e60a_1_44:notes"/>
           <p:cNvSpPr/>
           <p:nvPr>
             <p:ph idx="2" type="sldImg"/>
@@ -1054,7 +1057,7 @@
       </p:sp>
       <p:sp>
         <p:nvSpPr>
-          <p:cNvPr id="171" name="Google Shape;171;g251ebc0e60a_1_21:notes"/>
+          <p:cNvPr id="180" name="Google Shape;180;g251ebc0e60a_1_44:notes"/>
           <p:cNvSpPr txBox="1"/>
           <p:nvPr>
             <p:ph idx="1" type="body"/>
@@ -1113,7 +1116,7 @@
   <p:cSld>
     <p:spTree>
       <p:nvGrpSpPr>
-        <p:cNvPr id="179" name="Shape 179"/>
+        <p:cNvPr id="188" name="Shape 188"/>
         <p:cNvGrpSpPr/>
         <p:nvPr/>
       </p:nvGrpSpPr>
@@ -1127,7 +1130,361 @@
       </p:grpSpPr>
       <p:sp>
         <p:nvSpPr>
-          <p:cNvPr id="180" name="Google Shape;180;p13:notes"/>
+          <p:cNvPr id="189" name="Google Shape;189;g251ebc0e60a_1_21:notes"/>
+          <p:cNvSpPr/>
+          <p:nvPr>
+            <p:ph idx="2" type="sldImg"/>
+          </p:nvPr>
+        </p:nvSpPr>
+        <p:spPr>
+          <a:xfrm>
+            <a:off x="381300" y="685800"/>
+            <a:ext cx="6096000" cy="3429000"/>
+          </a:xfrm>
+          <a:custGeom>
+            <a:rect b="b" l="l" r="r" t="t"/>
+            <a:pathLst>
+              <a:path extrusionOk="0" h="120000" w="120000">
+                <a:moveTo>
+                  <a:pt x="0" y="0"/>
+                </a:moveTo>
+                <a:lnTo>
+                  <a:pt x="120000" y="0"/>
+                </a:lnTo>
+                <a:lnTo>
+                  <a:pt x="120000" y="120000"/>
+                </a:lnTo>
+                <a:lnTo>
+                  <a:pt x="0" y="120000"/>
+                </a:lnTo>
+                <a:close/>
+              </a:path>
+            </a:pathLst>
+          </a:custGeom>
+          <a:noFill/>
+          <a:ln cap="flat" cmpd="sng" w="9525">
+            <a:solidFill>
+              <a:srgbClr val="000000"/>
+            </a:solidFill>
+            <a:prstDash val="solid"/>
+            <a:round/>
+            <a:headEnd len="sm" w="sm" type="none"/>
+            <a:tailEnd len="sm" w="sm" type="none"/>
+          </a:ln>
+        </p:spPr>
+      </p:sp>
+      <p:sp>
+        <p:nvSpPr>
+          <p:cNvPr id="190" name="Google Shape;190;g251ebc0e60a_1_21:notes"/>
+          <p:cNvSpPr txBox="1"/>
+          <p:nvPr>
+            <p:ph idx="1" type="body"/>
+          </p:nvPr>
+        </p:nvSpPr>
+        <p:spPr>
+          <a:xfrm>
+            <a:off x="685800" y="4343400"/>
+            <a:ext cx="5486400" cy="4114800"/>
+          </a:xfrm>
+          <a:prstGeom prst="rect">
+            <a:avLst/>
+          </a:prstGeom>
+          <a:noFill/>
+          <a:ln>
+            <a:noFill/>
+          </a:ln>
+        </p:spPr>
+        <p:txBody>
+          <a:bodyPr anchorCtr="0" anchor="t" bIns="91425" lIns="91425" spcFirstLastPara="1" rIns="91425" wrap="square" tIns="91425">
+            <a:noAutofit/>
+          </a:bodyPr>
+          <a:lstStyle/>
+          <a:p>
+            <a:pPr indent="0" lvl="0" marL="0" rtl="0" algn="l">
+              <a:lnSpc>
+                <a:spcPct val="100000"/>
+              </a:lnSpc>
+              <a:spcBef>
+                <a:spcPts val="0"/>
+              </a:spcBef>
+              <a:spcAft>
+                <a:spcPts val="0"/>
+              </a:spcAft>
+              <a:buSzPts val="1100"/>
+              <a:buNone/>
+            </a:pPr>
+            <a:r>
+              <a:rPr lang="pt-BR"/>
+              <a:t>Os textos estão editáveis e os ícones escalonáveis.</a:t>
+            </a:r>
+            <a:endParaRPr/>
+          </a:p>
+        </p:txBody>
+      </p:sp>
+    </p:spTree>
+  </p:cSld>
+  <p:clrMapOvr>
+    <a:masterClrMapping/>
+  </p:clrMapOvr>
+</p:notes>
+</file>
+
+<file path=ppt/notesSlides/notesSlide12.xml><?xml version="1.0" encoding="utf-8"?>
+<p:notes xmlns:a="http://schemas.openxmlformats.org/drawingml/2006/main" xmlns:r="http://schemas.openxmlformats.org/officeDocument/2006/relationships" xmlns:mc="http://schemas.openxmlformats.org/markup-compatibility/2006" xmlns:mv="urn:schemas-microsoft-com:mac:vml" xmlns:p="http://schemas.openxmlformats.org/presentationml/2006/main" xmlns:c="http://schemas.openxmlformats.org/drawingml/2006/chart" xmlns:dgm="http://schemas.openxmlformats.org/drawingml/2006/diagram" xmlns:o="urn:schemas-microsoft-com:office:office" xmlns:v="urn:schemas-microsoft-com:vml" xmlns:pvml="urn:schemas-microsoft-com:office:powerpoint" xmlns:com="http://schemas.openxmlformats.org/drawingml/2006/compatibility" xmlns:p14="http://schemas.microsoft.com/office/powerpoint/2010/main" xmlns:p15="http://schemas.microsoft.com/office/powerpoint/2012/main" xmlns:ahyp="http://schemas.microsoft.com/office/drawing/2018/hyperlinkcolor" showMasterPhAnim="0" showMasterSp="0">
+  <p:cSld>
+    <p:spTree>
+      <p:nvGrpSpPr>
+        <p:cNvPr id="198" name="Shape 198"/>
+        <p:cNvGrpSpPr/>
+        <p:nvPr/>
+      </p:nvGrpSpPr>
+      <p:grpSpPr>
+        <a:xfrm>
+          <a:off x="0" y="0"/>
+          <a:ext cx="0" cy="0"/>
+          <a:chOff x="0" y="0"/>
+          <a:chExt cx="0" cy="0"/>
+        </a:xfrm>
+      </p:grpSpPr>
+      <p:sp>
+        <p:nvSpPr>
+          <p:cNvPr id="199" name="Google Shape;199;g252643da06a_0_10:notes"/>
+          <p:cNvSpPr/>
+          <p:nvPr>
+            <p:ph idx="2" type="sldImg"/>
+          </p:nvPr>
+        </p:nvSpPr>
+        <p:spPr>
+          <a:xfrm>
+            <a:off x="381300" y="685800"/>
+            <a:ext cx="6096000" cy="3429000"/>
+          </a:xfrm>
+          <a:custGeom>
+            <a:rect b="b" l="l" r="r" t="t"/>
+            <a:pathLst>
+              <a:path extrusionOk="0" h="120000" w="120000">
+                <a:moveTo>
+                  <a:pt x="0" y="0"/>
+                </a:moveTo>
+                <a:lnTo>
+                  <a:pt x="120000" y="0"/>
+                </a:lnTo>
+                <a:lnTo>
+                  <a:pt x="120000" y="120000"/>
+                </a:lnTo>
+                <a:lnTo>
+                  <a:pt x="0" y="120000"/>
+                </a:lnTo>
+                <a:close/>
+              </a:path>
+            </a:pathLst>
+          </a:custGeom>
+          <a:noFill/>
+          <a:ln cap="flat" cmpd="sng" w="9525">
+            <a:solidFill>
+              <a:srgbClr val="000000"/>
+            </a:solidFill>
+            <a:prstDash val="solid"/>
+            <a:round/>
+            <a:headEnd len="sm" w="sm" type="none"/>
+            <a:tailEnd len="sm" w="sm" type="none"/>
+          </a:ln>
+        </p:spPr>
+      </p:sp>
+      <p:sp>
+        <p:nvSpPr>
+          <p:cNvPr id="200" name="Google Shape;200;g252643da06a_0_10:notes"/>
+          <p:cNvSpPr txBox="1"/>
+          <p:nvPr>
+            <p:ph idx="1" type="body"/>
+          </p:nvPr>
+        </p:nvSpPr>
+        <p:spPr>
+          <a:xfrm>
+            <a:off x="685800" y="4343400"/>
+            <a:ext cx="5486400" cy="4114800"/>
+          </a:xfrm>
+          <a:prstGeom prst="rect">
+            <a:avLst/>
+          </a:prstGeom>
+          <a:noFill/>
+          <a:ln>
+            <a:noFill/>
+          </a:ln>
+        </p:spPr>
+        <p:txBody>
+          <a:bodyPr anchorCtr="0" anchor="t" bIns="91425" lIns="91425" spcFirstLastPara="1" rIns="91425" wrap="square" tIns="91425">
+            <a:noAutofit/>
+          </a:bodyPr>
+          <a:lstStyle/>
+          <a:p>
+            <a:pPr indent="0" lvl="0" marL="0" rtl="0" algn="l">
+              <a:lnSpc>
+                <a:spcPct val="100000"/>
+              </a:lnSpc>
+              <a:spcBef>
+                <a:spcPts val="0"/>
+              </a:spcBef>
+              <a:spcAft>
+                <a:spcPts val="0"/>
+              </a:spcAft>
+              <a:buSzPts val="1100"/>
+              <a:buNone/>
+            </a:pPr>
+            <a:r>
+              <a:rPr lang="pt-BR"/>
+              <a:t>Os textos estão editáveis e os ícones escalonáveis.</a:t>
+            </a:r>
+            <a:endParaRPr/>
+          </a:p>
+        </p:txBody>
+      </p:sp>
+    </p:spTree>
+  </p:cSld>
+  <p:clrMapOvr>
+    <a:masterClrMapping/>
+  </p:clrMapOvr>
+</p:notes>
+</file>
+
+<file path=ppt/notesSlides/notesSlide13.xml><?xml version="1.0" encoding="utf-8"?>
+<p:notes xmlns:a="http://schemas.openxmlformats.org/drawingml/2006/main" xmlns:r="http://schemas.openxmlformats.org/officeDocument/2006/relationships" xmlns:mc="http://schemas.openxmlformats.org/markup-compatibility/2006" xmlns:mv="urn:schemas-microsoft-com:mac:vml" xmlns:p="http://schemas.openxmlformats.org/presentationml/2006/main" xmlns:c="http://schemas.openxmlformats.org/drawingml/2006/chart" xmlns:dgm="http://schemas.openxmlformats.org/drawingml/2006/diagram" xmlns:o="urn:schemas-microsoft-com:office:office" xmlns:v="urn:schemas-microsoft-com:vml" xmlns:pvml="urn:schemas-microsoft-com:office:powerpoint" xmlns:com="http://schemas.openxmlformats.org/drawingml/2006/compatibility" xmlns:p14="http://schemas.microsoft.com/office/powerpoint/2010/main" xmlns:p15="http://schemas.microsoft.com/office/powerpoint/2012/main" xmlns:ahyp="http://schemas.microsoft.com/office/drawing/2018/hyperlinkcolor" showMasterPhAnim="0" showMasterSp="0">
+  <p:cSld>
+    <p:spTree>
+      <p:nvGrpSpPr>
+        <p:cNvPr id="208" name="Shape 208"/>
+        <p:cNvGrpSpPr/>
+        <p:nvPr/>
+      </p:nvGrpSpPr>
+      <p:grpSpPr>
+        <a:xfrm>
+          <a:off x="0" y="0"/>
+          <a:ext cx="0" cy="0"/>
+          <a:chOff x="0" y="0"/>
+          <a:chExt cx="0" cy="0"/>
+        </a:xfrm>
+      </p:grpSpPr>
+      <p:sp>
+        <p:nvSpPr>
+          <p:cNvPr id="209" name="Google Shape;209;g252643da06a_0_22:notes"/>
+          <p:cNvSpPr/>
+          <p:nvPr>
+            <p:ph idx="2" type="sldImg"/>
+          </p:nvPr>
+        </p:nvSpPr>
+        <p:spPr>
+          <a:xfrm>
+            <a:off x="381300" y="685800"/>
+            <a:ext cx="6096000" cy="3429000"/>
+          </a:xfrm>
+          <a:custGeom>
+            <a:rect b="b" l="l" r="r" t="t"/>
+            <a:pathLst>
+              <a:path extrusionOk="0" h="120000" w="120000">
+                <a:moveTo>
+                  <a:pt x="0" y="0"/>
+                </a:moveTo>
+                <a:lnTo>
+                  <a:pt x="120000" y="0"/>
+                </a:lnTo>
+                <a:lnTo>
+                  <a:pt x="120000" y="120000"/>
+                </a:lnTo>
+                <a:lnTo>
+                  <a:pt x="0" y="120000"/>
+                </a:lnTo>
+                <a:close/>
+              </a:path>
+            </a:pathLst>
+          </a:custGeom>
+          <a:noFill/>
+          <a:ln cap="flat" cmpd="sng" w="9525">
+            <a:solidFill>
+              <a:srgbClr val="000000"/>
+            </a:solidFill>
+            <a:prstDash val="solid"/>
+            <a:round/>
+            <a:headEnd len="sm" w="sm" type="none"/>
+            <a:tailEnd len="sm" w="sm" type="none"/>
+          </a:ln>
+        </p:spPr>
+      </p:sp>
+      <p:sp>
+        <p:nvSpPr>
+          <p:cNvPr id="210" name="Google Shape;210;g252643da06a_0_22:notes"/>
+          <p:cNvSpPr txBox="1"/>
+          <p:nvPr>
+            <p:ph idx="1" type="body"/>
+          </p:nvPr>
+        </p:nvSpPr>
+        <p:spPr>
+          <a:xfrm>
+            <a:off x="685800" y="4343400"/>
+            <a:ext cx="5486400" cy="4114800"/>
+          </a:xfrm>
+          <a:prstGeom prst="rect">
+            <a:avLst/>
+          </a:prstGeom>
+          <a:noFill/>
+          <a:ln>
+            <a:noFill/>
+          </a:ln>
+        </p:spPr>
+        <p:txBody>
+          <a:bodyPr anchorCtr="0" anchor="t" bIns="91425" lIns="91425" spcFirstLastPara="1" rIns="91425" wrap="square" tIns="91425">
+            <a:noAutofit/>
+          </a:bodyPr>
+          <a:lstStyle/>
+          <a:p>
+            <a:pPr indent="0" lvl="0" marL="0" rtl="0" algn="l">
+              <a:lnSpc>
+                <a:spcPct val="100000"/>
+              </a:lnSpc>
+              <a:spcBef>
+                <a:spcPts val="0"/>
+              </a:spcBef>
+              <a:spcAft>
+                <a:spcPts val="0"/>
+              </a:spcAft>
+              <a:buSzPts val="1100"/>
+              <a:buNone/>
+            </a:pPr>
+            <a:r>
+              <a:rPr lang="pt-BR"/>
+              <a:t>Os textos estão editáveis e os ícones escalonáveis.</a:t>
+            </a:r>
+            <a:endParaRPr/>
+          </a:p>
+        </p:txBody>
+      </p:sp>
+    </p:spTree>
+  </p:cSld>
+  <p:clrMapOvr>
+    <a:masterClrMapping/>
+  </p:clrMapOvr>
+</p:notes>
+</file>
+
+<file path=ppt/notesSlides/notesSlide14.xml><?xml version="1.0" encoding="utf-8"?>
+<p:notes xmlns:a="http://schemas.openxmlformats.org/drawingml/2006/main" xmlns:r="http://schemas.openxmlformats.org/officeDocument/2006/relationships" xmlns:mc="http://schemas.openxmlformats.org/markup-compatibility/2006" xmlns:mv="urn:schemas-microsoft-com:mac:vml" xmlns:p="http://schemas.openxmlformats.org/presentationml/2006/main" xmlns:c="http://schemas.openxmlformats.org/drawingml/2006/chart" xmlns:dgm="http://schemas.openxmlformats.org/drawingml/2006/diagram" xmlns:o="urn:schemas-microsoft-com:office:office" xmlns:v="urn:schemas-microsoft-com:vml" xmlns:pvml="urn:schemas-microsoft-com:office:powerpoint" xmlns:com="http://schemas.openxmlformats.org/drawingml/2006/compatibility" xmlns:p14="http://schemas.microsoft.com/office/powerpoint/2010/main" xmlns:p15="http://schemas.microsoft.com/office/powerpoint/2012/main" xmlns:ahyp="http://schemas.microsoft.com/office/drawing/2018/hyperlinkcolor" showMasterPhAnim="0" showMasterSp="0">
+  <p:cSld>
+    <p:spTree>
+      <p:nvGrpSpPr>
+        <p:cNvPr id="218" name="Shape 218"/>
+        <p:cNvGrpSpPr/>
+        <p:nvPr/>
+      </p:nvGrpSpPr>
+      <p:grpSpPr>
+        <a:xfrm>
+          <a:off x="0" y="0"/>
+          <a:ext cx="0" cy="0"/>
+          <a:chOff x="0" y="0"/>
+          <a:chExt cx="0" cy="0"/>
+        </a:xfrm>
+      </p:grpSpPr>
+      <p:sp>
+        <p:nvSpPr>
+          <p:cNvPr id="219" name="Google Shape;219;p13:notes"/>
           <p:cNvSpPr txBox="1"/>
           <p:nvPr>
             <p:ph idx="1" type="body"/>
@@ -1174,7 +1531,7 @@
       </p:sp>
       <p:sp>
         <p:nvSpPr>
-          <p:cNvPr id="181" name="Google Shape;181;p13:notes"/>
+          <p:cNvPr id="220" name="Google Shape;220;p13:notes"/>
           <p:cNvSpPr/>
           <p:nvPr>
             <p:ph idx="2" type="sldImg"/>
@@ -1230,7 +1587,7 @@
   <p:cSld>
     <p:spTree>
       <p:nvGrpSpPr>
-        <p:cNvPr id="65" name="Shape 65"/>
+        <p:cNvPr id="66" name="Shape 66"/>
         <p:cNvGrpSpPr/>
         <p:nvPr/>
       </p:nvGrpSpPr>
@@ -1244,7 +1601,7 @@
       </p:grpSpPr>
       <p:sp>
         <p:nvSpPr>
-          <p:cNvPr id="66" name="Google Shape;66;p3:notes"/>
+          <p:cNvPr id="67" name="Google Shape;67;p3:notes"/>
           <p:cNvSpPr/>
           <p:nvPr>
             <p:ph idx="2" type="sldImg"/>
@@ -1289,7 +1646,7 @@
       </p:sp>
       <p:sp>
         <p:nvSpPr>
-          <p:cNvPr id="67" name="Google Shape;67;p3:notes"/>
+          <p:cNvPr id="68" name="Google Shape;68;p3:notes"/>
           <p:cNvSpPr txBox="1"/>
           <p:nvPr>
             <p:ph idx="1" type="body"/>
@@ -1336,7 +1693,7 @@
       </p:sp>
       <p:sp>
         <p:nvSpPr>
-          <p:cNvPr id="68" name="Google Shape;68;p3:notes"/>
+          <p:cNvPr id="69" name="Google Shape;69;p3:notes"/>
           <p:cNvSpPr txBox="1"/>
           <p:nvPr>
             <p:ph idx="12" type="sldNum"/>
@@ -1415,7 +1772,7 @@
   <p:cSld>
     <p:spTree>
       <p:nvGrpSpPr>
-        <p:cNvPr id="90" name="Shape 90"/>
+        <p:cNvPr id="91" name="Shape 91"/>
         <p:cNvGrpSpPr/>
         <p:nvPr/>
       </p:nvGrpSpPr>
@@ -1429,7 +1786,7 @@
       </p:grpSpPr>
       <p:sp>
         <p:nvSpPr>
-          <p:cNvPr id="91" name="Google Shape;91;g251ebc0e60a_0_111:notes"/>
+          <p:cNvPr id="92" name="Google Shape;92;g251ebc0e60a_0_111:notes"/>
           <p:cNvSpPr/>
           <p:nvPr>
             <p:ph idx="2" type="sldImg"/>
@@ -1474,7 +1831,7 @@
       </p:sp>
       <p:sp>
         <p:nvSpPr>
-          <p:cNvPr id="92" name="Google Shape;92;g251ebc0e60a_0_111:notes"/>
+          <p:cNvPr id="93" name="Google Shape;93;g251ebc0e60a_0_111:notes"/>
           <p:cNvSpPr txBox="1"/>
           <p:nvPr>
             <p:ph idx="1" type="body"/>
@@ -1533,7 +1890,7 @@
   <p:cSld>
     <p:spTree>
       <p:nvGrpSpPr>
-        <p:cNvPr id="105" name="Shape 105"/>
+        <p:cNvPr id="106" name="Shape 106"/>
         <p:cNvGrpSpPr/>
         <p:nvPr/>
       </p:nvGrpSpPr>
@@ -1547,7 +1904,7 @@
       </p:grpSpPr>
       <p:sp>
         <p:nvSpPr>
-          <p:cNvPr id="106" name="Google Shape;106;g251ebc0e60a_0_31:notes"/>
+          <p:cNvPr id="107" name="Google Shape;107;g252643da06a_0_37:notes"/>
           <p:cNvSpPr/>
           <p:nvPr>
             <p:ph idx="2" type="sldImg"/>
@@ -1592,7 +1949,7 @@
       </p:sp>
       <p:sp>
         <p:nvSpPr>
-          <p:cNvPr id="107" name="Google Shape;107;g251ebc0e60a_0_31:notes"/>
+          <p:cNvPr id="108" name="Google Shape;108;g252643da06a_0_37:notes"/>
           <p:cNvSpPr txBox="1"/>
           <p:nvPr>
             <p:ph idx="1" type="body"/>
@@ -1651,7 +2008,7 @@
   <p:cSld>
     <p:spTree>
       <p:nvGrpSpPr>
-        <p:cNvPr id="115" name="Shape 115"/>
+        <p:cNvPr id="120" name="Shape 120"/>
         <p:cNvGrpSpPr/>
         <p:nvPr/>
       </p:nvGrpSpPr>
@@ -1665,7 +2022,7 @@
       </p:grpSpPr>
       <p:sp>
         <p:nvSpPr>
-          <p:cNvPr id="116" name="Google Shape;116;g251ebc0e60a_0_133:notes"/>
+          <p:cNvPr id="121" name="Google Shape;121;g251ebc0e60a_0_31:notes"/>
           <p:cNvSpPr/>
           <p:nvPr>
             <p:ph idx="2" type="sldImg"/>
@@ -1710,7 +2067,7 @@
       </p:sp>
       <p:sp>
         <p:nvSpPr>
-          <p:cNvPr id="117" name="Google Shape;117;g251ebc0e60a_0_133:notes"/>
+          <p:cNvPr id="122" name="Google Shape;122;g251ebc0e60a_0_31:notes"/>
           <p:cNvSpPr txBox="1"/>
           <p:nvPr>
             <p:ph idx="1" type="body"/>
@@ -1769,7 +2126,7 @@
   <p:cSld>
     <p:spTree>
       <p:nvGrpSpPr>
-        <p:cNvPr id="125" name="Shape 125"/>
+        <p:cNvPr id="131" name="Shape 131"/>
         <p:cNvGrpSpPr/>
         <p:nvPr/>
       </p:nvGrpSpPr>
@@ -1783,7 +2140,7 @@
       </p:grpSpPr>
       <p:sp>
         <p:nvSpPr>
-          <p:cNvPr id="126" name="Google Shape;126;g251ebc0e60a_0_145:notes"/>
+          <p:cNvPr id="132" name="Google Shape;132;g251ebc0e60a_0_133:notes"/>
           <p:cNvSpPr/>
           <p:nvPr>
             <p:ph idx="2" type="sldImg"/>
@@ -1828,7 +2185,7 @@
       </p:sp>
       <p:sp>
         <p:nvSpPr>
-          <p:cNvPr id="127" name="Google Shape;127;g251ebc0e60a_0_145:notes"/>
+          <p:cNvPr id="133" name="Google Shape;133;g251ebc0e60a_0_133:notes"/>
           <p:cNvSpPr txBox="1"/>
           <p:nvPr>
             <p:ph idx="1" type="body"/>
@@ -1887,7 +2244,7 @@
   <p:cSld>
     <p:spTree>
       <p:nvGrpSpPr>
-        <p:cNvPr id="135" name="Shape 135"/>
+        <p:cNvPr id="145" name="Shape 145"/>
         <p:cNvGrpSpPr/>
         <p:nvPr/>
       </p:nvGrpSpPr>
@@ -1901,7 +2258,7 @@
       </p:grpSpPr>
       <p:sp>
         <p:nvSpPr>
-          <p:cNvPr id="136" name="Google Shape;136;g251ebc0e60a_0_157:notes"/>
+          <p:cNvPr id="146" name="Google Shape;146;g251ebc0e60a_0_145:notes"/>
           <p:cNvSpPr/>
           <p:nvPr>
             <p:ph idx="2" type="sldImg"/>
@@ -1946,7 +2303,7 @@
       </p:sp>
       <p:sp>
         <p:nvSpPr>
-          <p:cNvPr id="137" name="Google Shape;137;g251ebc0e60a_0_157:notes"/>
+          <p:cNvPr id="147" name="Google Shape;147;g251ebc0e60a_0_145:notes"/>
           <p:cNvSpPr txBox="1"/>
           <p:nvPr>
             <p:ph idx="1" type="body"/>
@@ -2005,7 +2362,7 @@
   <p:cSld>
     <p:spTree>
       <p:nvGrpSpPr>
-        <p:cNvPr id="145" name="Shape 145"/>
+        <p:cNvPr id="156" name="Shape 156"/>
         <p:cNvGrpSpPr/>
         <p:nvPr/>
       </p:nvGrpSpPr>
@@ -2019,7 +2376,7 @@
       </p:grpSpPr>
       <p:sp>
         <p:nvSpPr>
-          <p:cNvPr id="146" name="Google Shape;146;g251ebc0e60a_0_169:notes"/>
+          <p:cNvPr id="157" name="Google Shape;157;g251ebc0e60a_0_157:notes"/>
           <p:cNvSpPr/>
           <p:nvPr>
             <p:ph idx="2" type="sldImg"/>
@@ -2064,7 +2421,7 @@
       </p:sp>
       <p:sp>
         <p:nvSpPr>
-          <p:cNvPr id="147" name="Google Shape;147;g251ebc0e60a_0_169:notes"/>
+          <p:cNvPr id="158" name="Google Shape;158;g251ebc0e60a_0_157:notes"/>
           <p:cNvSpPr txBox="1"/>
           <p:nvPr>
             <p:ph idx="1" type="body"/>
@@ -2123,7 +2480,7 @@
   <p:cSld>
     <p:spTree>
       <p:nvGrpSpPr>
-        <p:cNvPr id="155" name="Shape 155"/>
+        <p:cNvPr id="167" name="Shape 167"/>
         <p:cNvGrpSpPr/>
         <p:nvPr/>
       </p:nvGrpSpPr>
@@ -2137,7 +2494,7 @@
       </p:grpSpPr>
       <p:sp>
         <p:nvSpPr>
-          <p:cNvPr id="156" name="Google Shape;156;g251ebc0e60a_1_44:notes"/>
+          <p:cNvPr id="168" name="Google Shape;168;g251ebc0e60a_0_169:notes"/>
           <p:cNvSpPr/>
           <p:nvPr>
             <p:ph idx="2" type="sldImg"/>
@@ -2182,7 +2539,7 @@
       </p:sp>
       <p:sp>
         <p:nvSpPr>
-          <p:cNvPr id="157" name="Google Shape;157;g251ebc0e60a_1_44:notes"/>
+          <p:cNvPr id="169" name="Google Shape;169;g251ebc0e60a_0_169:notes"/>
           <p:cNvSpPr txBox="1"/>
           <p:nvPr>
             <p:ph idx="1" type="body"/>
@@ -10518,36 +10875,137 @@
           <a:chExt cx="0" cy="0"/>
         </a:xfrm>
       </p:grpSpPr>
-      <p:pic>
-        <p:nvPicPr>
+      <p:grpSp>
+        <p:nvGrpSpPr>
           <p:cNvPr id="58" name="Google Shape;58;p1"/>
-          <p:cNvPicPr preferRelativeResize="0"/>
+          <p:cNvGrpSpPr/>
           <p:nvPr/>
-        </p:nvPicPr>
-        <p:blipFill rotWithShape="1">
-          <a:blip r:embed="rId3">
-            <a:alphaModFix/>
-          </a:blip>
-          <a:srcRect b="0" l="0" r="0" t="0"/>
-          <a:stretch/>
-        </p:blipFill>
-        <p:spPr>
+        </p:nvGrpSpPr>
+        <p:grpSpPr>
           <a:xfrm>
             <a:off x="0" y="0"/>
             <a:ext cx="9144000" cy="5143500"/>
+            <a:chOff x="0" y="0"/>
+            <a:chExt cx="9144000" cy="5143500"/>
           </a:xfrm>
-          <a:prstGeom prst="rect">
-            <a:avLst/>
-          </a:prstGeom>
-          <a:noFill/>
-          <a:ln>
+        </p:grpSpPr>
+        <p:pic>
+          <p:nvPicPr>
+            <p:cNvPr id="59" name="Google Shape;59;p1"/>
+            <p:cNvPicPr preferRelativeResize="0"/>
+            <p:nvPr/>
+          </p:nvPicPr>
+          <p:blipFill rotWithShape="1">
+            <a:blip r:embed="rId3">
+              <a:alphaModFix/>
+            </a:blip>
+            <a:srcRect b="0" l="0" r="0" t="0"/>
+            <a:stretch/>
+          </p:blipFill>
+          <p:spPr>
+            <a:xfrm>
+              <a:off x="0" y="0"/>
+              <a:ext cx="9144000" cy="5143500"/>
+            </a:xfrm>
+            <a:prstGeom prst="rect">
+              <a:avLst/>
+            </a:prstGeom>
             <a:noFill/>
-          </a:ln>
-        </p:spPr>
-      </p:pic>
+            <a:ln>
+              <a:noFill/>
+            </a:ln>
+          </p:spPr>
+        </p:pic>
+        <p:sp>
+          <p:nvSpPr>
+            <p:cNvPr id="60" name="Google Shape;60;p1"/>
+            <p:cNvSpPr/>
+            <p:nvPr/>
+          </p:nvSpPr>
+          <p:spPr>
+            <a:xfrm>
+              <a:off x="3107825" y="257850"/>
+              <a:ext cx="2293500" cy="1601400"/>
+            </a:xfrm>
+            <a:prstGeom prst="rect">
+              <a:avLst/>
+            </a:prstGeom>
+            <a:solidFill>
+              <a:srgbClr val="0033FF"/>
+            </a:solidFill>
+            <a:ln>
+              <a:noFill/>
+            </a:ln>
+          </p:spPr>
+          <p:txBody>
+            <a:bodyPr anchorCtr="0" anchor="ctr" bIns="91425" lIns="91425" spcFirstLastPara="1" rIns="91425" wrap="square" tIns="91425">
+              <a:noAutofit/>
+            </a:bodyPr>
+            <a:lstStyle/>
+            <a:p>
+              <a:pPr indent="0" lvl="0" marL="0" rtl="0" algn="l">
+                <a:spcBef>
+                  <a:spcPts val="0"/>
+                </a:spcBef>
+                <a:spcAft>
+                  <a:spcPts val="0"/>
+                </a:spcAft>
+                <a:buNone/>
+              </a:pPr>
+              <a:r>
+                <a:t/>
+              </a:r>
+              <a:endParaRPr/>
+            </a:p>
+          </p:txBody>
+        </p:sp>
+        <p:sp>
+          <p:nvSpPr>
+            <p:cNvPr id="61" name="Google Shape;61;p1"/>
+            <p:cNvSpPr/>
+            <p:nvPr/>
+          </p:nvSpPr>
+          <p:spPr>
+            <a:xfrm>
+              <a:off x="241325" y="3710425"/>
+              <a:ext cx="4128600" cy="1243200"/>
+            </a:xfrm>
+            <a:prstGeom prst="rect">
+              <a:avLst/>
+            </a:prstGeom>
+            <a:solidFill>
+              <a:srgbClr val="0033FF"/>
+            </a:solidFill>
+            <a:ln>
+              <a:noFill/>
+            </a:ln>
+          </p:spPr>
+          <p:txBody>
+            <a:bodyPr anchorCtr="0" anchor="ctr" bIns="91425" lIns="91425" spcFirstLastPara="1" rIns="91425" wrap="square" tIns="91425">
+              <a:noAutofit/>
+            </a:bodyPr>
+            <a:lstStyle/>
+            <a:p>
+              <a:pPr indent="0" lvl="0" marL="0" rtl="0" algn="l">
+                <a:spcBef>
+                  <a:spcPts val="0"/>
+                </a:spcBef>
+                <a:spcAft>
+                  <a:spcPts val="0"/>
+                </a:spcAft>
+                <a:buNone/>
+              </a:pPr>
+              <a:r>
+                <a:t/>
+              </a:r>
+              <a:endParaRPr/>
+            </a:p>
+          </p:txBody>
+        </p:sp>
+      </p:grpSp>
       <p:sp>
         <p:nvSpPr>
-          <p:cNvPr id="59" name="Google Shape;59;p1"/>
+          <p:cNvPr id="62" name="Google Shape;62;p1"/>
           <p:cNvSpPr txBox="1"/>
           <p:nvPr/>
         </p:nvSpPr>
@@ -10604,7 +11062,7 @@
       </p:sp>
       <p:sp>
         <p:nvSpPr>
-          <p:cNvPr id="60" name="Google Shape;60;p1"/>
+          <p:cNvPr id="63" name="Google Shape;63;p1"/>
           <p:cNvSpPr txBox="1"/>
           <p:nvPr/>
         </p:nvSpPr>
@@ -10654,7 +11112,7 @@
                 <a:cs typeface="PT Sans"/>
                 <a:sym typeface="PT Sans"/>
               </a:rPr>
-              <a:t>Explorando a falha dos equipamentos</a:t>
+              <a:t>Predict equipment failures</a:t>
             </a:r>
             <a:endParaRPr b="0" i="0" sz="2100" u="none" cap="none" strike="noStrike">
               <a:solidFill>
@@ -10670,7 +11128,7 @@
       </p:sp>
       <p:sp>
         <p:nvSpPr>
-          <p:cNvPr id="61" name="Google Shape;61;p1"/>
+          <p:cNvPr id="64" name="Google Shape;64;p1"/>
           <p:cNvSpPr txBox="1"/>
           <p:nvPr/>
         </p:nvSpPr>
@@ -10734,95 +11192,9 @@
           </a:p>
         </p:txBody>
       </p:sp>
-      <p:sp>
-        <p:nvSpPr>
-          <p:cNvPr id="62" name="Google Shape;62;p1"/>
-          <p:cNvSpPr/>
-          <p:nvPr/>
-        </p:nvSpPr>
-        <p:spPr>
-          <a:xfrm>
-            <a:off x="3107825" y="257850"/>
-            <a:ext cx="2293500" cy="1601400"/>
-          </a:xfrm>
-          <a:prstGeom prst="rect">
-            <a:avLst/>
-          </a:prstGeom>
-          <a:solidFill>
-            <a:srgbClr val="0C3AE8"/>
-          </a:solidFill>
-          <a:ln>
-            <a:noFill/>
-          </a:ln>
-        </p:spPr>
-        <p:txBody>
-          <a:bodyPr anchorCtr="0" anchor="ctr" bIns="91425" lIns="91425" spcFirstLastPara="1" rIns="91425" wrap="square" tIns="91425">
-            <a:noAutofit/>
-          </a:bodyPr>
-          <a:lstStyle/>
-          <a:p>
-            <a:pPr indent="0" lvl="0" marL="0" rtl="0" algn="l">
-              <a:spcBef>
-                <a:spcPts val="0"/>
-              </a:spcBef>
-              <a:spcAft>
-                <a:spcPts val="0"/>
-              </a:spcAft>
-              <a:buNone/>
-            </a:pPr>
-            <a:r>
-              <a:t/>
-            </a:r>
-            <a:endParaRPr/>
-          </a:p>
-        </p:txBody>
-      </p:sp>
-      <p:sp>
-        <p:nvSpPr>
-          <p:cNvPr id="63" name="Google Shape;63;p1"/>
-          <p:cNvSpPr/>
-          <p:nvPr/>
-        </p:nvSpPr>
-        <p:spPr>
-          <a:xfrm>
-            <a:off x="241325" y="3710425"/>
-            <a:ext cx="4128600" cy="1243200"/>
-          </a:xfrm>
-          <a:prstGeom prst="rect">
-            <a:avLst/>
-          </a:prstGeom>
-          <a:solidFill>
-            <a:srgbClr val="0C3AE8"/>
-          </a:solidFill>
-          <a:ln>
-            <a:noFill/>
-          </a:ln>
-        </p:spPr>
-        <p:txBody>
-          <a:bodyPr anchorCtr="0" anchor="ctr" bIns="91425" lIns="91425" spcFirstLastPara="1" rIns="91425" wrap="square" tIns="91425">
-            <a:noAutofit/>
-          </a:bodyPr>
-          <a:lstStyle/>
-          <a:p>
-            <a:pPr indent="0" lvl="0" marL="0" rtl="0" algn="l">
-              <a:spcBef>
-                <a:spcPts val="0"/>
-              </a:spcBef>
-              <a:spcAft>
-                <a:spcPts val="0"/>
-              </a:spcAft>
-              <a:buNone/>
-            </a:pPr>
-            <a:r>
-              <a:t/>
-            </a:r>
-            <a:endParaRPr/>
-          </a:p>
-        </p:txBody>
-      </p:sp>
       <p:pic>
         <p:nvPicPr>
-          <p:cNvPr id="64" name="Google Shape;64;p1"/>
+          <p:cNvPr id="65" name="Google Shape;65;p1"/>
           <p:cNvPicPr preferRelativeResize="0"/>
           <p:nvPr/>
         </p:nvPicPr>
@@ -10861,7 +11233,7 @@
   <p:cSld>
     <p:spTree>
       <p:nvGrpSpPr>
-        <p:cNvPr id="172" name="Shape 172"/>
+        <p:cNvPr id="181" name="Shape 181"/>
         <p:cNvGrpSpPr/>
         <p:nvPr/>
       </p:nvGrpSpPr>
@@ -10875,7 +11247,7 @@
       </p:grpSpPr>
       <p:pic>
         <p:nvPicPr>
-          <p:cNvPr id="173" name="Google Shape;173;g251ebc0e60a_1_21"/>
+          <p:cNvPr id="182" name="Google Shape;182;g251ebc0e60a_1_44"/>
           <p:cNvPicPr preferRelativeResize="0"/>
           <p:nvPr/>
         </p:nvPicPr>
@@ -10902,7 +11274,7 @@
       </p:pic>
       <p:sp>
         <p:nvSpPr>
-          <p:cNvPr id="174" name="Google Shape;174;g251ebc0e60a_1_21"/>
+          <p:cNvPr id="183" name="Google Shape;183;g251ebc0e60a_1_44"/>
           <p:cNvSpPr/>
           <p:nvPr/>
         </p:nvSpPr>
@@ -10978,7 +11350,7 @@
       </p:sp>
       <p:pic>
         <p:nvPicPr>
-          <p:cNvPr id="175" name="Google Shape;175;g251ebc0e60a_1_21"/>
+          <p:cNvPr id="184" name="Google Shape;184;g251ebc0e60a_1_44"/>
           <p:cNvPicPr preferRelativeResize="0"/>
           <p:nvPr/>
         </p:nvPicPr>
@@ -11005,14 +11377,14 @@
       </p:pic>
       <p:sp>
         <p:nvSpPr>
-          <p:cNvPr id="176" name="Google Shape;176;g251ebc0e60a_1_21"/>
+          <p:cNvPr id="185" name="Google Shape;185;g251ebc0e60a_1_44"/>
           <p:cNvSpPr txBox="1"/>
           <p:nvPr/>
         </p:nvSpPr>
         <p:spPr>
           <a:xfrm>
             <a:off x="0" y="0"/>
-            <a:ext cx="6353100" cy="477300"/>
+            <a:ext cx="6353100" cy="954300"/>
           </a:xfrm>
           <a:prstGeom prst="rect">
             <a:avLst/>
@@ -11028,7 +11400,7 @@
           </a:bodyPr>
           <a:lstStyle/>
           <a:p>
-            <a:pPr indent="0" lvl="0" marL="0" rtl="0" algn="ctr">
+            <a:pPr indent="0" lvl="0" marL="0" rtl="0" algn="l">
               <a:spcBef>
                 <a:spcPts val="0"/>
               </a:spcBef>
@@ -11055,7 +11427,66 @@
                 <a:cs typeface="Poppins"/>
                 <a:sym typeface="Poppins"/>
               </a:rPr>
-              <a:t>Variable Importance</a:t>
+              <a:t>Random Forest</a:t>
+            </a:r>
+            <a:r>
+              <a:rPr b="1" lang="pt-BR" sz="3100">
+                <a:solidFill>
+                  <a:srgbClr val="001863"/>
+                </a:solidFill>
+                <a:highlight>
+                  <a:srgbClr val="FFFFFF"/>
+                </a:highlight>
+                <a:latin typeface="Poppins"/>
+                <a:ea typeface="Poppins"/>
+                <a:cs typeface="Poppins"/>
+                <a:sym typeface="Poppins"/>
+              </a:rPr>
+              <a:t>: </a:t>
+            </a:r>
+            <a:br>
+              <a:rPr b="1" lang="pt-BR" sz="3100">
+                <a:solidFill>
+                  <a:srgbClr val="001863"/>
+                </a:solidFill>
+                <a:highlight>
+                  <a:srgbClr val="FFFFFF"/>
+                </a:highlight>
+                <a:latin typeface="Poppins"/>
+                <a:ea typeface="Poppins"/>
+                <a:cs typeface="Poppins"/>
+                <a:sym typeface="Poppins"/>
+              </a:rPr>
+            </a:br>
+            <a:r>
+              <a:rPr b="1" lang="pt-BR" sz="3100">
+                <a:solidFill>
+                  <a:srgbClr val="001863"/>
+                </a:solidFill>
+                <a:highlight>
+                  <a:srgbClr val="FFFFFF"/>
+                </a:highlight>
+                <a:latin typeface="Poppins"/>
+                <a:ea typeface="Poppins"/>
+                <a:cs typeface="Poppins"/>
+                <a:sym typeface="Poppins"/>
+              </a:rPr>
+              <a:t>Model </a:t>
+            </a:r>
+            <a:r>
+              <a:rPr b="1" lang="pt-BR" sz="3100">
+                <a:solidFill>
+                  <a:srgbClr val="001863"/>
+                </a:solidFill>
+                <a:highlight>
+                  <a:srgbClr val="FFFFFF"/>
+                </a:highlight>
+                <a:latin typeface="Poppins"/>
+                <a:ea typeface="Poppins"/>
+                <a:cs typeface="Poppins"/>
+                <a:sym typeface="Poppins"/>
+              </a:rPr>
+              <a:t>Performance</a:t>
             </a:r>
             <a:endParaRPr b="1" sz="3100">
               <a:solidFill>
@@ -11071,7 +11502,7 @@
       </p:sp>
       <p:pic>
         <p:nvPicPr>
-          <p:cNvPr id="177" name="Google Shape;177;g251ebc0e60a_1_21"/>
+          <p:cNvPr id="186" name="Google Shape;186;g251ebc0e60a_1_44"/>
           <p:cNvPicPr preferRelativeResize="0"/>
           <p:nvPr/>
         </p:nvPicPr>
@@ -11099,7 +11530,7 @@
       </p:pic>
       <p:pic>
         <p:nvPicPr>
-          <p:cNvPr id="178" name="Google Shape;178;g251ebc0e60a_1_21"/>
+          <p:cNvPr id="187" name="Google Shape;187;g251ebc0e60a_1_44"/>
           <p:cNvPicPr preferRelativeResize="0"/>
           <p:nvPr/>
         </p:nvPicPr>
@@ -11113,8 +11544,8 @@
         </p:blipFill>
         <p:spPr>
           <a:xfrm>
-            <a:off x="0" y="775250"/>
-            <a:ext cx="6604826" cy="3465777"/>
+            <a:off x="513088" y="1269750"/>
+            <a:ext cx="5326925" cy="2973050"/>
           </a:xfrm>
           <a:prstGeom prst="rect">
             <a:avLst/>
@@ -11136,1260 +11567,9 @@
 <file path=ppt/slides/slide11.xml><?xml version="1.0" encoding="utf-8"?>
 <p:sld xmlns:a="http://schemas.openxmlformats.org/drawingml/2006/main" xmlns:r="http://schemas.openxmlformats.org/officeDocument/2006/relationships" xmlns:mc="http://schemas.openxmlformats.org/markup-compatibility/2006" xmlns:mv="urn:schemas-microsoft-com:mac:vml" xmlns:p="http://schemas.openxmlformats.org/presentationml/2006/main" xmlns:c="http://schemas.openxmlformats.org/drawingml/2006/chart" xmlns:dgm="http://schemas.openxmlformats.org/drawingml/2006/diagram" xmlns:o="urn:schemas-microsoft-com:office:office" xmlns:v="urn:schemas-microsoft-com:vml" xmlns:pvml="urn:schemas-microsoft-com:office:powerpoint" xmlns:com="http://schemas.openxmlformats.org/drawingml/2006/compatibility" xmlns:p14="http://schemas.microsoft.com/office/powerpoint/2010/main" xmlns:p15="http://schemas.microsoft.com/office/powerpoint/2012/main" xmlns:ahyp="http://schemas.microsoft.com/office/drawing/2018/hyperlinkcolor">
   <p:cSld>
-    <p:bg>
-      <p:bgPr>
-        <a:solidFill>
-          <a:srgbClr val="061D74"/>
-        </a:solidFill>
-      </p:bgPr>
-    </p:bg>
     <p:spTree>
       <p:nvGrpSpPr>
-        <p:cNvPr id="182" name="Shape 182"/>
-        <p:cNvGrpSpPr/>
-        <p:nvPr/>
-      </p:nvGrpSpPr>
-      <p:grpSpPr>
-        <a:xfrm>
-          <a:off x="0" y="0"/>
-          <a:ext cx="0" cy="0"/>
-          <a:chOff x="0" y="0"/>
-          <a:chExt cx="0" cy="0"/>
-        </a:xfrm>
-      </p:grpSpPr>
-      <p:sp>
-        <p:nvSpPr>
-          <p:cNvPr id="183" name="Google Shape;183;p13"/>
-          <p:cNvSpPr txBox="1"/>
-          <p:nvPr/>
-        </p:nvSpPr>
-        <p:spPr>
-          <a:xfrm>
-            <a:off x="2543250" y="394475"/>
-            <a:ext cx="7990500" cy="1569900"/>
-          </a:xfrm>
-          <a:prstGeom prst="rect">
-            <a:avLst/>
-          </a:prstGeom>
-          <a:noFill/>
-          <a:ln>
-            <a:noFill/>
-          </a:ln>
-        </p:spPr>
-        <p:txBody>
-          <a:bodyPr anchorCtr="0" anchor="t" bIns="91425" lIns="91425" spcFirstLastPara="1" rIns="91425" wrap="square" tIns="91425">
-            <a:spAutoFit/>
-          </a:bodyPr>
-          <a:lstStyle/>
-          <a:p>
-            <a:pPr indent="0" lvl="0" marL="0" marR="0" rtl="0" algn="l">
-              <a:lnSpc>
-                <a:spcPct val="100000"/>
-              </a:lnSpc>
-              <a:spcBef>
-                <a:spcPts val="0"/>
-              </a:spcBef>
-              <a:spcAft>
-                <a:spcPts val="0"/>
-              </a:spcAft>
-              <a:buClr>
-                <a:srgbClr val="000000"/>
-              </a:buClr>
-              <a:buSzPts val="9000"/>
-              <a:buFont typeface="Arial"/>
-              <a:buNone/>
-            </a:pPr>
-            <a:r>
-              <a:rPr b="0" i="0" lang="pt-BR" sz="9000" u="none" cap="none" strike="noStrike">
-                <a:solidFill>
-                  <a:srgbClr val="F5009C"/>
-                </a:solidFill>
-                <a:latin typeface="Poppins Black"/>
-                <a:ea typeface="Poppins Black"/>
-                <a:cs typeface="Poppins Black"/>
-                <a:sym typeface="Poppins Black"/>
-              </a:rPr>
-              <a:t>Obrigad</a:t>
-            </a:r>
-            <a:r>
-              <a:rPr lang="pt-BR" sz="9000">
-                <a:solidFill>
-                  <a:srgbClr val="F5009C"/>
-                </a:solidFill>
-                <a:latin typeface="Poppins Black"/>
-                <a:ea typeface="Poppins Black"/>
-                <a:cs typeface="Poppins Black"/>
-                <a:sym typeface="Poppins Black"/>
-              </a:rPr>
-              <a:t>o</a:t>
-            </a:r>
-            <a:endParaRPr b="0" i="0" sz="9000" u="none" cap="none" strike="noStrike">
-              <a:solidFill>
-                <a:srgbClr val="F5009C"/>
-              </a:solidFill>
-              <a:latin typeface="Poppins Black"/>
-              <a:ea typeface="Poppins Black"/>
-              <a:cs typeface="Poppins Black"/>
-              <a:sym typeface="Poppins Black"/>
-            </a:endParaRPr>
-          </a:p>
-        </p:txBody>
-      </p:sp>
-      <p:sp>
-        <p:nvSpPr>
-          <p:cNvPr id="184" name="Google Shape;184;p13"/>
-          <p:cNvSpPr txBox="1"/>
-          <p:nvPr/>
-        </p:nvSpPr>
-        <p:spPr>
-          <a:xfrm>
-            <a:off x="5580866" y="2358395"/>
-            <a:ext cx="3902400" cy="477300"/>
-          </a:xfrm>
-          <a:prstGeom prst="rect">
-            <a:avLst/>
-          </a:prstGeom>
-          <a:noFill/>
-          <a:ln>
-            <a:noFill/>
-          </a:ln>
-        </p:spPr>
-        <p:txBody>
-          <a:bodyPr anchorCtr="0" anchor="t" bIns="68575" lIns="68575" spcFirstLastPara="1" rIns="68575" wrap="square" tIns="68575">
-            <a:spAutoFit/>
-          </a:bodyPr>
-          <a:lstStyle/>
-          <a:p>
-            <a:pPr indent="0" lvl="0" marL="0" marR="0" rtl="0" algn="l">
-              <a:lnSpc>
-                <a:spcPct val="100000"/>
-              </a:lnSpc>
-              <a:spcBef>
-                <a:spcPts val="0"/>
-              </a:spcBef>
-              <a:spcAft>
-                <a:spcPts val="0"/>
-              </a:spcAft>
-              <a:buClr>
-                <a:srgbClr val="000000"/>
-              </a:buClr>
-              <a:buSzPts val="1800"/>
-              <a:buFont typeface="Arial"/>
-              <a:buNone/>
-            </a:pPr>
-            <a:r>
-              <a:rPr lang="pt-BR" sz="1100">
-                <a:solidFill>
-                  <a:srgbClr val="FFDD19"/>
-                </a:solidFill>
-                <a:latin typeface="Poppins ExtraBold"/>
-                <a:ea typeface="Poppins ExtraBold"/>
-                <a:cs typeface="Poppins ExtraBold"/>
-                <a:sym typeface="Poppins ExtraBold"/>
-              </a:rPr>
-              <a:t>Msc. </a:t>
-            </a:r>
-            <a:r>
-              <a:rPr b="0" i="0" lang="pt-BR" sz="1100" u="none" cap="none" strike="noStrike">
-                <a:solidFill>
-                  <a:srgbClr val="FFDD19"/>
-                </a:solidFill>
-                <a:latin typeface="Poppins ExtraBold"/>
-                <a:ea typeface="Poppins ExtraBold"/>
-                <a:cs typeface="Poppins ExtraBold"/>
-                <a:sym typeface="Poppins ExtraBold"/>
-              </a:rPr>
-              <a:t>Vitor Martins Barbosa</a:t>
-            </a:r>
-            <a:endParaRPr b="0" i="0" sz="1100" u="none" cap="none" strike="noStrike">
-              <a:solidFill>
-                <a:srgbClr val="FFDD19"/>
-              </a:solidFill>
-              <a:latin typeface="Poppins ExtraBold"/>
-              <a:ea typeface="Poppins ExtraBold"/>
-              <a:cs typeface="Poppins ExtraBold"/>
-              <a:sym typeface="Poppins ExtraBold"/>
-            </a:endParaRPr>
-          </a:p>
-          <a:p>
-            <a:pPr indent="0" lvl="0" marL="0" marR="0" rtl="0" algn="l">
-              <a:lnSpc>
-                <a:spcPct val="100000"/>
-              </a:lnSpc>
-              <a:spcBef>
-                <a:spcPts val="0"/>
-              </a:spcBef>
-              <a:spcAft>
-                <a:spcPts val="0"/>
-              </a:spcAft>
-              <a:buClr>
-                <a:srgbClr val="000000"/>
-              </a:buClr>
-              <a:buSzPts val="1800"/>
-              <a:buFont typeface="Arial"/>
-              <a:buNone/>
-            </a:pPr>
-            <a:r>
-              <a:rPr lang="pt-BR" sz="1100">
-                <a:solidFill>
-                  <a:srgbClr val="FFDD19"/>
-                </a:solidFill>
-                <a:latin typeface="Poppins"/>
-                <a:ea typeface="Poppins"/>
-                <a:cs typeface="Poppins"/>
-                <a:sym typeface="Poppins"/>
-              </a:rPr>
-              <a:t>Data Scientist</a:t>
-            </a:r>
-            <a:endParaRPr b="0" i="0" sz="1100" u="none" cap="none" strike="noStrike">
-              <a:solidFill>
-                <a:srgbClr val="FFDD19"/>
-              </a:solidFill>
-              <a:latin typeface="Poppins"/>
-              <a:ea typeface="Poppins"/>
-              <a:cs typeface="Poppins"/>
-              <a:sym typeface="Poppins"/>
-            </a:endParaRPr>
-          </a:p>
-        </p:txBody>
-      </p:sp>
-      <p:cxnSp>
-        <p:nvCxnSpPr>
-          <p:cNvPr id="185" name="Google Shape;185;p13"/>
-          <p:cNvCxnSpPr/>
-          <p:nvPr/>
-        </p:nvCxnSpPr>
-        <p:spPr>
-          <a:xfrm>
-            <a:off x="5226625" y="2325525"/>
-            <a:ext cx="3306000" cy="0"/>
-          </a:xfrm>
-          <a:prstGeom prst="straightConnector1">
-            <a:avLst/>
-          </a:prstGeom>
-          <a:noFill/>
-          <a:ln cap="flat" cmpd="sng" w="9525">
-            <a:solidFill>
-              <a:srgbClr val="FFDD19"/>
-            </a:solidFill>
-            <a:prstDash val="dot"/>
-            <a:round/>
-            <a:headEnd len="sm" w="sm" type="none"/>
-            <a:tailEnd len="sm" w="sm" type="none"/>
-          </a:ln>
-        </p:spPr>
-      </p:cxnSp>
-      <p:pic>
-        <p:nvPicPr>
-          <p:cNvPr id="186" name="Google Shape;186;p13"/>
-          <p:cNvPicPr preferRelativeResize="0"/>
-          <p:nvPr/>
-        </p:nvPicPr>
-        <p:blipFill rotWithShape="1">
-          <a:blip r:embed="rId3">
-            <a:alphaModFix/>
-          </a:blip>
-          <a:srcRect b="1625" l="0" r="0" t="1625"/>
-          <a:stretch/>
-        </p:blipFill>
-        <p:spPr>
-          <a:xfrm>
-            <a:off x="4537775" y="2231975"/>
-            <a:ext cx="1043100" cy="1009200"/>
-          </a:xfrm>
-          <a:prstGeom prst="ellipse">
-            <a:avLst/>
-          </a:prstGeom>
-          <a:noFill/>
-          <a:ln>
-            <a:noFill/>
-          </a:ln>
-        </p:spPr>
-      </p:pic>
-      <p:pic>
-        <p:nvPicPr>
-          <p:cNvPr id="187" name="Google Shape;187;p13"/>
-          <p:cNvPicPr preferRelativeResize="0"/>
-          <p:nvPr/>
-        </p:nvPicPr>
-        <p:blipFill>
-          <a:blip r:embed="rId4">
-            <a:alphaModFix/>
-          </a:blip>
-          <a:stretch>
-            <a:fillRect/>
-          </a:stretch>
-        </p:blipFill>
-        <p:spPr>
-          <a:xfrm>
-            <a:off x="265625" y="1964375"/>
-            <a:ext cx="3530767" cy="2874324"/>
-          </a:xfrm>
-          <a:prstGeom prst="rect">
-            <a:avLst/>
-          </a:prstGeom>
-          <a:noFill/>
-          <a:ln>
-            <a:noFill/>
-          </a:ln>
-        </p:spPr>
-      </p:pic>
-    </p:spTree>
-  </p:cSld>
-  <p:clrMapOvr>
-    <a:masterClrMapping/>
-  </p:clrMapOvr>
-</p:sld>
-</file>
-
-<file path=ppt/slides/slide2.xml><?xml version="1.0" encoding="utf-8"?>
-<p:sld xmlns:a="http://schemas.openxmlformats.org/drawingml/2006/main" xmlns:r="http://schemas.openxmlformats.org/officeDocument/2006/relationships" xmlns:mc="http://schemas.openxmlformats.org/markup-compatibility/2006" xmlns:mv="urn:schemas-microsoft-com:mac:vml" xmlns:p="http://schemas.openxmlformats.org/presentationml/2006/main" xmlns:c="http://schemas.openxmlformats.org/drawingml/2006/chart" xmlns:dgm="http://schemas.openxmlformats.org/drawingml/2006/diagram" xmlns:o="urn:schemas-microsoft-com:office:office" xmlns:v="urn:schemas-microsoft-com:vml" xmlns:pvml="urn:schemas-microsoft-com:office:powerpoint" xmlns:com="http://schemas.openxmlformats.org/drawingml/2006/compatibility" xmlns:p14="http://schemas.microsoft.com/office/powerpoint/2010/main" xmlns:p15="http://schemas.microsoft.com/office/powerpoint/2012/main" xmlns:ahyp="http://schemas.microsoft.com/office/drawing/2018/hyperlinkcolor">
-  <p:cSld>
-    <p:spTree>
-      <p:nvGrpSpPr>
-        <p:cNvPr id="69" name="Shape 69"/>
-        <p:cNvGrpSpPr/>
-        <p:nvPr/>
-      </p:nvGrpSpPr>
-      <p:grpSpPr>
-        <a:xfrm>
-          <a:off x="0" y="0"/>
-          <a:ext cx="0" cy="0"/>
-          <a:chOff x="0" y="0"/>
-          <a:chExt cx="0" cy="0"/>
-        </a:xfrm>
-      </p:grpSpPr>
-      <p:sp>
-        <p:nvSpPr>
-          <p:cNvPr id="70" name="Google Shape;70;p3"/>
-          <p:cNvSpPr txBox="1"/>
-          <p:nvPr/>
-        </p:nvSpPr>
-        <p:spPr>
-          <a:xfrm>
-            <a:off x="3" y="230000"/>
-            <a:ext cx="9144000" cy="596400"/>
-          </a:xfrm>
-          <a:prstGeom prst="rect">
-            <a:avLst/>
-          </a:prstGeom>
-          <a:noFill/>
-          <a:ln>
-            <a:noFill/>
-          </a:ln>
-        </p:spPr>
-        <p:txBody>
-          <a:bodyPr anchorCtr="0" anchor="t" bIns="34275" lIns="68550" spcFirstLastPara="1" rIns="68550" wrap="square" tIns="34275">
-            <a:noAutofit/>
-          </a:bodyPr>
-          <a:lstStyle/>
-          <a:p>
-            <a:pPr indent="0" lvl="0" marL="0" marR="0" rtl="0" algn="ctr">
-              <a:lnSpc>
-                <a:spcPct val="90000"/>
-              </a:lnSpc>
-              <a:spcBef>
-                <a:spcPts val="0"/>
-              </a:spcBef>
-              <a:spcAft>
-                <a:spcPts val="0"/>
-              </a:spcAft>
-              <a:buClr>
-                <a:srgbClr val="000000"/>
-              </a:buClr>
-              <a:buSzPts val="4500"/>
-              <a:buFont typeface="Arial"/>
-              <a:buNone/>
-            </a:pPr>
-            <a:r>
-              <a:t/>
-            </a:r>
-            <a:endParaRPr b="0" i="0" sz="3600" u="none" cap="none" strike="noStrike">
-              <a:solidFill>
-                <a:srgbClr val="225C73"/>
-              </a:solidFill>
-              <a:latin typeface="Roboto Black"/>
-              <a:ea typeface="Roboto Black"/>
-              <a:cs typeface="Roboto Black"/>
-              <a:sym typeface="Roboto Black"/>
-            </a:endParaRPr>
-          </a:p>
-        </p:txBody>
-      </p:sp>
-      <p:sp>
-        <p:nvSpPr>
-          <p:cNvPr id="71" name="Google Shape;71;p3"/>
-          <p:cNvSpPr/>
-          <p:nvPr/>
-        </p:nvSpPr>
-        <p:spPr>
-          <a:xfrm>
-            <a:off x="2460871" y="900638"/>
-            <a:ext cx="2067600" cy="2142300"/>
-          </a:xfrm>
-          <a:prstGeom prst="teardrop">
-            <a:avLst>
-              <a:gd fmla="val 100000" name="adj"/>
-            </a:avLst>
-          </a:prstGeom>
-          <a:solidFill>
-            <a:srgbClr val="061D74"/>
-          </a:solidFill>
-          <a:ln>
-            <a:noFill/>
-          </a:ln>
-        </p:spPr>
-        <p:txBody>
-          <a:bodyPr anchorCtr="0" anchor="ctr" bIns="68575" lIns="68575" spcFirstLastPara="1" rIns="68575" wrap="square" tIns="68575">
-            <a:noAutofit/>
-          </a:bodyPr>
-          <a:lstStyle/>
-          <a:p>
-            <a:pPr indent="0" lvl="0" marL="0" marR="0" rtl="0" algn="l">
-              <a:lnSpc>
-                <a:spcPct val="100000"/>
-              </a:lnSpc>
-              <a:spcBef>
-                <a:spcPts val="0"/>
-              </a:spcBef>
-              <a:spcAft>
-                <a:spcPts val="0"/>
-              </a:spcAft>
-              <a:buClr>
-                <a:srgbClr val="000000"/>
-              </a:buClr>
-              <a:buSzPts val="1100"/>
-              <a:buFont typeface="Arial"/>
-              <a:buNone/>
-            </a:pPr>
-            <a:r>
-              <a:rPr b="0" i="0" lang="pt-BR" sz="1100" u="none" cap="none" strike="noStrike">
-                <a:solidFill>
-                  <a:srgbClr val="000000"/>
-                </a:solidFill>
-                <a:latin typeface="Arial"/>
-                <a:ea typeface="Arial"/>
-                <a:cs typeface="Arial"/>
-                <a:sym typeface="Arial"/>
-              </a:rPr>
-              <a:t>      </a:t>
-            </a:r>
-            <a:endParaRPr b="0" i="0" sz="1100" u="none" cap="none" strike="noStrike">
-              <a:solidFill>
-                <a:srgbClr val="000000"/>
-              </a:solidFill>
-              <a:latin typeface="Arial"/>
-              <a:ea typeface="Arial"/>
-              <a:cs typeface="Arial"/>
-              <a:sym typeface="Arial"/>
-            </a:endParaRPr>
-          </a:p>
-        </p:txBody>
-      </p:sp>
-      <p:sp>
-        <p:nvSpPr>
-          <p:cNvPr id="72" name="Google Shape;72;p3"/>
-          <p:cNvSpPr/>
-          <p:nvPr/>
-        </p:nvSpPr>
-        <p:spPr>
-          <a:xfrm>
-            <a:off x="423303" y="900638"/>
-            <a:ext cx="2067600" cy="2142300"/>
-          </a:xfrm>
-          <a:prstGeom prst="teardrop">
-            <a:avLst>
-              <a:gd fmla="val 100000" name="adj"/>
-            </a:avLst>
-          </a:prstGeom>
-          <a:solidFill>
-            <a:srgbClr val="0C3AE8"/>
-          </a:solidFill>
-          <a:ln>
-            <a:noFill/>
-          </a:ln>
-        </p:spPr>
-        <p:txBody>
-          <a:bodyPr anchorCtr="0" anchor="ctr" bIns="68575" lIns="68575" spcFirstLastPara="1" rIns="68575" wrap="square" tIns="68575">
-            <a:noAutofit/>
-          </a:bodyPr>
-          <a:lstStyle/>
-          <a:p>
-            <a:pPr indent="0" lvl="0" marL="0" marR="0" rtl="0" algn="l">
-              <a:lnSpc>
-                <a:spcPct val="100000"/>
-              </a:lnSpc>
-              <a:spcBef>
-                <a:spcPts val="0"/>
-              </a:spcBef>
-              <a:spcAft>
-                <a:spcPts val="0"/>
-              </a:spcAft>
-              <a:buClr>
-                <a:srgbClr val="000000"/>
-              </a:buClr>
-              <a:buSzPts val="1400"/>
-              <a:buFont typeface="Arial"/>
-              <a:buNone/>
-            </a:pPr>
-            <a:r>
-              <a:t/>
-            </a:r>
-            <a:endParaRPr b="0" i="0" sz="1400" u="none" cap="none" strike="noStrike">
-              <a:solidFill>
-                <a:srgbClr val="000000"/>
-              </a:solidFill>
-              <a:latin typeface="Arial"/>
-              <a:ea typeface="Arial"/>
-              <a:cs typeface="Arial"/>
-              <a:sym typeface="Arial"/>
-            </a:endParaRPr>
-          </a:p>
-        </p:txBody>
-      </p:sp>
-      <p:sp>
-        <p:nvSpPr>
-          <p:cNvPr id="73" name="Google Shape;73;p3"/>
-          <p:cNvSpPr/>
-          <p:nvPr/>
-        </p:nvSpPr>
-        <p:spPr>
-          <a:xfrm>
-            <a:off x="395239" y="3234867"/>
-            <a:ext cx="1997700" cy="906600"/>
-          </a:xfrm>
-          <a:prstGeom prst="rect">
-            <a:avLst/>
-          </a:prstGeom>
-          <a:noFill/>
-          <a:ln>
-            <a:noFill/>
-          </a:ln>
-        </p:spPr>
-        <p:txBody>
-          <a:bodyPr anchorCtr="0" anchor="ctr" bIns="34275" lIns="68550" spcFirstLastPara="1" rIns="68550" wrap="square" tIns="34275">
-            <a:noAutofit/>
-          </a:bodyPr>
-          <a:lstStyle/>
-          <a:p>
-            <a:pPr indent="0" lvl="0" marL="0" marR="0" rtl="0" algn="ctr">
-              <a:lnSpc>
-                <a:spcPct val="100000"/>
-              </a:lnSpc>
-              <a:spcBef>
-                <a:spcPts val="0"/>
-              </a:spcBef>
-              <a:spcAft>
-                <a:spcPts val="0"/>
-              </a:spcAft>
-              <a:buClr>
-                <a:srgbClr val="000000"/>
-              </a:buClr>
-              <a:buSzPts val="1500"/>
-              <a:buFont typeface="Arial"/>
-              <a:buNone/>
-            </a:pPr>
-            <a:r>
-              <a:rPr b="1" lang="pt-BR" sz="1200">
-                <a:solidFill>
-                  <a:schemeClr val="dk1"/>
-                </a:solidFill>
-                <a:latin typeface="Poppins"/>
-                <a:ea typeface="Poppins"/>
-                <a:cs typeface="Poppins"/>
-                <a:sym typeface="Poppins"/>
-              </a:rPr>
-              <a:t>Fails numbers</a:t>
-            </a:r>
-            <a:endParaRPr b="1" i="0" sz="1200" u="none" cap="none" strike="noStrike">
-              <a:solidFill>
-                <a:schemeClr val="dk1"/>
-              </a:solidFill>
-              <a:latin typeface="Poppins"/>
-              <a:ea typeface="Poppins"/>
-              <a:cs typeface="Poppins"/>
-              <a:sym typeface="Poppins"/>
-            </a:endParaRPr>
-          </a:p>
-        </p:txBody>
-      </p:sp>
-      <p:sp>
-        <p:nvSpPr>
-          <p:cNvPr id="74" name="Google Shape;74;p3"/>
-          <p:cNvSpPr/>
-          <p:nvPr/>
-        </p:nvSpPr>
-        <p:spPr>
-          <a:xfrm>
-            <a:off x="2392950" y="3234875"/>
-            <a:ext cx="2397600" cy="955200"/>
-          </a:xfrm>
-          <a:prstGeom prst="rect">
-            <a:avLst/>
-          </a:prstGeom>
-          <a:noFill/>
-          <a:ln>
-            <a:noFill/>
-          </a:ln>
-        </p:spPr>
-        <p:txBody>
-          <a:bodyPr anchorCtr="0" anchor="ctr" bIns="34275" lIns="68550" spcFirstLastPara="1" rIns="68550" wrap="square" tIns="34275">
-            <a:noAutofit/>
-          </a:bodyPr>
-          <a:lstStyle/>
-          <a:p>
-            <a:pPr indent="0" lvl="0" marL="0" marR="0" rtl="0" algn="ctr">
-              <a:lnSpc>
-                <a:spcPct val="100000"/>
-              </a:lnSpc>
-              <a:spcBef>
-                <a:spcPts val="0"/>
-              </a:spcBef>
-              <a:spcAft>
-                <a:spcPts val="0"/>
-              </a:spcAft>
-              <a:buClr>
-                <a:schemeClr val="dk1"/>
-              </a:buClr>
-              <a:buSzPts val="1500"/>
-              <a:buFont typeface="Arial"/>
-              <a:buNone/>
-            </a:pPr>
-            <a:r>
-              <a:rPr b="1" lang="pt-BR" sz="1200">
-                <a:solidFill>
-                  <a:schemeClr val="dk1"/>
-                </a:solidFill>
-                <a:highlight>
-                  <a:srgbClr val="FFFFFF"/>
-                </a:highlight>
-                <a:latin typeface="Poppins"/>
-                <a:ea typeface="Poppins"/>
-                <a:cs typeface="Poppins"/>
-                <a:sym typeface="Poppins"/>
-              </a:rPr>
-              <a:t>Categorize equipment failures</a:t>
-            </a:r>
-            <a:endParaRPr b="1" i="0" sz="1200" u="none" cap="none" strike="noStrike">
-              <a:solidFill>
-                <a:schemeClr val="dk1"/>
-              </a:solidFill>
-              <a:latin typeface="Poppins"/>
-              <a:ea typeface="Poppins"/>
-              <a:cs typeface="Poppins"/>
-              <a:sym typeface="Poppins"/>
-            </a:endParaRPr>
-          </a:p>
-        </p:txBody>
-      </p:sp>
-      <p:sp>
-        <p:nvSpPr>
-          <p:cNvPr id="75" name="Google Shape;75;p3"/>
-          <p:cNvSpPr txBox="1"/>
-          <p:nvPr/>
-        </p:nvSpPr>
-        <p:spPr>
-          <a:xfrm>
-            <a:off x="272725" y="121075"/>
-            <a:ext cx="8575200" cy="851700"/>
-          </a:xfrm>
-          <a:prstGeom prst="rect">
-            <a:avLst/>
-          </a:prstGeom>
-          <a:noFill/>
-          <a:ln>
-            <a:noFill/>
-          </a:ln>
-        </p:spPr>
-        <p:txBody>
-          <a:bodyPr anchorCtr="0" anchor="ctr" bIns="34275" lIns="68575" spcFirstLastPara="1" rIns="68575" wrap="square" tIns="34275">
-            <a:noAutofit/>
-          </a:bodyPr>
-          <a:lstStyle/>
-          <a:p>
-            <a:pPr indent="0" lvl="0" marL="0" marR="0" rtl="0" algn="ctr">
-              <a:lnSpc>
-                <a:spcPct val="90000"/>
-              </a:lnSpc>
-              <a:spcBef>
-                <a:spcPts val="0"/>
-              </a:spcBef>
-              <a:spcAft>
-                <a:spcPts val="0"/>
-              </a:spcAft>
-              <a:buClr>
-                <a:srgbClr val="595959"/>
-              </a:buClr>
-              <a:buSzPts val="4500"/>
-              <a:buFont typeface="Calibri"/>
-              <a:buNone/>
-            </a:pPr>
-            <a:r>
-              <a:t/>
-            </a:r>
-            <a:endParaRPr b="1" i="0" sz="3600" u="none" cap="none" strike="noStrike">
-              <a:solidFill>
-                <a:srgbClr val="0C3AE8"/>
-              </a:solidFill>
-              <a:latin typeface="Poppins"/>
-              <a:ea typeface="Poppins"/>
-              <a:cs typeface="Poppins"/>
-              <a:sym typeface="Poppins"/>
-            </a:endParaRPr>
-          </a:p>
-        </p:txBody>
-      </p:sp>
-      <p:pic>
-        <p:nvPicPr>
-          <p:cNvPr descr="logo branca.png" id="76" name="Google Shape;76;p3"/>
-          <p:cNvPicPr preferRelativeResize="0"/>
-          <p:nvPr/>
-        </p:nvPicPr>
-        <p:blipFill rotWithShape="1">
-          <a:blip r:embed="rId3">
-            <a:alphaModFix/>
-          </a:blip>
-          <a:srcRect b="0" l="0" r="0" t="0"/>
-          <a:stretch/>
-        </p:blipFill>
-        <p:spPr>
-          <a:xfrm>
-            <a:off x="8427227" y="4480330"/>
-            <a:ext cx="542818" cy="528916"/>
-          </a:xfrm>
-          <a:prstGeom prst="rect">
-            <a:avLst/>
-          </a:prstGeom>
-          <a:noFill/>
-          <a:ln>
-            <a:noFill/>
-          </a:ln>
-        </p:spPr>
-      </p:pic>
-      <p:cxnSp>
-        <p:nvCxnSpPr>
-          <p:cNvPr id="77" name="Google Shape;77;p3"/>
-          <p:cNvCxnSpPr/>
-          <p:nvPr/>
-        </p:nvCxnSpPr>
-        <p:spPr>
-          <a:xfrm>
-            <a:off x="1396853" y="909542"/>
-            <a:ext cx="1093800" cy="0"/>
-          </a:xfrm>
-          <a:prstGeom prst="straightConnector1">
-            <a:avLst/>
-          </a:prstGeom>
-          <a:noFill/>
-          <a:ln cap="flat" cmpd="sng" w="38100">
-            <a:solidFill>
-              <a:srgbClr val="FFDD19"/>
-            </a:solidFill>
-            <a:prstDash val="solid"/>
-            <a:round/>
-            <a:headEnd len="sm" w="sm" type="none"/>
-            <a:tailEnd len="sm" w="sm" type="none"/>
-          </a:ln>
-        </p:spPr>
-      </p:cxnSp>
-      <p:cxnSp>
-        <p:nvCxnSpPr>
-          <p:cNvPr id="78" name="Google Shape;78;p3"/>
-          <p:cNvCxnSpPr/>
-          <p:nvPr/>
-        </p:nvCxnSpPr>
-        <p:spPr>
-          <a:xfrm>
-            <a:off x="3496389" y="909542"/>
-            <a:ext cx="1093800" cy="0"/>
-          </a:xfrm>
-          <a:prstGeom prst="straightConnector1">
-            <a:avLst/>
-          </a:prstGeom>
-          <a:noFill/>
-          <a:ln cap="flat" cmpd="sng" w="38100">
-            <a:solidFill>
-              <a:srgbClr val="FFDD19"/>
-            </a:solidFill>
-            <a:prstDash val="solid"/>
-            <a:round/>
-            <a:headEnd len="sm" w="sm" type="none"/>
-            <a:tailEnd len="sm" w="sm" type="none"/>
-          </a:ln>
-        </p:spPr>
-      </p:cxnSp>
-      <p:sp>
-        <p:nvSpPr>
-          <p:cNvPr id="79" name="Google Shape;79;p3"/>
-          <p:cNvSpPr/>
-          <p:nvPr/>
-        </p:nvSpPr>
-        <p:spPr>
-          <a:xfrm>
-            <a:off x="6596085" y="909525"/>
-            <a:ext cx="2067600" cy="2142300"/>
-          </a:xfrm>
-          <a:prstGeom prst="teardrop">
-            <a:avLst>
-              <a:gd fmla="val 100000" name="adj"/>
-            </a:avLst>
-          </a:prstGeom>
-          <a:solidFill>
-            <a:srgbClr val="061D74"/>
-          </a:solidFill>
-          <a:ln>
-            <a:noFill/>
-          </a:ln>
-        </p:spPr>
-        <p:txBody>
-          <a:bodyPr anchorCtr="0" anchor="ctr" bIns="68575" lIns="68575" spcFirstLastPara="1" rIns="68575" wrap="square" tIns="68575">
-            <a:noAutofit/>
-          </a:bodyPr>
-          <a:lstStyle/>
-          <a:p>
-            <a:pPr indent="0" lvl="0" marL="0" marR="0" rtl="0" algn="l">
-              <a:lnSpc>
-                <a:spcPct val="100000"/>
-              </a:lnSpc>
-              <a:spcBef>
-                <a:spcPts val="0"/>
-              </a:spcBef>
-              <a:spcAft>
-                <a:spcPts val="0"/>
-              </a:spcAft>
-              <a:buClr>
-                <a:srgbClr val="000000"/>
-              </a:buClr>
-              <a:buSzPts val="1100"/>
-              <a:buFont typeface="Arial"/>
-              <a:buNone/>
-            </a:pPr>
-            <a:r>
-              <a:rPr b="0" i="0" lang="pt-BR" sz="1100" u="none" cap="none" strike="noStrike">
-                <a:solidFill>
-                  <a:srgbClr val="000000"/>
-                </a:solidFill>
-                <a:latin typeface="Arial"/>
-                <a:ea typeface="Arial"/>
-                <a:cs typeface="Arial"/>
-                <a:sym typeface="Arial"/>
-              </a:rPr>
-              <a:t>      </a:t>
-            </a:r>
-            <a:endParaRPr b="0" i="0" sz="1100" u="none" cap="none" strike="noStrike">
-              <a:solidFill>
-                <a:srgbClr val="000000"/>
-              </a:solidFill>
-              <a:latin typeface="Arial"/>
-              <a:ea typeface="Arial"/>
-              <a:cs typeface="Arial"/>
-              <a:sym typeface="Arial"/>
-            </a:endParaRPr>
-          </a:p>
-        </p:txBody>
-      </p:sp>
-      <p:sp>
-        <p:nvSpPr>
-          <p:cNvPr id="80" name="Google Shape;80;p3"/>
-          <p:cNvSpPr/>
-          <p:nvPr/>
-        </p:nvSpPr>
-        <p:spPr>
-          <a:xfrm>
-            <a:off x="6721023" y="3243754"/>
-            <a:ext cx="1982400" cy="955200"/>
-          </a:xfrm>
-          <a:prstGeom prst="rect">
-            <a:avLst/>
-          </a:prstGeom>
-          <a:noFill/>
-          <a:ln>
-            <a:noFill/>
-          </a:ln>
-        </p:spPr>
-        <p:txBody>
-          <a:bodyPr anchorCtr="0" anchor="ctr" bIns="34275" lIns="68550" spcFirstLastPara="1" rIns="68550" wrap="square" tIns="34275">
-            <a:noAutofit/>
-          </a:bodyPr>
-          <a:lstStyle/>
-          <a:p>
-            <a:pPr indent="0" lvl="0" marL="0" marR="0" rtl="0" algn="ctr">
-              <a:lnSpc>
-                <a:spcPct val="100000"/>
-              </a:lnSpc>
-              <a:spcBef>
-                <a:spcPts val="0"/>
-              </a:spcBef>
-              <a:spcAft>
-                <a:spcPts val="0"/>
-              </a:spcAft>
-              <a:buClr>
-                <a:schemeClr val="dk1"/>
-              </a:buClr>
-              <a:buSzPts val="1500"/>
-              <a:buFont typeface="Arial"/>
-              <a:buNone/>
-            </a:pPr>
-            <a:r>
-              <a:rPr b="1" lang="pt-BR" sz="1200">
-                <a:solidFill>
-                  <a:schemeClr val="dk1"/>
-                </a:solidFill>
-                <a:highlight>
-                  <a:srgbClr val="FFFFFF"/>
-                </a:highlight>
-                <a:latin typeface="Poppins"/>
-                <a:ea typeface="Poppins"/>
-                <a:cs typeface="Poppins"/>
-                <a:sym typeface="Poppins"/>
-              </a:rPr>
-              <a:t>Variable Importance</a:t>
-            </a:r>
-            <a:endParaRPr b="1" i="0" sz="1200" u="none" cap="none" strike="noStrike">
-              <a:solidFill>
-                <a:schemeClr val="dk1"/>
-              </a:solidFill>
-              <a:latin typeface="Poppins"/>
-              <a:ea typeface="Poppins"/>
-              <a:cs typeface="Poppins"/>
-              <a:sym typeface="Poppins"/>
-            </a:endParaRPr>
-          </a:p>
-        </p:txBody>
-      </p:sp>
-      <p:cxnSp>
-        <p:nvCxnSpPr>
-          <p:cNvPr id="81" name="Google Shape;81;p3"/>
-          <p:cNvCxnSpPr/>
-          <p:nvPr/>
-        </p:nvCxnSpPr>
-        <p:spPr>
-          <a:xfrm>
-            <a:off x="7631602" y="918428"/>
-            <a:ext cx="1093800" cy="0"/>
-          </a:xfrm>
-          <a:prstGeom prst="straightConnector1">
-            <a:avLst/>
-          </a:prstGeom>
-          <a:noFill/>
-          <a:ln cap="flat" cmpd="sng" w="38100">
-            <a:solidFill>
-              <a:srgbClr val="FFDD19"/>
-            </a:solidFill>
-            <a:prstDash val="solid"/>
-            <a:round/>
-            <a:headEnd len="sm" w="sm" type="none"/>
-            <a:tailEnd len="sm" w="sm" type="none"/>
-          </a:ln>
-        </p:spPr>
-      </p:cxnSp>
-      <p:sp>
-        <p:nvSpPr>
-          <p:cNvPr id="82" name="Google Shape;82;p3"/>
-          <p:cNvSpPr/>
-          <p:nvPr/>
-        </p:nvSpPr>
-        <p:spPr>
-          <a:xfrm>
-            <a:off x="4497889" y="909525"/>
-            <a:ext cx="2067600" cy="2142300"/>
-          </a:xfrm>
-          <a:prstGeom prst="teardrop">
-            <a:avLst>
-              <a:gd fmla="val 100000" name="adj"/>
-            </a:avLst>
-          </a:prstGeom>
-          <a:solidFill>
-            <a:srgbClr val="0C3AE8"/>
-          </a:solidFill>
-          <a:ln>
-            <a:noFill/>
-          </a:ln>
-        </p:spPr>
-        <p:txBody>
-          <a:bodyPr anchorCtr="0" anchor="ctr" bIns="68575" lIns="68575" spcFirstLastPara="1" rIns="68575" wrap="square" tIns="68575">
-            <a:noAutofit/>
-          </a:bodyPr>
-          <a:lstStyle/>
-          <a:p>
-            <a:pPr indent="0" lvl="0" marL="0" marR="0" rtl="0" algn="l">
-              <a:lnSpc>
-                <a:spcPct val="100000"/>
-              </a:lnSpc>
-              <a:spcBef>
-                <a:spcPts val="0"/>
-              </a:spcBef>
-              <a:spcAft>
-                <a:spcPts val="0"/>
-              </a:spcAft>
-              <a:buClr>
-                <a:srgbClr val="000000"/>
-              </a:buClr>
-              <a:buSzPts val="1400"/>
-              <a:buFont typeface="Arial"/>
-              <a:buNone/>
-            </a:pPr>
-            <a:r>
-              <a:t/>
-            </a:r>
-            <a:endParaRPr b="0" i="0" sz="1400" u="none" cap="none" strike="noStrike">
-              <a:solidFill>
-                <a:srgbClr val="000000"/>
-              </a:solidFill>
-              <a:latin typeface="Arial"/>
-              <a:ea typeface="Arial"/>
-              <a:cs typeface="Arial"/>
-              <a:sym typeface="Arial"/>
-            </a:endParaRPr>
-          </a:p>
-        </p:txBody>
-      </p:sp>
-      <p:sp>
-        <p:nvSpPr>
-          <p:cNvPr id="83" name="Google Shape;83;p3"/>
-          <p:cNvSpPr/>
-          <p:nvPr/>
-        </p:nvSpPr>
-        <p:spPr>
-          <a:xfrm>
-            <a:off x="4727660" y="3253461"/>
-            <a:ext cx="1608000" cy="989400"/>
-          </a:xfrm>
-          <a:prstGeom prst="rect">
-            <a:avLst/>
-          </a:prstGeom>
-          <a:noFill/>
-          <a:ln>
-            <a:noFill/>
-          </a:ln>
-        </p:spPr>
-        <p:txBody>
-          <a:bodyPr anchorCtr="0" anchor="ctr" bIns="34275" lIns="68550" spcFirstLastPara="1" rIns="68550" wrap="square" tIns="34275">
-            <a:noAutofit/>
-          </a:bodyPr>
-          <a:lstStyle/>
-          <a:p>
-            <a:pPr indent="0" lvl="0" marL="0" marR="0" rtl="0" algn="ctr">
-              <a:lnSpc>
-                <a:spcPct val="100000"/>
-              </a:lnSpc>
-              <a:spcBef>
-                <a:spcPts val="0"/>
-              </a:spcBef>
-              <a:spcAft>
-                <a:spcPts val="0"/>
-              </a:spcAft>
-              <a:buClr>
-                <a:schemeClr val="dk1"/>
-              </a:buClr>
-              <a:buSzPts val="1500"/>
-              <a:buFont typeface="Arial"/>
-              <a:buNone/>
-            </a:pPr>
-            <a:r>
-              <a:rPr b="1" lang="pt-BR" sz="1200">
-                <a:solidFill>
-                  <a:schemeClr val="dk1"/>
-                </a:solidFill>
-                <a:latin typeface="Poppins"/>
-                <a:ea typeface="Poppins"/>
-                <a:cs typeface="Poppins"/>
-                <a:sym typeface="Poppins"/>
-              </a:rPr>
-              <a:t>Model performance</a:t>
-            </a:r>
-            <a:endParaRPr b="1" i="0" sz="1200" u="none" cap="none" strike="noStrike">
-              <a:solidFill>
-                <a:schemeClr val="dk1"/>
-              </a:solidFill>
-              <a:latin typeface="Poppins"/>
-              <a:ea typeface="Poppins"/>
-              <a:cs typeface="Poppins"/>
-              <a:sym typeface="Poppins"/>
-            </a:endParaRPr>
-          </a:p>
-        </p:txBody>
-      </p:sp>
-      <p:cxnSp>
-        <p:nvCxnSpPr>
-          <p:cNvPr id="84" name="Google Shape;84;p3"/>
-          <p:cNvCxnSpPr/>
-          <p:nvPr/>
-        </p:nvCxnSpPr>
-        <p:spPr>
-          <a:xfrm>
-            <a:off x="5471423" y="909528"/>
-            <a:ext cx="1093800" cy="0"/>
-          </a:xfrm>
-          <a:prstGeom prst="straightConnector1">
-            <a:avLst/>
-          </a:prstGeom>
-          <a:noFill/>
-          <a:ln cap="flat" cmpd="sng" w="38100">
-            <a:solidFill>
-              <a:srgbClr val="FFDD19"/>
-            </a:solidFill>
-            <a:prstDash val="solid"/>
-            <a:round/>
-            <a:headEnd len="sm" w="sm" type="none"/>
-            <a:tailEnd len="sm" w="sm" type="none"/>
-          </a:ln>
-        </p:spPr>
-      </p:cxnSp>
-      <p:pic>
-        <p:nvPicPr>
-          <p:cNvPr id="85" name="Google Shape;85;p3"/>
-          <p:cNvPicPr preferRelativeResize="0"/>
-          <p:nvPr/>
-        </p:nvPicPr>
-        <p:blipFill>
-          <a:blip r:embed="rId4">
-            <a:alphaModFix/>
-          </a:blip>
-          <a:stretch>
-            <a:fillRect/>
-          </a:stretch>
-        </p:blipFill>
-        <p:spPr>
-          <a:xfrm>
-            <a:off x="0" y="4778650"/>
-            <a:ext cx="1310125" cy="364850"/>
-          </a:xfrm>
-          <a:prstGeom prst="rect">
-            <a:avLst/>
-          </a:prstGeom>
-          <a:noFill/>
-          <a:ln>
-            <a:noFill/>
-          </a:ln>
-        </p:spPr>
-      </p:pic>
-      <p:pic>
-        <p:nvPicPr>
-          <p:cNvPr id="86" name="Google Shape;86;p3"/>
-          <p:cNvPicPr preferRelativeResize="0"/>
-          <p:nvPr/>
-        </p:nvPicPr>
-        <p:blipFill>
-          <a:blip r:embed="rId5">
-            <a:alphaModFix/>
-          </a:blip>
-          <a:stretch>
-            <a:fillRect/>
-          </a:stretch>
-        </p:blipFill>
-        <p:spPr>
-          <a:xfrm>
-            <a:off x="590100" y="1167800"/>
-            <a:ext cx="1608000" cy="1608000"/>
-          </a:xfrm>
-          <a:prstGeom prst="rect">
-            <a:avLst/>
-          </a:prstGeom>
-          <a:noFill/>
-          <a:ln>
-            <a:noFill/>
-          </a:ln>
-        </p:spPr>
-      </p:pic>
-      <p:pic>
-        <p:nvPicPr>
-          <p:cNvPr id="87" name="Google Shape;87;p3"/>
-          <p:cNvPicPr preferRelativeResize="0"/>
-          <p:nvPr/>
-        </p:nvPicPr>
-        <p:blipFill>
-          <a:blip r:embed="rId6">
-            <a:alphaModFix/>
-          </a:blip>
-          <a:stretch>
-            <a:fillRect/>
-          </a:stretch>
-        </p:blipFill>
-        <p:spPr>
-          <a:xfrm>
-            <a:off x="2744175" y="1221575"/>
-            <a:ext cx="1500451" cy="1500451"/>
-          </a:xfrm>
-          <a:prstGeom prst="rect">
-            <a:avLst/>
-          </a:prstGeom>
-          <a:noFill/>
-          <a:ln>
-            <a:noFill/>
-          </a:ln>
-        </p:spPr>
-      </p:pic>
-      <p:pic>
-        <p:nvPicPr>
-          <p:cNvPr id="88" name="Google Shape;88;p3"/>
-          <p:cNvPicPr preferRelativeResize="0"/>
-          <p:nvPr/>
-        </p:nvPicPr>
-        <p:blipFill>
-          <a:blip r:embed="rId7">
-            <a:alphaModFix/>
-          </a:blip>
-          <a:stretch>
-            <a:fillRect/>
-          </a:stretch>
-        </p:blipFill>
-        <p:spPr>
-          <a:xfrm>
-            <a:off x="4679988" y="1148349"/>
-            <a:ext cx="1764575" cy="1764575"/>
-          </a:xfrm>
-          <a:prstGeom prst="rect">
-            <a:avLst/>
-          </a:prstGeom>
-          <a:noFill/>
-          <a:ln>
-            <a:noFill/>
-          </a:ln>
-        </p:spPr>
-      </p:pic>
-      <p:pic>
-        <p:nvPicPr>
-          <p:cNvPr id="89" name="Google Shape;89;p3"/>
-          <p:cNvPicPr preferRelativeResize="0"/>
-          <p:nvPr/>
-        </p:nvPicPr>
-        <p:blipFill>
-          <a:blip r:embed="rId8">
-            <a:alphaModFix/>
-          </a:blip>
-          <a:stretch>
-            <a:fillRect/>
-          </a:stretch>
-        </p:blipFill>
-        <p:spPr>
-          <a:xfrm>
-            <a:off x="6747600" y="1010450"/>
-            <a:ext cx="1764550" cy="1764550"/>
-          </a:xfrm>
-          <a:prstGeom prst="rect">
-            <a:avLst/>
-          </a:prstGeom>
-          <a:noFill/>
-          <a:ln>
-            <a:noFill/>
-          </a:ln>
-        </p:spPr>
-      </p:pic>
-    </p:spTree>
-  </p:cSld>
-  <p:clrMapOvr>
-    <a:masterClrMapping/>
-  </p:clrMapOvr>
-</p:sld>
-</file>
-
-<file path=ppt/slides/slide3.xml><?xml version="1.0" encoding="utf-8"?>
-<p:sld xmlns:a="http://schemas.openxmlformats.org/drawingml/2006/main" xmlns:r="http://schemas.openxmlformats.org/officeDocument/2006/relationships" xmlns:mc="http://schemas.openxmlformats.org/markup-compatibility/2006" xmlns:mv="urn:schemas-microsoft-com:mac:vml" xmlns:p="http://schemas.openxmlformats.org/presentationml/2006/main" xmlns:c="http://schemas.openxmlformats.org/drawingml/2006/chart" xmlns:dgm="http://schemas.openxmlformats.org/drawingml/2006/diagram" xmlns:o="urn:schemas-microsoft-com:office:office" xmlns:v="urn:schemas-microsoft-com:vml" xmlns:pvml="urn:schemas-microsoft-com:office:powerpoint" xmlns:com="http://schemas.openxmlformats.org/drawingml/2006/compatibility" xmlns:p14="http://schemas.microsoft.com/office/powerpoint/2010/main" xmlns:p15="http://schemas.microsoft.com/office/powerpoint/2012/main" xmlns:ahyp="http://schemas.microsoft.com/office/drawing/2018/hyperlinkcolor">
-  <p:cSld>
-    <p:spTree>
-      <p:nvGrpSpPr>
-        <p:cNvPr id="93" name="Shape 93"/>
+        <p:cNvPr id="191" name="Shape 191"/>
         <p:cNvGrpSpPr/>
         <p:nvPr/>
       </p:nvGrpSpPr>
@@ -12403,7 +11583,7 @@
       </p:grpSpPr>
       <p:pic>
         <p:nvPicPr>
-          <p:cNvPr id="94" name="Google Shape;94;g251ebc0e60a_0_111"/>
+          <p:cNvPr id="192" name="Google Shape;192;g251ebc0e60a_1_21"/>
           <p:cNvPicPr preferRelativeResize="0"/>
           <p:nvPr/>
         </p:nvPicPr>
@@ -12430,7 +11610,7 @@
       </p:pic>
       <p:sp>
         <p:nvSpPr>
-          <p:cNvPr id="95" name="Google Shape;95;g251ebc0e60a_0_111"/>
+          <p:cNvPr id="193" name="Google Shape;193;g251ebc0e60a_1_21"/>
           <p:cNvSpPr/>
           <p:nvPr/>
         </p:nvSpPr>
@@ -12506,7 +11686,7 @@
       </p:sp>
       <p:pic>
         <p:nvPicPr>
-          <p:cNvPr id="96" name="Google Shape;96;g251ebc0e60a_0_111"/>
+          <p:cNvPr id="194" name="Google Shape;194;g251ebc0e60a_1_21"/>
           <p:cNvPicPr preferRelativeResize="0"/>
           <p:nvPr/>
         </p:nvPicPr>
@@ -12533,14 +11713,14 @@
       </p:pic>
       <p:sp>
         <p:nvSpPr>
-          <p:cNvPr id="97" name="Google Shape;97;g251ebc0e60a_0_111"/>
+          <p:cNvPr id="195" name="Google Shape;195;g251ebc0e60a_1_21"/>
           <p:cNvSpPr txBox="1"/>
           <p:nvPr/>
         </p:nvSpPr>
         <p:spPr>
           <a:xfrm>
-            <a:off x="0" y="102150"/>
-            <a:ext cx="5901000" cy="405600"/>
+            <a:off x="0" y="0"/>
+            <a:ext cx="6353100" cy="477300"/>
           </a:xfrm>
           <a:prstGeom prst="rect">
             <a:avLst/>
@@ -12556,10 +11736,7 @@
           </a:bodyPr>
           <a:lstStyle/>
           <a:p>
-            <a:pPr indent="0" lvl="0" marL="0" marR="0" rtl="0" algn="l">
-              <a:lnSpc>
-                <a:spcPct val="85000"/>
-              </a:lnSpc>
+            <a:pPr indent="0" lvl="0" marL="0" rtl="0" algn="ctr">
               <a:spcBef>
                 <a:spcPts val="0"/>
               </a:spcBef>
@@ -12569,7 +11746,7 @@
               <a:buClr>
                 <a:schemeClr val="dk1"/>
               </a:buClr>
-              <a:buSzPts val="600"/>
+              <a:buSzPts val="1500"/>
               <a:buFont typeface="Arial"/>
               <a:buNone/>
             </a:pPr>
@@ -12578,301 +11755,20 @@
                 <a:solidFill>
                   <a:srgbClr val="001863"/>
                 </a:solidFill>
+                <a:highlight>
+                  <a:srgbClr val="FFFFFF"/>
+                </a:highlight>
                 <a:latin typeface="Poppins"/>
                 <a:ea typeface="Poppins"/>
                 <a:cs typeface="Poppins"/>
                 <a:sym typeface="Poppins"/>
               </a:rPr>
-              <a:t>Operation Time</a:t>
+              <a:t>Variable Importance</a:t>
             </a:r>
-            <a:endParaRPr sz="3100">
+            <a:endParaRPr b="1" sz="3100">
               <a:solidFill>
-                <a:srgbClr val="061D74"/>
+                <a:srgbClr val="001863"/>
               </a:solidFill>
-              <a:latin typeface="Poppins Black"/>
-              <a:ea typeface="Poppins Black"/>
-              <a:cs typeface="Poppins Black"/>
-              <a:sym typeface="Poppins Black"/>
-            </a:endParaRPr>
-          </a:p>
-        </p:txBody>
-      </p:sp>
-      <p:sp>
-        <p:nvSpPr>
-          <p:cNvPr id="98" name="Google Shape;98;g251ebc0e60a_0_111"/>
-          <p:cNvSpPr/>
-          <p:nvPr/>
-        </p:nvSpPr>
-        <p:spPr>
-          <a:xfrm>
-            <a:off x="3667125" y="400048"/>
-            <a:ext cx="2881200" cy="1021500"/>
-          </a:xfrm>
-          <a:prstGeom prst="roundRect">
-            <a:avLst>
-              <a:gd fmla="val 16667" name="adj"/>
-            </a:avLst>
-          </a:prstGeom>
-          <a:noFill/>
-          <a:ln cap="flat" cmpd="sng" w="9525">
-            <a:solidFill>
-              <a:schemeClr val="lt1"/>
-            </a:solidFill>
-            <a:prstDash val="solid"/>
-            <a:round/>
-            <a:headEnd len="sm" w="sm" type="none"/>
-            <a:tailEnd len="sm" w="sm" type="none"/>
-          </a:ln>
-        </p:spPr>
-        <p:txBody>
-          <a:bodyPr anchorCtr="0" anchor="t" bIns="91425" lIns="91425" spcFirstLastPara="1" rIns="91425" wrap="square" tIns="91425">
-            <a:noAutofit/>
-          </a:bodyPr>
-          <a:lstStyle/>
-          <a:p>
-            <a:pPr indent="0" lvl="0" marL="0" rtl="0" algn="ctr">
-              <a:spcBef>
-                <a:spcPts val="0"/>
-              </a:spcBef>
-              <a:spcAft>
-                <a:spcPts val="0"/>
-              </a:spcAft>
-              <a:buNone/>
-            </a:pPr>
-            <a:r>
-              <a:rPr b="1" lang="pt-BR">
-                <a:latin typeface="Poppins"/>
-                <a:ea typeface="Poppins"/>
-                <a:cs typeface="Poppins"/>
-                <a:sym typeface="Poppins"/>
-              </a:rPr>
-              <a:t>Operating cycle time</a:t>
-            </a:r>
-            <a:endParaRPr b="1">
-              <a:latin typeface="Poppins"/>
-              <a:ea typeface="Poppins"/>
-              <a:cs typeface="Poppins"/>
-              <a:sym typeface="Poppins"/>
-            </a:endParaRPr>
-          </a:p>
-        </p:txBody>
-      </p:sp>
-      <p:sp>
-        <p:nvSpPr>
-          <p:cNvPr id="99" name="Google Shape;99;g251ebc0e60a_0_111"/>
-          <p:cNvSpPr/>
-          <p:nvPr/>
-        </p:nvSpPr>
-        <p:spPr>
-          <a:xfrm>
-            <a:off x="5206575" y="1003880"/>
-            <a:ext cx="1275600" cy="360300"/>
-          </a:xfrm>
-          <a:prstGeom prst="roundRect">
-            <a:avLst>
-              <a:gd fmla="val 16667" name="adj"/>
-            </a:avLst>
-          </a:prstGeom>
-          <a:solidFill>
-            <a:srgbClr val="ED2891"/>
-          </a:solidFill>
-          <a:ln cap="flat" cmpd="sng" w="28575">
-            <a:solidFill>
-              <a:schemeClr val="dk1"/>
-            </a:solidFill>
-            <a:prstDash val="solid"/>
-            <a:round/>
-            <a:headEnd len="sm" w="sm" type="none"/>
-            <a:tailEnd len="sm" w="sm" type="none"/>
-          </a:ln>
-        </p:spPr>
-        <p:txBody>
-          <a:bodyPr anchorCtr="0" anchor="ctr" bIns="91425" lIns="91425" spcFirstLastPara="1" rIns="91425" wrap="square" tIns="91425">
-            <a:noAutofit/>
-          </a:bodyPr>
-          <a:lstStyle/>
-          <a:p>
-            <a:pPr indent="0" lvl="0" marL="0" rtl="0" algn="ctr">
-              <a:spcBef>
-                <a:spcPts val="0"/>
-              </a:spcBef>
-              <a:spcAft>
-                <a:spcPts val="0"/>
-              </a:spcAft>
-              <a:buNone/>
-            </a:pPr>
-            <a:r>
-              <a:rPr b="1" lang="pt-BR">
-                <a:solidFill>
-                  <a:srgbClr val="FFDD19"/>
-                </a:solidFill>
-              </a:rPr>
-              <a:t>8,25%</a:t>
-            </a:r>
-            <a:endParaRPr b="1">
-              <a:solidFill>
-                <a:srgbClr val="FFDD19"/>
-              </a:solidFill>
-            </a:endParaRPr>
-          </a:p>
-        </p:txBody>
-      </p:sp>
-      <p:sp>
-        <p:nvSpPr>
-          <p:cNvPr id="100" name="Google Shape;100;g251ebc0e60a_0_111"/>
-          <p:cNvSpPr/>
-          <p:nvPr/>
-        </p:nvSpPr>
-        <p:spPr>
-          <a:xfrm>
-            <a:off x="3792050" y="1003821"/>
-            <a:ext cx="1275600" cy="360300"/>
-          </a:xfrm>
-          <a:prstGeom prst="roundRect">
-            <a:avLst>
-              <a:gd fmla="val 16667" name="adj"/>
-            </a:avLst>
-          </a:prstGeom>
-          <a:solidFill>
-            <a:srgbClr val="0033FF"/>
-          </a:solidFill>
-          <a:ln cap="flat" cmpd="sng" w="28575">
-            <a:solidFill>
-              <a:schemeClr val="dk1"/>
-            </a:solidFill>
-            <a:prstDash val="solid"/>
-            <a:round/>
-            <a:headEnd len="sm" w="sm" type="none"/>
-            <a:tailEnd len="sm" w="sm" type="none"/>
-          </a:ln>
-        </p:spPr>
-        <p:txBody>
-          <a:bodyPr anchorCtr="0" anchor="ctr" bIns="91425" lIns="91425" spcFirstLastPara="1" rIns="91425" wrap="square" tIns="91425">
-            <a:noAutofit/>
-          </a:bodyPr>
-          <a:lstStyle/>
-          <a:p>
-            <a:pPr indent="0" lvl="0" marL="0" rtl="0" algn="ctr">
-              <a:spcBef>
-                <a:spcPts val="0"/>
-              </a:spcBef>
-              <a:spcAft>
-                <a:spcPts val="0"/>
-              </a:spcAft>
-              <a:buNone/>
-            </a:pPr>
-            <a:r>
-              <a:rPr b="1" lang="pt-BR">
-                <a:solidFill>
-                  <a:srgbClr val="FFDD19"/>
-                </a:solidFill>
-              </a:rPr>
-              <a:t>91,75 %</a:t>
-            </a:r>
-            <a:endParaRPr b="1">
-              <a:solidFill>
-                <a:srgbClr val="FFDD19"/>
-              </a:solidFill>
-            </a:endParaRPr>
-          </a:p>
-        </p:txBody>
-      </p:sp>
-      <p:sp>
-        <p:nvSpPr>
-          <p:cNvPr id="101" name="Google Shape;101;g251ebc0e60a_0_111"/>
-          <p:cNvSpPr txBox="1"/>
-          <p:nvPr/>
-        </p:nvSpPr>
-        <p:spPr>
-          <a:xfrm>
-            <a:off x="3851150" y="674111"/>
-            <a:ext cx="1157400" cy="473400"/>
-          </a:xfrm>
-          <a:prstGeom prst="rect">
-            <a:avLst/>
-          </a:prstGeom>
-          <a:noFill/>
-          <a:ln>
-            <a:noFill/>
-          </a:ln>
-        </p:spPr>
-        <p:txBody>
-          <a:bodyPr anchorCtr="0" anchor="t" bIns="91425" lIns="91425" spcFirstLastPara="1" rIns="91425" wrap="square" tIns="91425">
-            <a:noAutofit/>
-          </a:bodyPr>
-          <a:lstStyle/>
-          <a:p>
-            <a:pPr indent="0" lvl="0" marL="0" rtl="0" algn="ctr">
-              <a:spcBef>
-                <a:spcPts val="0"/>
-              </a:spcBef>
-              <a:spcAft>
-                <a:spcPts val="0"/>
-              </a:spcAft>
-              <a:buNone/>
-            </a:pPr>
-            <a:r>
-              <a:rPr lang="pt-BR" sz="1200">
-                <a:latin typeface="Poppins"/>
-                <a:ea typeface="Poppins"/>
-                <a:cs typeface="Poppins"/>
-                <a:sym typeface="Poppins"/>
-              </a:rPr>
-              <a:t>Working</a:t>
-            </a:r>
-            <a:endParaRPr sz="1200">
-              <a:latin typeface="Poppins"/>
-              <a:ea typeface="Poppins"/>
-              <a:cs typeface="Poppins"/>
-              <a:sym typeface="Poppins"/>
-            </a:endParaRPr>
-          </a:p>
-        </p:txBody>
-      </p:sp>
-      <p:sp>
-        <p:nvSpPr>
-          <p:cNvPr id="102" name="Google Shape;102;g251ebc0e60a_0_111"/>
-          <p:cNvSpPr txBox="1"/>
-          <p:nvPr/>
-        </p:nvSpPr>
-        <p:spPr>
-          <a:xfrm>
-            <a:off x="5257538" y="674111"/>
-            <a:ext cx="1157400" cy="473400"/>
-          </a:xfrm>
-          <a:prstGeom prst="rect">
-            <a:avLst/>
-          </a:prstGeom>
-          <a:noFill/>
-          <a:ln>
-            <a:noFill/>
-          </a:ln>
-        </p:spPr>
-        <p:txBody>
-          <a:bodyPr anchorCtr="0" anchor="t" bIns="91425" lIns="91425" spcFirstLastPara="1" rIns="91425" wrap="square" tIns="91425">
-            <a:noAutofit/>
-          </a:bodyPr>
-          <a:lstStyle/>
-          <a:p>
-            <a:pPr indent="0" lvl="0" marL="0" rtl="0" algn="ctr">
-              <a:spcBef>
-                <a:spcPts val="0"/>
-              </a:spcBef>
-              <a:spcAft>
-                <a:spcPts val="0"/>
-              </a:spcAft>
-              <a:buNone/>
-            </a:pPr>
-            <a:r>
-              <a:rPr lang="pt-BR" sz="1200">
-                <a:latin typeface="Poppins"/>
-                <a:ea typeface="Poppins"/>
-                <a:cs typeface="Poppins"/>
-                <a:sym typeface="Poppins"/>
-              </a:rPr>
-              <a:t>Fails</a:t>
-            </a:r>
-            <a:endParaRPr sz="1200">
               <a:latin typeface="Poppins"/>
               <a:ea typeface="Poppins"/>
               <a:cs typeface="Poppins"/>
@@ -12883,7 +11779,7 @@
       </p:sp>
       <p:pic>
         <p:nvPicPr>
-          <p:cNvPr id="103" name="Google Shape;103;g251ebc0e60a_0_111"/>
+          <p:cNvPr id="196" name="Google Shape;196;g251ebc0e60a_1_21"/>
           <p:cNvPicPr preferRelativeResize="0"/>
           <p:nvPr/>
         </p:nvPicPr>
@@ -12897,8 +11793,8 @@
         </p:blipFill>
         <p:spPr>
           <a:xfrm>
-            <a:off x="152400" y="1573948"/>
-            <a:ext cx="6152007" cy="3309202"/>
+            <a:off x="0" y="4558250"/>
+            <a:ext cx="1713941" cy="477300"/>
           </a:xfrm>
           <a:prstGeom prst="rect">
             <a:avLst/>
@@ -12911,7 +11807,7 @@
       </p:pic>
       <p:pic>
         <p:nvPicPr>
-          <p:cNvPr id="104" name="Google Shape;104;g251ebc0e60a_0_111"/>
+          <p:cNvPr id="197" name="Google Shape;197;g251ebc0e60a_1_21"/>
           <p:cNvPicPr preferRelativeResize="0"/>
           <p:nvPr/>
         </p:nvPicPr>
@@ -12925,8 +11821,8 @@
         </p:blipFill>
         <p:spPr>
           <a:xfrm>
-            <a:off x="0" y="4713241"/>
-            <a:ext cx="1157400" cy="322309"/>
+            <a:off x="0" y="775250"/>
+            <a:ext cx="6604826" cy="3465777"/>
           </a:xfrm>
           <a:prstGeom prst="rect">
             <a:avLst/>
@@ -12945,12 +11841,12 @@
 </p:sld>
 </file>
 
-<file path=ppt/slides/slide4.xml><?xml version="1.0" encoding="utf-8"?>
+<file path=ppt/slides/slide12.xml><?xml version="1.0" encoding="utf-8"?>
 <p:sld xmlns:a="http://schemas.openxmlformats.org/drawingml/2006/main" xmlns:r="http://schemas.openxmlformats.org/officeDocument/2006/relationships" xmlns:mc="http://schemas.openxmlformats.org/markup-compatibility/2006" xmlns:mv="urn:schemas-microsoft-com:mac:vml" xmlns:p="http://schemas.openxmlformats.org/presentationml/2006/main" xmlns:c="http://schemas.openxmlformats.org/drawingml/2006/chart" xmlns:dgm="http://schemas.openxmlformats.org/drawingml/2006/diagram" xmlns:o="urn:schemas-microsoft-com:office:office" xmlns:v="urn:schemas-microsoft-com:vml" xmlns:pvml="urn:schemas-microsoft-com:office:powerpoint" xmlns:com="http://schemas.openxmlformats.org/drawingml/2006/compatibility" xmlns:p14="http://schemas.microsoft.com/office/powerpoint/2010/main" xmlns:p15="http://schemas.microsoft.com/office/powerpoint/2012/main" xmlns:ahyp="http://schemas.microsoft.com/office/drawing/2018/hyperlinkcolor">
   <p:cSld>
     <p:spTree>
       <p:nvGrpSpPr>
-        <p:cNvPr id="108" name="Shape 108"/>
+        <p:cNvPr id="201" name="Shape 201"/>
         <p:cNvGrpSpPr/>
         <p:nvPr/>
       </p:nvGrpSpPr>
@@ -12964,7 +11860,7 @@
       </p:grpSpPr>
       <p:pic>
         <p:nvPicPr>
-          <p:cNvPr id="109" name="Google Shape;109;g251ebc0e60a_0_31"/>
+          <p:cNvPr id="202" name="Google Shape;202;g252643da06a_0_10"/>
           <p:cNvPicPr preferRelativeResize="0"/>
           <p:nvPr/>
         </p:nvPicPr>
@@ -12991,7 +11887,7 @@
       </p:pic>
       <p:sp>
         <p:nvSpPr>
-          <p:cNvPr id="110" name="Google Shape;110;g251ebc0e60a_0_31"/>
+          <p:cNvPr id="203" name="Google Shape;203;g252643da06a_0_10"/>
           <p:cNvSpPr/>
           <p:nvPr/>
         </p:nvSpPr>
@@ -13067,7 +11963,7 @@
       </p:sp>
       <p:pic>
         <p:nvPicPr>
-          <p:cNvPr id="111" name="Google Shape;111;g251ebc0e60a_0_31"/>
+          <p:cNvPr id="204" name="Google Shape;204;g252643da06a_0_10"/>
           <p:cNvPicPr preferRelativeResize="0"/>
           <p:nvPr/>
         </p:nvPicPr>
@@ -13094,14 +11990,14 @@
       </p:pic>
       <p:sp>
         <p:nvSpPr>
-          <p:cNvPr id="112" name="Google Shape;112;g251ebc0e60a_0_31"/>
+          <p:cNvPr id="205" name="Google Shape;205;g252643da06a_0_10"/>
           <p:cNvSpPr txBox="1"/>
           <p:nvPr/>
         </p:nvSpPr>
         <p:spPr>
           <a:xfrm>
             <a:off x="0" y="0"/>
-            <a:ext cx="6353100" cy="477300"/>
+            <a:ext cx="6353100" cy="954300"/>
           </a:xfrm>
           <a:prstGeom prst="rect">
             <a:avLst/>
@@ -13144,7 +12040,7 @@
                 <a:cs typeface="Poppins"/>
                 <a:sym typeface="Poppins"/>
               </a:rPr>
-              <a:t>Categorize equipment failures</a:t>
+              <a:t>Random Forest with the first three important variables</a:t>
             </a:r>
             <a:endParaRPr b="1" sz="3100">
               <a:solidFill>
@@ -13160,40 +12056,12 @@
       </p:sp>
       <p:pic>
         <p:nvPicPr>
-          <p:cNvPr id="113" name="Google Shape;113;g251ebc0e60a_0_31"/>
+          <p:cNvPr id="206" name="Google Shape;206;g252643da06a_0_10"/>
           <p:cNvPicPr preferRelativeResize="0"/>
           <p:nvPr/>
         </p:nvPicPr>
         <p:blipFill>
           <a:blip r:embed="rId5">
-            <a:alphaModFix/>
-          </a:blip>
-          <a:stretch>
-            <a:fillRect/>
-          </a:stretch>
-        </p:blipFill>
-        <p:spPr>
-          <a:xfrm>
-            <a:off x="26550" y="849250"/>
-            <a:ext cx="6578274" cy="3597169"/>
-          </a:xfrm>
-          <a:prstGeom prst="rect">
-            <a:avLst/>
-          </a:prstGeom>
-          <a:noFill/>
-          <a:ln>
-            <a:noFill/>
-          </a:ln>
-        </p:spPr>
-      </p:pic>
-      <p:pic>
-        <p:nvPicPr>
-          <p:cNvPr id="114" name="Google Shape;114;g251ebc0e60a_0_31"/>
-          <p:cNvPicPr preferRelativeResize="0"/>
-          <p:nvPr/>
-        </p:nvPicPr>
-        <p:blipFill>
-          <a:blip r:embed="rId6">
             <a:alphaModFix/>
           </a:blip>
           <a:stretch>
@@ -13214,6 +12082,34 @@
           </a:ln>
         </p:spPr>
       </p:pic>
+      <p:pic>
+        <p:nvPicPr>
+          <p:cNvPr id="207" name="Google Shape;207;g252643da06a_0_10"/>
+          <p:cNvPicPr preferRelativeResize="0"/>
+          <p:nvPr/>
+        </p:nvPicPr>
+        <p:blipFill>
+          <a:blip r:embed="rId6">
+            <a:alphaModFix/>
+          </a:blip>
+          <a:stretch>
+            <a:fillRect/>
+          </a:stretch>
+        </p:blipFill>
+        <p:spPr>
+          <a:xfrm>
+            <a:off x="441900" y="1106700"/>
+            <a:ext cx="5911204" cy="3299150"/>
+          </a:xfrm>
+          <a:prstGeom prst="rect">
+            <a:avLst/>
+          </a:prstGeom>
+          <a:noFill/>
+          <a:ln>
+            <a:noFill/>
+          </a:ln>
+        </p:spPr>
+      </p:pic>
     </p:spTree>
   </p:cSld>
   <p:clrMapOvr>
@@ -13222,12 +12118,12 @@
 </p:sld>
 </file>
 
-<file path=ppt/slides/slide5.xml><?xml version="1.0" encoding="utf-8"?>
+<file path=ppt/slides/slide13.xml><?xml version="1.0" encoding="utf-8"?>
 <p:sld xmlns:a="http://schemas.openxmlformats.org/drawingml/2006/main" xmlns:r="http://schemas.openxmlformats.org/officeDocument/2006/relationships" xmlns:mc="http://schemas.openxmlformats.org/markup-compatibility/2006" xmlns:mv="urn:schemas-microsoft-com:mac:vml" xmlns:p="http://schemas.openxmlformats.org/presentationml/2006/main" xmlns:c="http://schemas.openxmlformats.org/drawingml/2006/chart" xmlns:dgm="http://schemas.openxmlformats.org/drawingml/2006/diagram" xmlns:o="urn:schemas-microsoft-com:office:office" xmlns:v="urn:schemas-microsoft-com:vml" xmlns:pvml="urn:schemas-microsoft-com:office:powerpoint" xmlns:com="http://schemas.openxmlformats.org/drawingml/2006/compatibility" xmlns:p14="http://schemas.microsoft.com/office/powerpoint/2010/main" xmlns:p15="http://schemas.microsoft.com/office/powerpoint/2012/main" xmlns:ahyp="http://schemas.microsoft.com/office/drawing/2018/hyperlinkcolor">
   <p:cSld>
     <p:spTree>
       <p:nvGrpSpPr>
-        <p:cNvPr id="118" name="Shape 118"/>
+        <p:cNvPr id="211" name="Shape 211"/>
         <p:cNvGrpSpPr/>
         <p:nvPr/>
       </p:nvGrpSpPr>
@@ -13241,7 +12137,7 @@
       </p:grpSpPr>
       <p:pic>
         <p:nvPicPr>
-          <p:cNvPr id="119" name="Google Shape;119;g251ebc0e60a_0_133"/>
+          <p:cNvPr id="212" name="Google Shape;212;g252643da06a_0_22"/>
           <p:cNvPicPr preferRelativeResize="0"/>
           <p:nvPr/>
         </p:nvPicPr>
@@ -13268,7 +12164,7 @@
       </p:pic>
       <p:sp>
         <p:nvSpPr>
-          <p:cNvPr id="120" name="Google Shape;120;g251ebc0e60a_0_133"/>
+          <p:cNvPr id="213" name="Google Shape;213;g252643da06a_0_22"/>
           <p:cNvSpPr/>
           <p:nvPr/>
         </p:nvSpPr>
@@ -13344,7 +12240,7 @@
       </p:sp>
       <p:pic>
         <p:nvPicPr>
-          <p:cNvPr id="121" name="Google Shape;121;g251ebc0e60a_0_133"/>
+          <p:cNvPr id="214" name="Google Shape;214;g252643da06a_0_22"/>
           <p:cNvPicPr preferRelativeResize="0"/>
           <p:nvPr/>
         </p:nvPicPr>
@@ -13371,7 +12267,7 @@
       </p:pic>
       <p:sp>
         <p:nvSpPr>
-          <p:cNvPr id="122" name="Google Shape;122;g251ebc0e60a_0_133"/>
+          <p:cNvPr id="215" name="Google Shape;215;g252643da06a_0_22"/>
           <p:cNvSpPr txBox="1"/>
           <p:nvPr/>
         </p:nvSpPr>
@@ -13421,7 +12317,7 @@
                 <a:cs typeface="Poppins"/>
                 <a:sym typeface="Poppins"/>
               </a:rPr>
-              <a:t>Categorize equipment failures</a:t>
+              <a:t>Conclusion and Next Steps</a:t>
             </a:r>
             <a:endParaRPr b="1" sz="3100">
               <a:solidFill>
@@ -13437,40 +12333,12 @@
       </p:sp>
       <p:pic>
         <p:nvPicPr>
-          <p:cNvPr id="123" name="Google Shape;123;g251ebc0e60a_0_133"/>
+          <p:cNvPr id="216" name="Google Shape;216;g252643da06a_0_22"/>
           <p:cNvPicPr preferRelativeResize="0"/>
           <p:nvPr/>
         </p:nvPicPr>
         <p:blipFill>
           <a:blip r:embed="rId5">
-            <a:alphaModFix/>
-          </a:blip>
-          <a:stretch>
-            <a:fillRect/>
-          </a:stretch>
-        </p:blipFill>
-        <p:spPr>
-          <a:xfrm>
-            <a:off x="26550" y="799151"/>
-            <a:ext cx="6578275" cy="3701820"/>
-          </a:xfrm>
-          <a:prstGeom prst="rect">
-            <a:avLst/>
-          </a:prstGeom>
-          <a:noFill/>
-          <a:ln>
-            <a:noFill/>
-          </a:ln>
-        </p:spPr>
-      </p:pic>
-      <p:pic>
-        <p:nvPicPr>
-          <p:cNvPr id="124" name="Google Shape;124;g251ebc0e60a_0_133"/>
-          <p:cNvPicPr preferRelativeResize="0"/>
-          <p:nvPr/>
-        </p:nvPicPr>
-        <p:blipFill>
-          <a:blip r:embed="rId6">
             <a:alphaModFix/>
           </a:blip>
           <a:stretch>
@@ -13491,6 +12359,340 @@
           </a:ln>
         </p:spPr>
       </p:pic>
+      <p:sp>
+        <p:nvSpPr>
+          <p:cNvPr id="217" name="Google Shape;217;g252643da06a_0_22"/>
+          <p:cNvSpPr txBox="1"/>
+          <p:nvPr/>
+        </p:nvSpPr>
+        <p:spPr>
+          <a:xfrm>
+            <a:off x="225150" y="716450"/>
+            <a:ext cx="6353100" cy="3151200"/>
+          </a:xfrm>
+          <a:prstGeom prst="rect">
+            <a:avLst/>
+          </a:prstGeom>
+          <a:noFill/>
+          <a:ln>
+            <a:noFill/>
+          </a:ln>
+        </p:spPr>
+        <p:txBody>
+          <a:bodyPr anchorCtr="0" anchor="t" bIns="91425" lIns="91425" spcFirstLastPara="1" rIns="91425" wrap="square" tIns="91425">
+            <a:normAutofit lnSpcReduction="10000"/>
+          </a:bodyPr>
+          <a:lstStyle/>
+          <a:p>
+            <a:pPr indent="-320675" lvl="0" marL="457200" rtl="0" algn="just">
+              <a:lnSpc>
+                <a:spcPct val="150000"/>
+              </a:lnSpc>
+              <a:spcBef>
+                <a:spcPts val="0"/>
+              </a:spcBef>
+              <a:spcAft>
+                <a:spcPts val="0"/>
+              </a:spcAft>
+              <a:buClr>
+                <a:srgbClr val="7D8A98"/>
+              </a:buClr>
+              <a:buSzPts val="1450"/>
+              <a:buFont typeface="Poppins"/>
+              <a:buChar char="●"/>
+            </a:pPr>
+            <a:r>
+              <a:rPr b="1" lang="pt-BR" sz="1450">
+                <a:solidFill>
+                  <a:srgbClr val="7D8A98"/>
+                </a:solidFill>
+                <a:highlight>
+                  <a:srgbClr val="FFFFFF"/>
+                </a:highlight>
+                <a:latin typeface="Poppins"/>
+                <a:ea typeface="Poppins"/>
+                <a:cs typeface="Poppins"/>
+                <a:sym typeface="Poppins"/>
+              </a:rPr>
+              <a:t>Next Steps</a:t>
+            </a:r>
+            <a:endParaRPr b="1" sz="1450">
+              <a:solidFill>
+                <a:srgbClr val="7D8A98"/>
+              </a:solidFill>
+              <a:highlight>
+                <a:srgbClr val="FFFFFF"/>
+              </a:highlight>
+              <a:latin typeface="Poppins"/>
+              <a:ea typeface="Poppins"/>
+              <a:cs typeface="Poppins"/>
+              <a:sym typeface="Poppins"/>
+            </a:endParaRPr>
+          </a:p>
+          <a:p>
+            <a:pPr indent="-320675" lvl="1" marL="914400" rtl="0" algn="just">
+              <a:lnSpc>
+                <a:spcPct val="115000"/>
+              </a:lnSpc>
+              <a:spcBef>
+                <a:spcPts val="0"/>
+              </a:spcBef>
+              <a:spcAft>
+                <a:spcPts val="0"/>
+              </a:spcAft>
+              <a:buClr>
+                <a:srgbClr val="7D8A98"/>
+              </a:buClr>
+              <a:buSzPts val="1450"/>
+              <a:buFont typeface="Poppins"/>
+              <a:buChar char="○"/>
+            </a:pPr>
+            <a:r>
+              <a:rPr lang="pt-BR" sz="1450">
+                <a:solidFill>
+                  <a:srgbClr val="7D8A98"/>
+                </a:solidFill>
+                <a:highlight>
+                  <a:srgbClr val="FFFFFF"/>
+                </a:highlight>
+                <a:latin typeface="Poppins"/>
+                <a:ea typeface="Poppins"/>
+                <a:cs typeface="Poppins"/>
+                <a:sym typeface="Poppins"/>
+              </a:rPr>
+              <a:t>Use others algorithms (SVM or linear regression) to compare the performance</a:t>
+            </a:r>
+            <a:br>
+              <a:rPr lang="pt-BR" sz="1450">
+                <a:solidFill>
+                  <a:srgbClr val="7D8A98"/>
+                </a:solidFill>
+                <a:highlight>
+                  <a:srgbClr val="FFFFFF"/>
+                </a:highlight>
+                <a:latin typeface="Poppins"/>
+                <a:ea typeface="Poppins"/>
+                <a:cs typeface="Poppins"/>
+                <a:sym typeface="Poppins"/>
+              </a:rPr>
+            </a:br>
+            <a:endParaRPr sz="1450">
+              <a:solidFill>
+                <a:srgbClr val="7D8A98"/>
+              </a:solidFill>
+              <a:highlight>
+                <a:srgbClr val="FFFFFF"/>
+              </a:highlight>
+              <a:latin typeface="Poppins"/>
+              <a:ea typeface="Poppins"/>
+              <a:cs typeface="Poppins"/>
+              <a:sym typeface="Poppins"/>
+            </a:endParaRPr>
+          </a:p>
+          <a:p>
+            <a:pPr indent="-320675" lvl="1" marL="914400" rtl="0" algn="just">
+              <a:lnSpc>
+                <a:spcPct val="115000"/>
+              </a:lnSpc>
+              <a:spcBef>
+                <a:spcPts val="0"/>
+              </a:spcBef>
+              <a:spcAft>
+                <a:spcPts val="0"/>
+              </a:spcAft>
+              <a:buClr>
+                <a:srgbClr val="7D8A98"/>
+              </a:buClr>
+              <a:buSzPts val="1450"/>
+              <a:buFont typeface="Poppins"/>
+              <a:buChar char="○"/>
+            </a:pPr>
+            <a:r>
+              <a:rPr lang="pt-BR" sz="1450">
+                <a:solidFill>
+                  <a:srgbClr val="7D8A98"/>
+                </a:solidFill>
+                <a:highlight>
+                  <a:srgbClr val="FFFFFF"/>
+                </a:highlight>
+                <a:latin typeface="Poppins"/>
+                <a:ea typeface="Poppins"/>
+                <a:cs typeface="Poppins"/>
+                <a:sym typeface="Poppins"/>
+              </a:rPr>
+              <a:t>Get more samples of failures to remove the smote algorithm from the code</a:t>
+            </a:r>
+            <a:endParaRPr sz="1450">
+              <a:solidFill>
+                <a:srgbClr val="7D8A98"/>
+              </a:solidFill>
+              <a:highlight>
+                <a:srgbClr val="FFFFFF"/>
+              </a:highlight>
+              <a:latin typeface="Poppins"/>
+              <a:ea typeface="Poppins"/>
+              <a:cs typeface="Poppins"/>
+              <a:sym typeface="Poppins"/>
+            </a:endParaRPr>
+          </a:p>
+          <a:p>
+            <a:pPr indent="-320675" lvl="0" marL="457200" rtl="0" algn="just">
+              <a:lnSpc>
+                <a:spcPct val="200000"/>
+              </a:lnSpc>
+              <a:spcBef>
+                <a:spcPts val="0"/>
+              </a:spcBef>
+              <a:spcAft>
+                <a:spcPts val="0"/>
+              </a:spcAft>
+              <a:buClr>
+                <a:srgbClr val="7D8A98"/>
+              </a:buClr>
+              <a:buSzPts val="1450"/>
+              <a:buFont typeface="Poppins"/>
+              <a:buChar char="●"/>
+            </a:pPr>
+            <a:r>
+              <a:rPr b="1" lang="pt-BR" sz="1450">
+                <a:solidFill>
+                  <a:srgbClr val="7D8A98"/>
+                </a:solidFill>
+                <a:highlight>
+                  <a:srgbClr val="FFFFFF"/>
+                </a:highlight>
+                <a:latin typeface="Poppins"/>
+                <a:ea typeface="Poppins"/>
+                <a:cs typeface="Poppins"/>
+                <a:sym typeface="Poppins"/>
+              </a:rPr>
+              <a:t>Conclusion</a:t>
+            </a:r>
+            <a:endParaRPr b="1" sz="1450">
+              <a:solidFill>
+                <a:srgbClr val="7D8A98"/>
+              </a:solidFill>
+              <a:highlight>
+                <a:srgbClr val="FFFFFF"/>
+              </a:highlight>
+              <a:latin typeface="Poppins"/>
+              <a:ea typeface="Poppins"/>
+              <a:cs typeface="Poppins"/>
+              <a:sym typeface="Poppins"/>
+            </a:endParaRPr>
+          </a:p>
+          <a:p>
+            <a:pPr indent="-320675" lvl="1" marL="914400" rtl="0" algn="just">
+              <a:lnSpc>
+                <a:spcPct val="200000"/>
+              </a:lnSpc>
+              <a:spcBef>
+                <a:spcPts val="0"/>
+              </a:spcBef>
+              <a:spcAft>
+                <a:spcPts val="0"/>
+              </a:spcAft>
+              <a:buClr>
+                <a:srgbClr val="7D8A98"/>
+              </a:buClr>
+              <a:buSzPts val="1450"/>
+              <a:buFont typeface="Poppins"/>
+              <a:buChar char="○"/>
+            </a:pPr>
+            <a:r>
+              <a:rPr lang="pt-BR" sz="1450">
+                <a:solidFill>
+                  <a:srgbClr val="7D8A98"/>
+                </a:solidFill>
+                <a:highlight>
+                  <a:srgbClr val="FFFFFF"/>
+                </a:highlight>
+                <a:latin typeface="Poppins"/>
+                <a:ea typeface="Poppins"/>
+                <a:cs typeface="Poppins"/>
+                <a:sym typeface="Poppins"/>
+              </a:rPr>
+              <a:t>The</a:t>
+            </a:r>
+            <a:r>
+              <a:rPr b="1" lang="pt-BR" sz="1450">
+                <a:solidFill>
+                  <a:srgbClr val="7D8A98"/>
+                </a:solidFill>
+                <a:highlight>
+                  <a:srgbClr val="FFFFFF"/>
+                </a:highlight>
+                <a:latin typeface="Poppins"/>
+                <a:ea typeface="Poppins"/>
+                <a:cs typeface="Poppins"/>
+                <a:sym typeface="Poppins"/>
+              </a:rPr>
+              <a:t> </a:t>
+            </a:r>
+            <a:r>
+              <a:rPr lang="pt-BR" sz="1450">
+                <a:solidFill>
+                  <a:srgbClr val="7D8A98"/>
+                </a:solidFill>
+                <a:highlight>
+                  <a:srgbClr val="FFFFFF"/>
+                </a:highlight>
+                <a:latin typeface="Poppins"/>
+                <a:ea typeface="Poppins"/>
+                <a:cs typeface="Poppins"/>
+                <a:sym typeface="Poppins"/>
+              </a:rPr>
+              <a:t>vibrationY, pressure and temperature are features that is important to detected some failure</a:t>
+            </a:r>
+            <a:endParaRPr sz="1450">
+              <a:solidFill>
+                <a:srgbClr val="7D8A98"/>
+              </a:solidFill>
+              <a:highlight>
+                <a:srgbClr val="FFFFFF"/>
+              </a:highlight>
+              <a:latin typeface="Poppins"/>
+              <a:ea typeface="Poppins"/>
+              <a:cs typeface="Poppins"/>
+              <a:sym typeface="Poppins"/>
+            </a:endParaRPr>
+          </a:p>
+          <a:p>
+            <a:pPr indent="-320675" lvl="1" marL="914400" rtl="0" algn="just">
+              <a:lnSpc>
+                <a:spcPct val="200000"/>
+              </a:lnSpc>
+              <a:spcBef>
+                <a:spcPts val="0"/>
+              </a:spcBef>
+              <a:spcAft>
+                <a:spcPts val="0"/>
+              </a:spcAft>
+              <a:buClr>
+                <a:srgbClr val="7D8A98"/>
+              </a:buClr>
+              <a:buSzPts val="1450"/>
+              <a:buFont typeface="Poppins"/>
+              <a:buChar char="○"/>
+            </a:pPr>
+            <a:r>
+              <a:t/>
+            </a:r>
+            <a:endParaRPr sz="1450">
+              <a:solidFill>
+                <a:srgbClr val="7D8A98"/>
+              </a:solidFill>
+              <a:highlight>
+                <a:srgbClr val="FFFFFF"/>
+              </a:highlight>
+              <a:latin typeface="Poppins"/>
+              <a:ea typeface="Poppins"/>
+              <a:cs typeface="Poppins"/>
+              <a:sym typeface="Poppins"/>
+            </a:endParaRPr>
+          </a:p>
+        </p:txBody>
+      </p:sp>
     </p:spTree>
   </p:cSld>
   <p:clrMapOvr>
@@ -13499,12 +12701,1379 @@
 </p:sld>
 </file>
 
-<file path=ppt/slides/slide6.xml><?xml version="1.0" encoding="utf-8"?>
+<file path=ppt/slides/slide14.xml><?xml version="1.0" encoding="utf-8"?>
+<p:sld xmlns:a="http://schemas.openxmlformats.org/drawingml/2006/main" xmlns:r="http://schemas.openxmlformats.org/officeDocument/2006/relationships" xmlns:mc="http://schemas.openxmlformats.org/markup-compatibility/2006" xmlns:mv="urn:schemas-microsoft-com:mac:vml" xmlns:p="http://schemas.openxmlformats.org/presentationml/2006/main" xmlns:c="http://schemas.openxmlformats.org/drawingml/2006/chart" xmlns:dgm="http://schemas.openxmlformats.org/drawingml/2006/diagram" xmlns:o="urn:schemas-microsoft-com:office:office" xmlns:v="urn:schemas-microsoft-com:vml" xmlns:pvml="urn:schemas-microsoft-com:office:powerpoint" xmlns:com="http://schemas.openxmlformats.org/drawingml/2006/compatibility" xmlns:p14="http://schemas.microsoft.com/office/powerpoint/2010/main" xmlns:p15="http://schemas.microsoft.com/office/powerpoint/2012/main" xmlns:ahyp="http://schemas.microsoft.com/office/drawing/2018/hyperlinkcolor">
+  <p:cSld>
+    <p:bg>
+      <p:bgPr>
+        <a:solidFill>
+          <a:srgbClr val="061D74"/>
+        </a:solidFill>
+      </p:bgPr>
+    </p:bg>
+    <p:spTree>
+      <p:nvGrpSpPr>
+        <p:cNvPr id="221" name="Shape 221"/>
+        <p:cNvGrpSpPr/>
+        <p:nvPr/>
+      </p:nvGrpSpPr>
+      <p:grpSpPr>
+        <a:xfrm>
+          <a:off x="0" y="0"/>
+          <a:ext cx="0" cy="0"/>
+          <a:chOff x="0" y="0"/>
+          <a:chExt cx="0" cy="0"/>
+        </a:xfrm>
+      </p:grpSpPr>
+      <p:sp>
+        <p:nvSpPr>
+          <p:cNvPr id="222" name="Google Shape;222;p13"/>
+          <p:cNvSpPr txBox="1"/>
+          <p:nvPr/>
+        </p:nvSpPr>
+        <p:spPr>
+          <a:xfrm>
+            <a:off x="2543250" y="394475"/>
+            <a:ext cx="7990500" cy="1569900"/>
+          </a:xfrm>
+          <a:prstGeom prst="rect">
+            <a:avLst/>
+          </a:prstGeom>
+          <a:noFill/>
+          <a:ln>
+            <a:noFill/>
+          </a:ln>
+        </p:spPr>
+        <p:txBody>
+          <a:bodyPr anchorCtr="0" anchor="t" bIns="91425" lIns="91425" spcFirstLastPara="1" rIns="91425" wrap="square" tIns="91425">
+            <a:spAutoFit/>
+          </a:bodyPr>
+          <a:lstStyle/>
+          <a:p>
+            <a:pPr indent="0" lvl="0" marL="0" marR="0" rtl="0" algn="l">
+              <a:lnSpc>
+                <a:spcPct val="100000"/>
+              </a:lnSpc>
+              <a:spcBef>
+                <a:spcPts val="0"/>
+              </a:spcBef>
+              <a:spcAft>
+                <a:spcPts val="0"/>
+              </a:spcAft>
+              <a:buClr>
+                <a:srgbClr val="000000"/>
+              </a:buClr>
+              <a:buSzPts val="9000"/>
+              <a:buFont typeface="Arial"/>
+              <a:buNone/>
+            </a:pPr>
+            <a:r>
+              <a:rPr b="0" i="0" lang="pt-BR" sz="9000" u="none" cap="none" strike="noStrike">
+                <a:solidFill>
+                  <a:srgbClr val="F5009C"/>
+                </a:solidFill>
+                <a:latin typeface="Poppins Black"/>
+                <a:ea typeface="Poppins Black"/>
+                <a:cs typeface="Poppins Black"/>
+                <a:sym typeface="Poppins Black"/>
+              </a:rPr>
+              <a:t>Obrigad</a:t>
+            </a:r>
+            <a:r>
+              <a:rPr lang="pt-BR" sz="9000">
+                <a:solidFill>
+                  <a:srgbClr val="F5009C"/>
+                </a:solidFill>
+                <a:latin typeface="Poppins Black"/>
+                <a:ea typeface="Poppins Black"/>
+                <a:cs typeface="Poppins Black"/>
+                <a:sym typeface="Poppins Black"/>
+              </a:rPr>
+              <a:t>o</a:t>
+            </a:r>
+            <a:endParaRPr b="0" i="0" sz="9000" u="none" cap="none" strike="noStrike">
+              <a:solidFill>
+                <a:srgbClr val="F5009C"/>
+              </a:solidFill>
+              <a:latin typeface="Poppins Black"/>
+              <a:ea typeface="Poppins Black"/>
+              <a:cs typeface="Poppins Black"/>
+              <a:sym typeface="Poppins Black"/>
+            </a:endParaRPr>
+          </a:p>
+        </p:txBody>
+      </p:sp>
+      <p:sp>
+        <p:nvSpPr>
+          <p:cNvPr id="223" name="Google Shape;223;p13"/>
+          <p:cNvSpPr txBox="1"/>
+          <p:nvPr/>
+        </p:nvSpPr>
+        <p:spPr>
+          <a:xfrm>
+            <a:off x="5580866" y="2358395"/>
+            <a:ext cx="3902400" cy="477300"/>
+          </a:xfrm>
+          <a:prstGeom prst="rect">
+            <a:avLst/>
+          </a:prstGeom>
+          <a:noFill/>
+          <a:ln>
+            <a:noFill/>
+          </a:ln>
+        </p:spPr>
+        <p:txBody>
+          <a:bodyPr anchorCtr="0" anchor="t" bIns="68575" lIns="68575" spcFirstLastPara="1" rIns="68575" wrap="square" tIns="68575">
+            <a:spAutoFit/>
+          </a:bodyPr>
+          <a:lstStyle/>
+          <a:p>
+            <a:pPr indent="0" lvl="0" marL="0" marR="0" rtl="0" algn="l">
+              <a:lnSpc>
+                <a:spcPct val="100000"/>
+              </a:lnSpc>
+              <a:spcBef>
+                <a:spcPts val="0"/>
+              </a:spcBef>
+              <a:spcAft>
+                <a:spcPts val="0"/>
+              </a:spcAft>
+              <a:buClr>
+                <a:srgbClr val="000000"/>
+              </a:buClr>
+              <a:buSzPts val="1800"/>
+              <a:buFont typeface="Arial"/>
+              <a:buNone/>
+            </a:pPr>
+            <a:r>
+              <a:rPr lang="pt-BR" sz="1100">
+                <a:solidFill>
+                  <a:srgbClr val="FFDD19"/>
+                </a:solidFill>
+                <a:latin typeface="Poppins ExtraBold"/>
+                <a:ea typeface="Poppins ExtraBold"/>
+                <a:cs typeface="Poppins ExtraBold"/>
+                <a:sym typeface="Poppins ExtraBold"/>
+              </a:rPr>
+              <a:t>Msc. </a:t>
+            </a:r>
+            <a:r>
+              <a:rPr b="0" i="0" lang="pt-BR" sz="1100" u="none" cap="none" strike="noStrike">
+                <a:solidFill>
+                  <a:srgbClr val="FFDD19"/>
+                </a:solidFill>
+                <a:latin typeface="Poppins ExtraBold"/>
+                <a:ea typeface="Poppins ExtraBold"/>
+                <a:cs typeface="Poppins ExtraBold"/>
+                <a:sym typeface="Poppins ExtraBold"/>
+              </a:rPr>
+              <a:t>Vitor Martins Barbosa</a:t>
+            </a:r>
+            <a:endParaRPr b="0" i="0" sz="1100" u="none" cap="none" strike="noStrike">
+              <a:solidFill>
+                <a:srgbClr val="FFDD19"/>
+              </a:solidFill>
+              <a:latin typeface="Poppins ExtraBold"/>
+              <a:ea typeface="Poppins ExtraBold"/>
+              <a:cs typeface="Poppins ExtraBold"/>
+              <a:sym typeface="Poppins ExtraBold"/>
+            </a:endParaRPr>
+          </a:p>
+          <a:p>
+            <a:pPr indent="0" lvl="0" marL="0" marR="0" rtl="0" algn="l">
+              <a:lnSpc>
+                <a:spcPct val="100000"/>
+              </a:lnSpc>
+              <a:spcBef>
+                <a:spcPts val="0"/>
+              </a:spcBef>
+              <a:spcAft>
+                <a:spcPts val="0"/>
+              </a:spcAft>
+              <a:buClr>
+                <a:srgbClr val="000000"/>
+              </a:buClr>
+              <a:buSzPts val="1800"/>
+              <a:buFont typeface="Arial"/>
+              <a:buNone/>
+            </a:pPr>
+            <a:r>
+              <a:rPr lang="pt-BR" sz="1100">
+                <a:solidFill>
+                  <a:srgbClr val="FFDD19"/>
+                </a:solidFill>
+                <a:latin typeface="Poppins"/>
+                <a:ea typeface="Poppins"/>
+                <a:cs typeface="Poppins"/>
+                <a:sym typeface="Poppins"/>
+              </a:rPr>
+              <a:t>Data Scientist</a:t>
+            </a:r>
+            <a:endParaRPr b="0" i="0" sz="1100" u="none" cap="none" strike="noStrike">
+              <a:solidFill>
+                <a:srgbClr val="FFDD19"/>
+              </a:solidFill>
+              <a:latin typeface="Poppins"/>
+              <a:ea typeface="Poppins"/>
+              <a:cs typeface="Poppins"/>
+              <a:sym typeface="Poppins"/>
+            </a:endParaRPr>
+          </a:p>
+        </p:txBody>
+      </p:sp>
+      <p:cxnSp>
+        <p:nvCxnSpPr>
+          <p:cNvPr id="224" name="Google Shape;224;p13"/>
+          <p:cNvCxnSpPr/>
+          <p:nvPr/>
+        </p:nvCxnSpPr>
+        <p:spPr>
+          <a:xfrm>
+            <a:off x="5226625" y="2325525"/>
+            <a:ext cx="3306000" cy="0"/>
+          </a:xfrm>
+          <a:prstGeom prst="straightConnector1">
+            <a:avLst/>
+          </a:prstGeom>
+          <a:noFill/>
+          <a:ln cap="flat" cmpd="sng" w="9525">
+            <a:solidFill>
+              <a:srgbClr val="FFDD19"/>
+            </a:solidFill>
+            <a:prstDash val="dot"/>
+            <a:round/>
+            <a:headEnd len="sm" w="sm" type="none"/>
+            <a:tailEnd len="sm" w="sm" type="none"/>
+          </a:ln>
+        </p:spPr>
+      </p:cxnSp>
+      <p:pic>
+        <p:nvPicPr>
+          <p:cNvPr id="225" name="Google Shape;225;p13"/>
+          <p:cNvPicPr preferRelativeResize="0"/>
+          <p:nvPr/>
+        </p:nvPicPr>
+        <p:blipFill rotWithShape="1">
+          <a:blip r:embed="rId3">
+            <a:alphaModFix/>
+          </a:blip>
+          <a:srcRect b="1625" l="0" r="0" t="1625"/>
+          <a:stretch/>
+        </p:blipFill>
+        <p:spPr>
+          <a:xfrm>
+            <a:off x="4537775" y="2231975"/>
+            <a:ext cx="1043100" cy="1009200"/>
+          </a:xfrm>
+          <a:prstGeom prst="ellipse">
+            <a:avLst/>
+          </a:prstGeom>
+          <a:noFill/>
+          <a:ln>
+            <a:noFill/>
+          </a:ln>
+        </p:spPr>
+      </p:pic>
+      <p:pic>
+        <p:nvPicPr>
+          <p:cNvPr id="226" name="Google Shape;226;p13"/>
+          <p:cNvPicPr preferRelativeResize="0"/>
+          <p:nvPr/>
+        </p:nvPicPr>
+        <p:blipFill>
+          <a:blip r:embed="rId4">
+            <a:alphaModFix/>
+          </a:blip>
+          <a:stretch>
+            <a:fillRect/>
+          </a:stretch>
+        </p:blipFill>
+        <p:spPr>
+          <a:xfrm>
+            <a:off x="265625" y="1964375"/>
+            <a:ext cx="3530767" cy="2874324"/>
+          </a:xfrm>
+          <a:prstGeom prst="rect">
+            <a:avLst/>
+          </a:prstGeom>
+          <a:noFill/>
+          <a:ln>
+            <a:noFill/>
+          </a:ln>
+        </p:spPr>
+      </p:pic>
+      <p:sp>
+        <p:nvSpPr>
+          <p:cNvPr id="227" name="Google Shape;227;p13"/>
+          <p:cNvSpPr txBox="1"/>
+          <p:nvPr/>
+        </p:nvSpPr>
+        <p:spPr>
+          <a:xfrm>
+            <a:off x="4730400" y="4730525"/>
+            <a:ext cx="4413600" cy="338700"/>
+          </a:xfrm>
+          <a:prstGeom prst="rect">
+            <a:avLst/>
+          </a:prstGeom>
+          <a:noFill/>
+          <a:ln>
+            <a:noFill/>
+          </a:ln>
+        </p:spPr>
+        <p:txBody>
+          <a:bodyPr anchorCtr="0" anchor="t" bIns="91425" lIns="91425" spcFirstLastPara="1" rIns="91425" wrap="square" tIns="91425">
+            <a:spAutoFit/>
+          </a:bodyPr>
+          <a:lstStyle/>
+          <a:p>
+            <a:pPr indent="0" lvl="0" marL="0" rtl="0" algn="l">
+              <a:spcBef>
+                <a:spcPts val="0"/>
+              </a:spcBef>
+              <a:spcAft>
+                <a:spcPts val="0"/>
+              </a:spcAft>
+              <a:buNone/>
+            </a:pPr>
+            <a:r>
+              <a:rPr b="1" lang="pt-BR" sz="1000">
+                <a:solidFill>
+                  <a:srgbClr val="FFDD19"/>
+                </a:solidFill>
+                <a:latin typeface="Poppins"/>
+                <a:ea typeface="Poppins"/>
+                <a:cs typeface="Poppins"/>
+                <a:sym typeface="Poppins"/>
+              </a:rPr>
+              <a:t>https://github.com/vitor-martinsb/equipment_data.git</a:t>
+            </a:r>
+            <a:endParaRPr b="1" sz="1000">
+              <a:solidFill>
+                <a:srgbClr val="FFDD19"/>
+              </a:solidFill>
+              <a:latin typeface="Poppins"/>
+              <a:ea typeface="Poppins"/>
+              <a:cs typeface="Poppins"/>
+              <a:sym typeface="Poppins"/>
+            </a:endParaRPr>
+          </a:p>
+        </p:txBody>
+      </p:sp>
+      <p:sp>
+        <p:nvSpPr>
+          <p:cNvPr id="228" name="Google Shape;228;p13"/>
+          <p:cNvSpPr txBox="1"/>
+          <p:nvPr/>
+        </p:nvSpPr>
+        <p:spPr>
+          <a:xfrm>
+            <a:off x="4792975" y="4376525"/>
+            <a:ext cx="3000000" cy="354000"/>
+          </a:xfrm>
+          <a:prstGeom prst="rect">
+            <a:avLst/>
+          </a:prstGeom>
+          <a:noFill/>
+          <a:ln>
+            <a:noFill/>
+          </a:ln>
+        </p:spPr>
+        <p:txBody>
+          <a:bodyPr anchorCtr="0" anchor="t" bIns="91425" lIns="91425" spcFirstLastPara="1" rIns="91425" wrap="square" tIns="91425">
+            <a:spAutoFit/>
+          </a:bodyPr>
+          <a:lstStyle/>
+          <a:p>
+            <a:pPr indent="0" lvl="0" marL="0" rtl="0" algn="l">
+              <a:spcBef>
+                <a:spcPts val="0"/>
+              </a:spcBef>
+              <a:spcAft>
+                <a:spcPts val="0"/>
+              </a:spcAft>
+              <a:buNone/>
+            </a:pPr>
+            <a:r>
+              <a:rPr lang="pt-BR" sz="1100">
+                <a:solidFill>
+                  <a:srgbClr val="FFDD19"/>
+                </a:solidFill>
+                <a:latin typeface="Poppins ExtraBold"/>
+                <a:ea typeface="Poppins ExtraBold"/>
+                <a:cs typeface="Poppins ExtraBold"/>
+                <a:sym typeface="Poppins ExtraBold"/>
+              </a:rPr>
+              <a:t>Clone the project:</a:t>
+            </a:r>
+            <a:endParaRPr sz="1100">
+              <a:solidFill>
+                <a:srgbClr val="FFDD19"/>
+              </a:solidFill>
+              <a:latin typeface="Poppins ExtraBold"/>
+              <a:ea typeface="Poppins ExtraBold"/>
+              <a:cs typeface="Poppins ExtraBold"/>
+              <a:sym typeface="Poppins ExtraBold"/>
+            </a:endParaRPr>
+          </a:p>
+        </p:txBody>
+      </p:sp>
+    </p:spTree>
+  </p:cSld>
+  <p:clrMapOvr>
+    <a:masterClrMapping/>
+  </p:clrMapOvr>
+</p:sld>
+</file>
+
+<file path=ppt/slides/slide2.xml><?xml version="1.0" encoding="utf-8"?>
 <p:sld xmlns:a="http://schemas.openxmlformats.org/drawingml/2006/main" xmlns:r="http://schemas.openxmlformats.org/officeDocument/2006/relationships" xmlns:mc="http://schemas.openxmlformats.org/markup-compatibility/2006" xmlns:mv="urn:schemas-microsoft-com:mac:vml" xmlns:p="http://schemas.openxmlformats.org/presentationml/2006/main" xmlns:c="http://schemas.openxmlformats.org/drawingml/2006/chart" xmlns:dgm="http://schemas.openxmlformats.org/drawingml/2006/diagram" xmlns:o="urn:schemas-microsoft-com:office:office" xmlns:v="urn:schemas-microsoft-com:vml" xmlns:pvml="urn:schemas-microsoft-com:office:powerpoint" xmlns:com="http://schemas.openxmlformats.org/drawingml/2006/compatibility" xmlns:p14="http://schemas.microsoft.com/office/powerpoint/2010/main" xmlns:p15="http://schemas.microsoft.com/office/powerpoint/2012/main" xmlns:ahyp="http://schemas.microsoft.com/office/drawing/2018/hyperlinkcolor">
   <p:cSld>
     <p:spTree>
       <p:nvGrpSpPr>
-        <p:cNvPr id="128" name="Shape 128"/>
+        <p:cNvPr id="70" name="Shape 70"/>
+        <p:cNvGrpSpPr/>
+        <p:nvPr/>
+      </p:nvGrpSpPr>
+      <p:grpSpPr>
+        <a:xfrm>
+          <a:off x="0" y="0"/>
+          <a:ext cx="0" cy="0"/>
+          <a:chOff x="0" y="0"/>
+          <a:chExt cx="0" cy="0"/>
+        </a:xfrm>
+      </p:grpSpPr>
+      <p:sp>
+        <p:nvSpPr>
+          <p:cNvPr id="71" name="Google Shape;71;p3"/>
+          <p:cNvSpPr txBox="1"/>
+          <p:nvPr/>
+        </p:nvSpPr>
+        <p:spPr>
+          <a:xfrm>
+            <a:off x="3" y="230000"/>
+            <a:ext cx="9144000" cy="596400"/>
+          </a:xfrm>
+          <a:prstGeom prst="rect">
+            <a:avLst/>
+          </a:prstGeom>
+          <a:noFill/>
+          <a:ln>
+            <a:noFill/>
+          </a:ln>
+        </p:spPr>
+        <p:txBody>
+          <a:bodyPr anchorCtr="0" anchor="t" bIns="34275" lIns="68550" spcFirstLastPara="1" rIns="68550" wrap="square" tIns="34275">
+            <a:noAutofit/>
+          </a:bodyPr>
+          <a:lstStyle/>
+          <a:p>
+            <a:pPr indent="0" lvl="0" marL="0" marR="0" rtl="0" algn="ctr">
+              <a:lnSpc>
+                <a:spcPct val="90000"/>
+              </a:lnSpc>
+              <a:spcBef>
+                <a:spcPts val="0"/>
+              </a:spcBef>
+              <a:spcAft>
+                <a:spcPts val="0"/>
+              </a:spcAft>
+              <a:buClr>
+                <a:srgbClr val="000000"/>
+              </a:buClr>
+              <a:buSzPts val="4500"/>
+              <a:buFont typeface="Arial"/>
+              <a:buNone/>
+            </a:pPr>
+            <a:r>
+              <a:t/>
+            </a:r>
+            <a:endParaRPr b="0" i="0" sz="3600" u="none" cap="none" strike="noStrike">
+              <a:solidFill>
+                <a:srgbClr val="225C73"/>
+              </a:solidFill>
+              <a:latin typeface="Roboto Black"/>
+              <a:ea typeface="Roboto Black"/>
+              <a:cs typeface="Roboto Black"/>
+              <a:sym typeface="Roboto Black"/>
+            </a:endParaRPr>
+          </a:p>
+        </p:txBody>
+      </p:sp>
+      <p:sp>
+        <p:nvSpPr>
+          <p:cNvPr id="72" name="Google Shape;72;p3"/>
+          <p:cNvSpPr/>
+          <p:nvPr/>
+        </p:nvSpPr>
+        <p:spPr>
+          <a:xfrm>
+            <a:off x="2460871" y="900638"/>
+            <a:ext cx="2067600" cy="2142300"/>
+          </a:xfrm>
+          <a:prstGeom prst="teardrop">
+            <a:avLst>
+              <a:gd fmla="val 100000" name="adj"/>
+            </a:avLst>
+          </a:prstGeom>
+          <a:solidFill>
+            <a:srgbClr val="061D74"/>
+          </a:solidFill>
+          <a:ln>
+            <a:noFill/>
+          </a:ln>
+        </p:spPr>
+        <p:txBody>
+          <a:bodyPr anchorCtr="0" anchor="ctr" bIns="68575" lIns="68575" spcFirstLastPara="1" rIns="68575" wrap="square" tIns="68575">
+            <a:noAutofit/>
+          </a:bodyPr>
+          <a:lstStyle/>
+          <a:p>
+            <a:pPr indent="0" lvl="0" marL="0" marR="0" rtl="0" algn="l">
+              <a:lnSpc>
+                <a:spcPct val="100000"/>
+              </a:lnSpc>
+              <a:spcBef>
+                <a:spcPts val="0"/>
+              </a:spcBef>
+              <a:spcAft>
+                <a:spcPts val="0"/>
+              </a:spcAft>
+              <a:buClr>
+                <a:srgbClr val="000000"/>
+              </a:buClr>
+              <a:buSzPts val="1100"/>
+              <a:buFont typeface="Arial"/>
+              <a:buNone/>
+            </a:pPr>
+            <a:r>
+              <a:rPr b="0" i="0" lang="pt-BR" sz="1100" u="none" cap="none" strike="noStrike">
+                <a:solidFill>
+                  <a:srgbClr val="000000"/>
+                </a:solidFill>
+                <a:latin typeface="Arial"/>
+                <a:ea typeface="Arial"/>
+                <a:cs typeface="Arial"/>
+                <a:sym typeface="Arial"/>
+              </a:rPr>
+              <a:t>      </a:t>
+            </a:r>
+            <a:endParaRPr b="0" i="0" sz="1100" u="none" cap="none" strike="noStrike">
+              <a:solidFill>
+                <a:srgbClr val="000000"/>
+              </a:solidFill>
+              <a:latin typeface="Arial"/>
+              <a:ea typeface="Arial"/>
+              <a:cs typeface="Arial"/>
+              <a:sym typeface="Arial"/>
+            </a:endParaRPr>
+          </a:p>
+        </p:txBody>
+      </p:sp>
+      <p:sp>
+        <p:nvSpPr>
+          <p:cNvPr id="73" name="Google Shape;73;p3"/>
+          <p:cNvSpPr/>
+          <p:nvPr/>
+        </p:nvSpPr>
+        <p:spPr>
+          <a:xfrm>
+            <a:off x="423303" y="900638"/>
+            <a:ext cx="2067600" cy="2142300"/>
+          </a:xfrm>
+          <a:prstGeom prst="teardrop">
+            <a:avLst>
+              <a:gd fmla="val 100000" name="adj"/>
+            </a:avLst>
+          </a:prstGeom>
+          <a:solidFill>
+            <a:srgbClr val="0C3AE8"/>
+          </a:solidFill>
+          <a:ln>
+            <a:noFill/>
+          </a:ln>
+        </p:spPr>
+        <p:txBody>
+          <a:bodyPr anchorCtr="0" anchor="ctr" bIns="68575" lIns="68575" spcFirstLastPara="1" rIns="68575" wrap="square" tIns="68575">
+            <a:noAutofit/>
+          </a:bodyPr>
+          <a:lstStyle/>
+          <a:p>
+            <a:pPr indent="0" lvl="0" marL="0" marR="0" rtl="0" algn="l">
+              <a:lnSpc>
+                <a:spcPct val="100000"/>
+              </a:lnSpc>
+              <a:spcBef>
+                <a:spcPts val="0"/>
+              </a:spcBef>
+              <a:spcAft>
+                <a:spcPts val="0"/>
+              </a:spcAft>
+              <a:buClr>
+                <a:srgbClr val="000000"/>
+              </a:buClr>
+              <a:buSzPts val="1400"/>
+              <a:buFont typeface="Arial"/>
+              <a:buNone/>
+            </a:pPr>
+            <a:r>
+              <a:t/>
+            </a:r>
+            <a:endParaRPr b="0" i="0" sz="1400" u="none" cap="none" strike="noStrike">
+              <a:solidFill>
+                <a:srgbClr val="000000"/>
+              </a:solidFill>
+              <a:latin typeface="Arial"/>
+              <a:ea typeface="Arial"/>
+              <a:cs typeface="Arial"/>
+              <a:sym typeface="Arial"/>
+            </a:endParaRPr>
+          </a:p>
+        </p:txBody>
+      </p:sp>
+      <p:sp>
+        <p:nvSpPr>
+          <p:cNvPr id="74" name="Google Shape;74;p3"/>
+          <p:cNvSpPr/>
+          <p:nvPr/>
+        </p:nvSpPr>
+        <p:spPr>
+          <a:xfrm>
+            <a:off x="395239" y="3234867"/>
+            <a:ext cx="1997700" cy="906600"/>
+          </a:xfrm>
+          <a:prstGeom prst="rect">
+            <a:avLst/>
+          </a:prstGeom>
+          <a:noFill/>
+          <a:ln>
+            <a:noFill/>
+          </a:ln>
+        </p:spPr>
+        <p:txBody>
+          <a:bodyPr anchorCtr="0" anchor="ctr" bIns="34275" lIns="68550" spcFirstLastPara="1" rIns="68550" wrap="square" tIns="34275">
+            <a:noAutofit/>
+          </a:bodyPr>
+          <a:lstStyle/>
+          <a:p>
+            <a:pPr indent="0" lvl="0" marL="0" marR="0" rtl="0" algn="ctr">
+              <a:lnSpc>
+                <a:spcPct val="100000"/>
+              </a:lnSpc>
+              <a:spcBef>
+                <a:spcPts val="0"/>
+              </a:spcBef>
+              <a:spcAft>
+                <a:spcPts val="0"/>
+              </a:spcAft>
+              <a:buClr>
+                <a:srgbClr val="000000"/>
+              </a:buClr>
+              <a:buSzPts val="1500"/>
+              <a:buFont typeface="Arial"/>
+              <a:buNone/>
+            </a:pPr>
+            <a:r>
+              <a:rPr b="1" lang="pt-BR" sz="1200">
+                <a:solidFill>
+                  <a:schemeClr val="dk1"/>
+                </a:solidFill>
+                <a:latin typeface="Poppins"/>
+                <a:ea typeface="Poppins"/>
+                <a:cs typeface="Poppins"/>
+                <a:sym typeface="Poppins"/>
+              </a:rPr>
+              <a:t>Fails numbers</a:t>
+            </a:r>
+            <a:endParaRPr b="1" i="0" sz="1200" u="none" cap="none" strike="noStrike">
+              <a:solidFill>
+                <a:schemeClr val="dk1"/>
+              </a:solidFill>
+              <a:latin typeface="Poppins"/>
+              <a:ea typeface="Poppins"/>
+              <a:cs typeface="Poppins"/>
+              <a:sym typeface="Poppins"/>
+            </a:endParaRPr>
+          </a:p>
+        </p:txBody>
+      </p:sp>
+      <p:sp>
+        <p:nvSpPr>
+          <p:cNvPr id="75" name="Google Shape;75;p3"/>
+          <p:cNvSpPr/>
+          <p:nvPr/>
+        </p:nvSpPr>
+        <p:spPr>
+          <a:xfrm>
+            <a:off x="2392950" y="3234875"/>
+            <a:ext cx="2397600" cy="955200"/>
+          </a:xfrm>
+          <a:prstGeom prst="rect">
+            <a:avLst/>
+          </a:prstGeom>
+          <a:noFill/>
+          <a:ln>
+            <a:noFill/>
+          </a:ln>
+        </p:spPr>
+        <p:txBody>
+          <a:bodyPr anchorCtr="0" anchor="ctr" bIns="34275" lIns="68550" spcFirstLastPara="1" rIns="68550" wrap="square" tIns="34275">
+            <a:noAutofit/>
+          </a:bodyPr>
+          <a:lstStyle/>
+          <a:p>
+            <a:pPr indent="0" lvl="0" marL="0" marR="0" rtl="0" algn="ctr">
+              <a:lnSpc>
+                <a:spcPct val="100000"/>
+              </a:lnSpc>
+              <a:spcBef>
+                <a:spcPts val="0"/>
+              </a:spcBef>
+              <a:spcAft>
+                <a:spcPts val="0"/>
+              </a:spcAft>
+              <a:buClr>
+                <a:schemeClr val="dk1"/>
+              </a:buClr>
+              <a:buSzPts val="1500"/>
+              <a:buFont typeface="Arial"/>
+              <a:buNone/>
+            </a:pPr>
+            <a:r>
+              <a:rPr b="1" lang="pt-BR" sz="1200">
+                <a:solidFill>
+                  <a:schemeClr val="dk1"/>
+                </a:solidFill>
+                <a:highlight>
+                  <a:srgbClr val="FFFFFF"/>
+                </a:highlight>
+                <a:latin typeface="Poppins"/>
+                <a:ea typeface="Poppins"/>
+                <a:cs typeface="Poppins"/>
+                <a:sym typeface="Poppins"/>
+              </a:rPr>
+              <a:t>Categorize equipment failures</a:t>
+            </a:r>
+            <a:endParaRPr b="1" i="0" sz="1200" u="none" cap="none" strike="noStrike">
+              <a:solidFill>
+                <a:schemeClr val="dk1"/>
+              </a:solidFill>
+              <a:latin typeface="Poppins"/>
+              <a:ea typeface="Poppins"/>
+              <a:cs typeface="Poppins"/>
+              <a:sym typeface="Poppins"/>
+            </a:endParaRPr>
+          </a:p>
+        </p:txBody>
+      </p:sp>
+      <p:sp>
+        <p:nvSpPr>
+          <p:cNvPr id="76" name="Google Shape;76;p3"/>
+          <p:cNvSpPr txBox="1"/>
+          <p:nvPr/>
+        </p:nvSpPr>
+        <p:spPr>
+          <a:xfrm>
+            <a:off x="272725" y="121075"/>
+            <a:ext cx="8575200" cy="851700"/>
+          </a:xfrm>
+          <a:prstGeom prst="rect">
+            <a:avLst/>
+          </a:prstGeom>
+          <a:noFill/>
+          <a:ln>
+            <a:noFill/>
+          </a:ln>
+        </p:spPr>
+        <p:txBody>
+          <a:bodyPr anchorCtr="0" anchor="ctr" bIns="34275" lIns="68575" spcFirstLastPara="1" rIns="68575" wrap="square" tIns="34275">
+            <a:noAutofit/>
+          </a:bodyPr>
+          <a:lstStyle/>
+          <a:p>
+            <a:pPr indent="0" lvl="0" marL="0" marR="0" rtl="0" algn="ctr">
+              <a:lnSpc>
+                <a:spcPct val="90000"/>
+              </a:lnSpc>
+              <a:spcBef>
+                <a:spcPts val="0"/>
+              </a:spcBef>
+              <a:spcAft>
+                <a:spcPts val="0"/>
+              </a:spcAft>
+              <a:buClr>
+                <a:srgbClr val="595959"/>
+              </a:buClr>
+              <a:buSzPts val="4500"/>
+              <a:buFont typeface="Calibri"/>
+              <a:buNone/>
+            </a:pPr>
+            <a:r>
+              <a:t/>
+            </a:r>
+            <a:endParaRPr b="1" i="0" sz="3600" u="none" cap="none" strike="noStrike">
+              <a:solidFill>
+                <a:srgbClr val="0C3AE8"/>
+              </a:solidFill>
+              <a:latin typeface="Poppins"/>
+              <a:ea typeface="Poppins"/>
+              <a:cs typeface="Poppins"/>
+              <a:sym typeface="Poppins"/>
+            </a:endParaRPr>
+          </a:p>
+        </p:txBody>
+      </p:sp>
+      <p:pic>
+        <p:nvPicPr>
+          <p:cNvPr descr="logo branca.png" id="77" name="Google Shape;77;p3"/>
+          <p:cNvPicPr preferRelativeResize="0"/>
+          <p:nvPr/>
+        </p:nvPicPr>
+        <p:blipFill rotWithShape="1">
+          <a:blip r:embed="rId3">
+            <a:alphaModFix/>
+          </a:blip>
+          <a:srcRect b="0" l="0" r="0" t="0"/>
+          <a:stretch/>
+        </p:blipFill>
+        <p:spPr>
+          <a:xfrm>
+            <a:off x="8427227" y="4480330"/>
+            <a:ext cx="542818" cy="528916"/>
+          </a:xfrm>
+          <a:prstGeom prst="rect">
+            <a:avLst/>
+          </a:prstGeom>
+          <a:noFill/>
+          <a:ln>
+            <a:noFill/>
+          </a:ln>
+        </p:spPr>
+      </p:pic>
+      <p:cxnSp>
+        <p:nvCxnSpPr>
+          <p:cNvPr id="78" name="Google Shape;78;p3"/>
+          <p:cNvCxnSpPr/>
+          <p:nvPr/>
+        </p:nvCxnSpPr>
+        <p:spPr>
+          <a:xfrm>
+            <a:off x="1396853" y="909542"/>
+            <a:ext cx="1093800" cy="0"/>
+          </a:xfrm>
+          <a:prstGeom prst="straightConnector1">
+            <a:avLst/>
+          </a:prstGeom>
+          <a:noFill/>
+          <a:ln cap="flat" cmpd="sng" w="38100">
+            <a:solidFill>
+              <a:srgbClr val="FFDD19"/>
+            </a:solidFill>
+            <a:prstDash val="solid"/>
+            <a:round/>
+            <a:headEnd len="sm" w="sm" type="none"/>
+            <a:tailEnd len="sm" w="sm" type="none"/>
+          </a:ln>
+        </p:spPr>
+      </p:cxnSp>
+      <p:cxnSp>
+        <p:nvCxnSpPr>
+          <p:cNvPr id="79" name="Google Shape;79;p3"/>
+          <p:cNvCxnSpPr/>
+          <p:nvPr/>
+        </p:nvCxnSpPr>
+        <p:spPr>
+          <a:xfrm>
+            <a:off x="3496389" y="909542"/>
+            <a:ext cx="1093800" cy="0"/>
+          </a:xfrm>
+          <a:prstGeom prst="straightConnector1">
+            <a:avLst/>
+          </a:prstGeom>
+          <a:noFill/>
+          <a:ln cap="flat" cmpd="sng" w="38100">
+            <a:solidFill>
+              <a:srgbClr val="FFDD19"/>
+            </a:solidFill>
+            <a:prstDash val="solid"/>
+            <a:round/>
+            <a:headEnd len="sm" w="sm" type="none"/>
+            <a:tailEnd len="sm" w="sm" type="none"/>
+          </a:ln>
+        </p:spPr>
+      </p:cxnSp>
+      <p:sp>
+        <p:nvSpPr>
+          <p:cNvPr id="80" name="Google Shape;80;p3"/>
+          <p:cNvSpPr/>
+          <p:nvPr/>
+        </p:nvSpPr>
+        <p:spPr>
+          <a:xfrm>
+            <a:off x="6596085" y="909525"/>
+            <a:ext cx="2067600" cy="2142300"/>
+          </a:xfrm>
+          <a:prstGeom prst="teardrop">
+            <a:avLst>
+              <a:gd fmla="val 100000" name="adj"/>
+            </a:avLst>
+          </a:prstGeom>
+          <a:solidFill>
+            <a:srgbClr val="061D74"/>
+          </a:solidFill>
+          <a:ln>
+            <a:noFill/>
+          </a:ln>
+        </p:spPr>
+        <p:txBody>
+          <a:bodyPr anchorCtr="0" anchor="ctr" bIns="68575" lIns="68575" spcFirstLastPara="1" rIns="68575" wrap="square" tIns="68575">
+            <a:noAutofit/>
+          </a:bodyPr>
+          <a:lstStyle/>
+          <a:p>
+            <a:pPr indent="0" lvl="0" marL="0" marR="0" rtl="0" algn="l">
+              <a:lnSpc>
+                <a:spcPct val="100000"/>
+              </a:lnSpc>
+              <a:spcBef>
+                <a:spcPts val="0"/>
+              </a:spcBef>
+              <a:spcAft>
+                <a:spcPts val="0"/>
+              </a:spcAft>
+              <a:buClr>
+                <a:srgbClr val="000000"/>
+              </a:buClr>
+              <a:buSzPts val="1100"/>
+              <a:buFont typeface="Arial"/>
+              <a:buNone/>
+            </a:pPr>
+            <a:r>
+              <a:rPr b="0" i="0" lang="pt-BR" sz="1100" u="none" cap="none" strike="noStrike">
+                <a:solidFill>
+                  <a:srgbClr val="000000"/>
+                </a:solidFill>
+                <a:latin typeface="Arial"/>
+                <a:ea typeface="Arial"/>
+                <a:cs typeface="Arial"/>
+                <a:sym typeface="Arial"/>
+              </a:rPr>
+              <a:t>      </a:t>
+            </a:r>
+            <a:endParaRPr b="0" i="0" sz="1100" u="none" cap="none" strike="noStrike">
+              <a:solidFill>
+                <a:srgbClr val="000000"/>
+              </a:solidFill>
+              <a:latin typeface="Arial"/>
+              <a:ea typeface="Arial"/>
+              <a:cs typeface="Arial"/>
+              <a:sym typeface="Arial"/>
+            </a:endParaRPr>
+          </a:p>
+        </p:txBody>
+      </p:sp>
+      <p:sp>
+        <p:nvSpPr>
+          <p:cNvPr id="81" name="Google Shape;81;p3"/>
+          <p:cNvSpPr/>
+          <p:nvPr/>
+        </p:nvSpPr>
+        <p:spPr>
+          <a:xfrm>
+            <a:off x="6721023" y="3243754"/>
+            <a:ext cx="1982400" cy="955200"/>
+          </a:xfrm>
+          <a:prstGeom prst="rect">
+            <a:avLst/>
+          </a:prstGeom>
+          <a:noFill/>
+          <a:ln>
+            <a:noFill/>
+          </a:ln>
+        </p:spPr>
+        <p:txBody>
+          <a:bodyPr anchorCtr="0" anchor="ctr" bIns="34275" lIns="68550" spcFirstLastPara="1" rIns="68550" wrap="square" tIns="34275">
+            <a:noAutofit/>
+          </a:bodyPr>
+          <a:lstStyle/>
+          <a:p>
+            <a:pPr indent="0" lvl="0" marL="0" marR="0" rtl="0" algn="ctr">
+              <a:lnSpc>
+                <a:spcPct val="100000"/>
+              </a:lnSpc>
+              <a:spcBef>
+                <a:spcPts val="0"/>
+              </a:spcBef>
+              <a:spcAft>
+                <a:spcPts val="0"/>
+              </a:spcAft>
+              <a:buClr>
+                <a:schemeClr val="dk1"/>
+              </a:buClr>
+              <a:buSzPts val="1500"/>
+              <a:buFont typeface="Arial"/>
+              <a:buNone/>
+            </a:pPr>
+            <a:r>
+              <a:rPr b="1" lang="pt-BR" sz="1200">
+                <a:solidFill>
+                  <a:schemeClr val="dk1"/>
+                </a:solidFill>
+                <a:highlight>
+                  <a:srgbClr val="FFFFFF"/>
+                </a:highlight>
+                <a:latin typeface="Poppins"/>
+                <a:ea typeface="Poppins"/>
+                <a:cs typeface="Poppins"/>
+                <a:sym typeface="Poppins"/>
+              </a:rPr>
+              <a:t>Variable Importance</a:t>
+            </a:r>
+            <a:endParaRPr b="1" i="0" sz="1200" u="none" cap="none" strike="noStrike">
+              <a:solidFill>
+                <a:schemeClr val="dk1"/>
+              </a:solidFill>
+              <a:latin typeface="Poppins"/>
+              <a:ea typeface="Poppins"/>
+              <a:cs typeface="Poppins"/>
+              <a:sym typeface="Poppins"/>
+            </a:endParaRPr>
+          </a:p>
+        </p:txBody>
+      </p:sp>
+      <p:cxnSp>
+        <p:nvCxnSpPr>
+          <p:cNvPr id="82" name="Google Shape;82;p3"/>
+          <p:cNvCxnSpPr/>
+          <p:nvPr/>
+        </p:nvCxnSpPr>
+        <p:spPr>
+          <a:xfrm>
+            <a:off x="7631602" y="918428"/>
+            <a:ext cx="1093800" cy="0"/>
+          </a:xfrm>
+          <a:prstGeom prst="straightConnector1">
+            <a:avLst/>
+          </a:prstGeom>
+          <a:noFill/>
+          <a:ln cap="flat" cmpd="sng" w="38100">
+            <a:solidFill>
+              <a:srgbClr val="FFDD19"/>
+            </a:solidFill>
+            <a:prstDash val="solid"/>
+            <a:round/>
+            <a:headEnd len="sm" w="sm" type="none"/>
+            <a:tailEnd len="sm" w="sm" type="none"/>
+          </a:ln>
+        </p:spPr>
+      </p:cxnSp>
+      <p:sp>
+        <p:nvSpPr>
+          <p:cNvPr id="83" name="Google Shape;83;p3"/>
+          <p:cNvSpPr/>
+          <p:nvPr/>
+        </p:nvSpPr>
+        <p:spPr>
+          <a:xfrm>
+            <a:off x="4497889" y="909525"/>
+            <a:ext cx="2067600" cy="2142300"/>
+          </a:xfrm>
+          <a:prstGeom prst="teardrop">
+            <a:avLst>
+              <a:gd fmla="val 100000" name="adj"/>
+            </a:avLst>
+          </a:prstGeom>
+          <a:solidFill>
+            <a:srgbClr val="0C3AE8"/>
+          </a:solidFill>
+          <a:ln>
+            <a:noFill/>
+          </a:ln>
+        </p:spPr>
+        <p:txBody>
+          <a:bodyPr anchorCtr="0" anchor="ctr" bIns="68575" lIns="68575" spcFirstLastPara="1" rIns="68575" wrap="square" tIns="68575">
+            <a:noAutofit/>
+          </a:bodyPr>
+          <a:lstStyle/>
+          <a:p>
+            <a:pPr indent="0" lvl="0" marL="0" marR="0" rtl="0" algn="l">
+              <a:lnSpc>
+                <a:spcPct val="100000"/>
+              </a:lnSpc>
+              <a:spcBef>
+                <a:spcPts val="0"/>
+              </a:spcBef>
+              <a:spcAft>
+                <a:spcPts val="0"/>
+              </a:spcAft>
+              <a:buClr>
+                <a:srgbClr val="000000"/>
+              </a:buClr>
+              <a:buSzPts val="1400"/>
+              <a:buFont typeface="Arial"/>
+              <a:buNone/>
+            </a:pPr>
+            <a:r>
+              <a:t/>
+            </a:r>
+            <a:endParaRPr b="0" i="0" sz="1400" u="none" cap="none" strike="noStrike">
+              <a:solidFill>
+                <a:srgbClr val="000000"/>
+              </a:solidFill>
+              <a:latin typeface="Arial"/>
+              <a:ea typeface="Arial"/>
+              <a:cs typeface="Arial"/>
+              <a:sym typeface="Arial"/>
+            </a:endParaRPr>
+          </a:p>
+        </p:txBody>
+      </p:sp>
+      <p:sp>
+        <p:nvSpPr>
+          <p:cNvPr id="84" name="Google Shape;84;p3"/>
+          <p:cNvSpPr/>
+          <p:nvPr/>
+        </p:nvSpPr>
+        <p:spPr>
+          <a:xfrm>
+            <a:off x="4727660" y="3253461"/>
+            <a:ext cx="1608000" cy="989400"/>
+          </a:xfrm>
+          <a:prstGeom prst="rect">
+            <a:avLst/>
+          </a:prstGeom>
+          <a:noFill/>
+          <a:ln>
+            <a:noFill/>
+          </a:ln>
+        </p:spPr>
+        <p:txBody>
+          <a:bodyPr anchorCtr="0" anchor="ctr" bIns="34275" lIns="68550" spcFirstLastPara="1" rIns="68550" wrap="square" tIns="34275">
+            <a:noAutofit/>
+          </a:bodyPr>
+          <a:lstStyle/>
+          <a:p>
+            <a:pPr indent="0" lvl="0" marL="0" marR="0" rtl="0" algn="ctr">
+              <a:lnSpc>
+                <a:spcPct val="100000"/>
+              </a:lnSpc>
+              <a:spcBef>
+                <a:spcPts val="0"/>
+              </a:spcBef>
+              <a:spcAft>
+                <a:spcPts val="0"/>
+              </a:spcAft>
+              <a:buClr>
+                <a:schemeClr val="dk1"/>
+              </a:buClr>
+              <a:buSzPts val="1500"/>
+              <a:buFont typeface="Arial"/>
+              <a:buNone/>
+            </a:pPr>
+            <a:r>
+              <a:rPr b="1" lang="pt-BR" sz="1200">
+                <a:solidFill>
+                  <a:schemeClr val="dk1"/>
+                </a:solidFill>
+                <a:latin typeface="Poppins"/>
+                <a:ea typeface="Poppins"/>
+                <a:cs typeface="Poppins"/>
+                <a:sym typeface="Poppins"/>
+              </a:rPr>
+              <a:t>Model performance</a:t>
+            </a:r>
+            <a:endParaRPr b="1" i="0" sz="1200" u="none" cap="none" strike="noStrike">
+              <a:solidFill>
+                <a:schemeClr val="dk1"/>
+              </a:solidFill>
+              <a:latin typeface="Poppins"/>
+              <a:ea typeface="Poppins"/>
+              <a:cs typeface="Poppins"/>
+              <a:sym typeface="Poppins"/>
+            </a:endParaRPr>
+          </a:p>
+        </p:txBody>
+      </p:sp>
+      <p:cxnSp>
+        <p:nvCxnSpPr>
+          <p:cNvPr id="85" name="Google Shape;85;p3"/>
+          <p:cNvCxnSpPr/>
+          <p:nvPr/>
+        </p:nvCxnSpPr>
+        <p:spPr>
+          <a:xfrm>
+            <a:off x="5471423" y="909528"/>
+            <a:ext cx="1093800" cy="0"/>
+          </a:xfrm>
+          <a:prstGeom prst="straightConnector1">
+            <a:avLst/>
+          </a:prstGeom>
+          <a:noFill/>
+          <a:ln cap="flat" cmpd="sng" w="38100">
+            <a:solidFill>
+              <a:srgbClr val="FFDD19"/>
+            </a:solidFill>
+            <a:prstDash val="solid"/>
+            <a:round/>
+            <a:headEnd len="sm" w="sm" type="none"/>
+            <a:tailEnd len="sm" w="sm" type="none"/>
+          </a:ln>
+        </p:spPr>
+      </p:cxnSp>
+      <p:pic>
+        <p:nvPicPr>
+          <p:cNvPr id="86" name="Google Shape;86;p3"/>
+          <p:cNvPicPr preferRelativeResize="0"/>
+          <p:nvPr/>
+        </p:nvPicPr>
+        <p:blipFill>
+          <a:blip r:embed="rId4">
+            <a:alphaModFix/>
+          </a:blip>
+          <a:stretch>
+            <a:fillRect/>
+          </a:stretch>
+        </p:blipFill>
+        <p:spPr>
+          <a:xfrm>
+            <a:off x="0" y="4778650"/>
+            <a:ext cx="1310125" cy="364850"/>
+          </a:xfrm>
+          <a:prstGeom prst="rect">
+            <a:avLst/>
+          </a:prstGeom>
+          <a:noFill/>
+          <a:ln>
+            <a:noFill/>
+          </a:ln>
+        </p:spPr>
+      </p:pic>
+      <p:pic>
+        <p:nvPicPr>
+          <p:cNvPr id="87" name="Google Shape;87;p3"/>
+          <p:cNvPicPr preferRelativeResize="0"/>
+          <p:nvPr/>
+        </p:nvPicPr>
+        <p:blipFill>
+          <a:blip r:embed="rId5">
+            <a:alphaModFix/>
+          </a:blip>
+          <a:stretch>
+            <a:fillRect/>
+          </a:stretch>
+        </p:blipFill>
+        <p:spPr>
+          <a:xfrm>
+            <a:off x="590100" y="1167800"/>
+            <a:ext cx="1608000" cy="1608000"/>
+          </a:xfrm>
+          <a:prstGeom prst="rect">
+            <a:avLst/>
+          </a:prstGeom>
+          <a:noFill/>
+          <a:ln>
+            <a:noFill/>
+          </a:ln>
+        </p:spPr>
+      </p:pic>
+      <p:pic>
+        <p:nvPicPr>
+          <p:cNvPr id="88" name="Google Shape;88;p3"/>
+          <p:cNvPicPr preferRelativeResize="0"/>
+          <p:nvPr/>
+        </p:nvPicPr>
+        <p:blipFill>
+          <a:blip r:embed="rId6">
+            <a:alphaModFix/>
+          </a:blip>
+          <a:stretch>
+            <a:fillRect/>
+          </a:stretch>
+        </p:blipFill>
+        <p:spPr>
+          <a:xfrm>
+            <a:off x="2744175" y="1221575"/>
+            <a:ext cx="1500451" cy="1500451"/>
+          </a:xfrm>
+          <a:prstGeom prst="rect">
+            <a:avLst/>
+          </a:prstGeom>
+          <a:noFill/>
+          <a:ln>
+            <a:noFill/>
+          </a:ln>
+        </p:spPr>
+      </p:pic>
+      <p:pic>
+        <p:nvPicPr>
+          <p:cNvPr id="89" name="Google Shape;89;p3"/>
+          <p:cNvPicPr preferRelativeResize="0"/>
+          <p:nvPr/>
+        </p:nvPicPr>
+        <p:blipFill>
+          <a:blip r:embed="rId7">
+            <a:alphaModFix/>
+          </a:blip>
+          <a:stretch>
+            <a:fillRect/>
+          </a:stretch>
+        </p:blipFill>
+        <p:spPr>
+          <a:xfrm>
+            <a:off x="4679988" y="1148349"/>
+            <a:ext cx="1764575" cy="1764575"/>
+          </a:xfrm>
+          <a:prstGeom prst="rect">
+            <a:avLst/>
+          </a:prstGeom>
+          <a:noFill/>
+          <a:ln>
+            <a:noFill/>
+          </a:ln>
+        </p:spPr>
+      </p:pic>
+      <p:pic>
+        <p:nvPicPr>
+          <p:cNvPr id="90" name="Google Shape;90;p3"/>
+          <p:cNvPicPr preferRelativeResize="0"/>
+          <p:nvPr/>
+        </p:nvPicPr>
+        <p:blipFill>
+          <a:blip r:embed="rId8">
+            <a:alphaModFix/>
+          </a:blip>
+          <a:stretch>
+            <a:fillRect/>
+          </a:stretch>
+        </p:blipFill>
+        <p:spPr>
+          <a:xfrm>
+            <a:off x="6747600" y="1010450"/>
+            <a:ext cx="1764550" cy="1764550"/>
+          </a:xfrm>
+          <a:prstGeom prst="rect">
+            <a:avLst/>
+          </a:prstGeom>
+          <a:noFill/>
+          <a:ln>
+            <a:noFill/>
+          </a:ln>
+        </p:spPr>
+      </p:pic>
+    </p:spTree>
+  </p:cSld>
+  <p:clrMapOvr>
+    <a:masterClrMapping/>
+  </p:clrMapOvr>
+</p:sld>
+</file>
+
+<file path=ppt/slides/slide3.xml><?xml version="1.0" encoding="utf-8"?>
+<p:sld xmlns:a="http://schemas.openxmlformats.org/drawingml/2006/main" xmlns:r="http://schemas.openxmlformats.org/officeDocument/2006/relationships" xmlns:mc="http://schemas.openxmlformats.org/markup-compatibility/2006" xmlns:mv="urn:schemas-microsoft-com:mac:vml" xmlns:p="http://schemas.openxmlformats.org/presentationml/2006/main" xmlns:c="http://schemas.openxmlformats.org/drawingml/2006/chart" xmlns:dgm="http://schemas.openxmlformats.org/drawingml/2006/diagram" xmlns:o="urn:schemas-microsoft-com:office:office" xmlns:v="urn:schemas-microsoft-com:vml" xmlns:pvml="urn:schemas-microsoft-com:office:powerpoint" xmlns:com="http://schemas.openxmlformats.org/drawingml/2006/compatibility" xmlns:p14="http://schemas.microsoft.com/office/powerpoint/2010/main" xmlns:p15="http://schemas.microsoft.com/office/powerpoint/2012/main" xmlns:ahyp="http://schemas.microsoft.com/office/drawing/2018/hyperlinkcolor">
+  <p:cSld>
+    <p:spTree>
+      <p:nvGrpSpPr>
+        <p:cNvPr id="94" name="Shape 94"/>
         <p:cNvGrpSpPr/>
         <p:nvPr/>
       </p:nvGrpSpPr>
@@ -13518,7 +14087,7 @@
       </p:grpSpPr>
       <p:pic>
         <p:nvPicPr>
-          <p:cNvPr id="129" name="Google Shape;129;g251ebc0e60a_0_145"/>
+          <p:cNvPr id="95" name="Google Shape;95;g251ebc0e60a_0_111"/>
           <p:cNvPicPr preferRelativeResize="0"/>
           <p:nvPr/>
         </p:nvPicPr>
@@ -13545,7 +14114,7 @@
       </p:pic>
       <p:sp>
         <p:nvSpPr>
-          <p:cNvPr id="130" name="Google Shape;130;g251ebc0e60a_0_145"/>
+          <p:cNvPr id="96" name="Google Shape;96;g251ebc0e60a_0_111"/>
           <p:cNvSpPr/>
           <p:nvPr/>
         </p:nvSpPr>
@@ -13621,7 +14190,7 @@
       </p:sp>
       <p:pic>
         <p:nvPicPr>
-          <p:cNvPr id="131" name="Google Shape;131;g251ebc0e60a_0_145"/>
+          <p:cNvPr id="97" name="Google Shape;97;g251ebc0e60a_0_111"/>
           <p:cNvPicPr preferRelativeResize="0"/>
           <p:nvPr/>
         </p:nvPicPr>
@@ -13648,14 +14217,14 @@
       </p:pic>
       <p:sp>
         <p:nvSpPr>
-          <p:cNvPr id="132" name="Google Shape;132;g251ebc0e60a_0_145"/>
+          <p:cNvPr id="98" name="Google Shape;98;g251ebc0e60a_0_111"/>
           <p:cNvSpPr txBox="1"/>
           <p:nvPr/>
         </p:nvSpPr>
         <p:spPr>
           <a:xfrm>
-            <a:off x="0" y="0"/>
-            <a:ext cx="6353100" cy="477300"/>
+            <a:off x="0" y="102150"/>
+            <a:ext cx="5901000" cy="405600"/>
           </a:xfrm>
           <a:prstGeom prst="rect">
             <a:avLst/>
@@ -13671,7 +14240,10 @@
           </a:bodyPr>
           <a:lstStyle/>
           <a:p>
-            <a:pPr indent="0" lvl="0" marL="0" rtl="0" algn="ctr">
+            <a:pPr indent="0" lvl="0" marL="0" marR="0" rtl="0" algn="l">
+              <a:lnSpc>
+                <a:spcPct val="85000"/>
+              </a:lnSpc>
               <a:spcBef>
                 <a:spcPts val="0"/>
               </a:spcBef>
@@ -13681,7 +14253,7 @@
               <a:buClr>
                 <a:schemeClr val="dk1"/>
               </a:buClr>
-              <a:buSzPts val="1500"/>
+              <a:buSzPts val="600"/>
               <a:buFont typeface="Arial"/>
               <a:buNone/>
             </a:pPr>
@@ -13690,20 +14262,301 @@
                 <a:solidFill>
                   <a:srgbClr val="001863"/>
                 </a:solidFill>
-                <a:highlight>
-                  <a:srgbClr val="FFFFFF"/>
-                </a:highlight>
                 <a:latin typeface="Poppins"/>
                 <a:ea typeface="Poppins"/>
                 <a:cs typeface="Poppins"/>
                 <a:sym typeface="Poppins"/>
               </a:rPr>
-              <a:t>Categorize equipment failures</a:t>
+              <a:t>Operation Time</a:t>
             </a:r>
-            <a:endParaRPr b="1" sz="3100">
+            <a:endParaRPr sz="3100">
               <a:solidFill>
-                <a:srgbClr val="001863"/>
+                <a:srgbClr val="061D74"/>
               </a:solidFill>
+              <a:latin typeface="Poppins Black"/>
+              <a:ea typeface="Poppins Black"/>
+              <a:cs typeface="Poppins Black"/>
+              <a:sym typeface="Poppins Black"/>
+            </a:endParaRPr>
+          </a:p>
+        </p:txBody>
+      </p:sp>
+      <p:sp>
+        <p:nvSpPr>
+          <p:cNvPr id="99" name="Google Shape;99;g251ebc0e60a_0_111"/>
+          <p:cNvSpPr/>
+          <p:nvPr/>
+        </p:nvSpPr>
+        <p:spPr>
+          <a:xfrm>
+            <a:off x="3667125" y="400048"/>
+            <a:ext cx="2881200" cy="1021500"/>
+          </a:xfrm>
+          <a:prstGeom prst="roundRect">
+            <a:avLst>
+              <a:gd fmla="val 16667" name="adj"/>
+            </a:avLst>
+          </a:prstGeom>
+          <a:noFill/>
+          <a:ln cap="flat" cmpd="sng" w="9525">
+            <a:solidFill>
+              <a:schemeClr val="lt1"/>
+            </a:solidFill>
+            <a:prstDash val="solid"/>
+            <a:round/>
+            <a:headEnd len="sm" w="sm" type="none"/>
+            <a:tailEnd len="sm" w="sm" type="none"/>
+          </a:ln>
+        </p:spPr>
+        <p:txBody>
+          <a:bodyPr anchorCtr="0" anchor="t" bIns="91425" lIns="91425" spcFirstLastPara="1" rIns="91425" wrap="square" tIns="91425">
+            <a:noAutofit/>
+          </a:bodyPr>
+          <a:lstStyle/>
+          <a:p>
+            <a:pPr indent="0" lvl="0" marL="0" rtl="0" algn="ctr">
+              <a:spcBef>
+                <a:spcPts val="0"/>
+              </a:spcBef>
+              <a:spcAft>
+                <a:spcPts val="0"/>
+              </a:spcAft>
+              <a:buNone/>
+            </a:pPr>
+            <a:r>
+              <a:rPr b="1" lang="pt-BR">
+                <a:latin typeface="Poppins"/>
+                <a:ea typeface="Poppins"/>
+                <a:cs typeface="Poppins"/>
+                <a:sym typeface="Poppins"/>
+              </a:rPr>
+              <a:t>Operating cycle time</a:t>
+            </a:r>
+            <a:endParaRPr b="1">
+              <a:latin typeface="Poppins"/>
+              <a:ea typeface="Poppins"/>
+              <a:cs typeface="Poppins"/>
+              <a:sym typeface="Poppins"/>
+            </a:endParaRPr>
+          </a:p>
+        </p:txBody>
+      </p:sp>
+      <p:sp>
+        <p:nvSpPr>
+          <p:cNvPr id="100" name="Google Shape;100;g251ebc0e60a_0_111"/>
+          <p:cNvSpPr/>
+          <p:nvPr/>
+        </p:nvSpPr>
+        <p:spPr>
+          <a:xfrm>
+            <a:off x="5206575" y="1003880"/>
+            <a:ext cx="1275600" cy="360300"/>
+          </a:xfrm>
+          <a:prstGeom prst="roundRect">
+            <a:avLst>
+              <a:gd fmla="val 16667" name="adj"/>
+            </a:avLst>
+          </a:prstGeom>
+          <a:solidFill>
+            <a:srgbClr val="ED2891"/>
+          </a:solidFill>
+          <a:ln cap="flat" cmpd="sng" w="28575">
+            <a:solidFill>
+              <a:schemeClr val="dk1"/>
+            </a:solidFill>
+            <a:prstDash val="solid"/>
+            <a:round/>
+            <a:headEnd len="sm" w="sm" type="none"/>
+            <a:tailEnd len="sm" w="sm" type="none"/>
+          </a:ln>
+        </p:spPr>
+        <p:txBody>
+          <a:bodyPr anchorCtr="0" anchor="ctr" bIns="91425" lIns="91425" spcFirstLastPara="1" rIns="91425" wrap="square" tIns="91425">
+            <a:noAutofit/>
+          </a:bodyPr>
+          <a:lstStyle/>
+          <a:p>
+            <a:pPr indent="0" lvl="0" marL="0" rtl="0" algn="ctr">
+              <a:spcBef>
+                <a:spcPts val="0"/>
+              </a:spcBef>
+              <a:spcAft>
+                <a:spcPts val="0"/>
+              </a:spcAft>
+              <a:buNone/>
+            </a:pPr>
+            <a:r>
+              <a:rPr b="1" lang="pt-BR">
+                <a:solidFill>
+                  <a:srgbClr val="FFDD19"/>
+                </a:solidFill>
+              </a:rPr>
+              <a:t>8,25%</a:t>
+            </a:r>
+            <a:endParaRPr b="1">
+              <a:solidFill>
+                <a:srgbClr val="FFDD19"/>
+              </a:solidFill>
+            </a:endParaRPr>
+          </a:p>
+        </p:txBody>
+      </p:sp>
+      <p:sp>
+        <p:nvSpPr>
+          <p:cNvPr id="101" name="Google Shape;101;g251ebc0e60a_0_111"/>
+          <p:cNvSpPr/>
+          <p:nvPr/>
+        </p:nvSpPr>
+        <p:spPr>
+          <a:xfrm>
+            <a:off x="3792050" y="1003821"/>
+            <a:ext cx="1275600" cy="360300"/>
+          </a:xfrm>
+          <a:prstGeom prst="roundRect">
+            <a:avLst>
+              <a:gd fmla="val 16667" name="adj"/>
+            </a:avLst>
+          </a:prstGeom>
+          <a:solidFill>
+            <a:srgbClr val="0033FF"/>
+          </a:solidFill>
+          <a:ln cap="flat" cmpd="sng" w="28575">
+            <a:solidFill>
+              <a:schemeClr val="dk1"/>
+            </a:solidFill>
+            <a:prstDash val="solid"/>
+            <a:round/>
+            <a:headEnd len="sm" w="sm" type="none"/>
+            <a:tailEnd len="sm" w="sm" type="none"/>
+          </a:ln>
+        </p:spPr>
+        <p:txBody>
+          <a:bodyPr anchorCtr="0" anchor="ctr" bIns="91425" lIns="91425" spcFirstLastPara="1" rIns="91425" wrap="square" tIns="91425">
+            <a:noAutofit/>
+          </a:bodyPr>
+          <a:lstStyle/>
+          <a:p>
+            <a:pPr indent="0" lvl="0" marL="0" rtl="0" algn="ctr">
+              <a:spcBef>
+                <a:spcPts val="0"/>
+              </a:spcBef>
+              <a:spcAft>
+                <a:spcPts val="0"/>
+              </a:spcAft>
+              <a:buNone/>
+            </a:pPr>
+            <a:r>
+              <a:rPr b="1" lang="pt-BR">
+                <a:solidFill>
+                  <a:srgbClr val="FFDD19"/>
+                </a:solidFill>
+              </a:rPr>
+              <a:t>91,75 %</a:t>
+            </a:r>
+            <a:endParaRPr b="1">
+              <a:solidFill>
+                <a:srgbClr val="FFDD19"/>
+              </a:solidFill>
+            </a:endParaRPr>
+          </a:p>
+        </p:txBody>
+      </p:sp>
+      <p:sp>
+        <p:nvSpPr>
+          <p:cNvPr id="102" name="Google Shape;102;g251ebc0e60a_0_111"/>
+          <p:cNvSpPr txBox="1"/>
+          <p:nvPr/>
+        </p:nvSpPr>
+        <p:spPr>
+          <a:xfrm>
+            <a:off x="3851150" y="674111"/>
+            <a:ext cx="1157400" cy="473400"/>
+          </a:xfrm>
+          <a:prstGeom prst="rect">
+            <a:avLst/>
+          </a:prstGeom>
+          <a:noFill/>
+          <a:ln>
+            <a:noFill/>
+          </a:ln>
+        </p:spPr>
+        <p:txBody>
+          <a:bodyPr anchorCtr="0" anchor="t" bIns="91425" lIns="91425" spcFirstLastPara="1" rIns="91425" wrap="square" tIns="91425">
+            <a:noAutofit/>
+          </a:bodyPr>
+          <a:lstStyle/>
+          <a:p>
+            <a:pPr indent="0" lvl="0" marL="0" rtl="0" algn="ctr">
+              <a:spcBef>
+                <a:spcPts val="0"/>
+              </a:spcBef>
+              <a:spcAft>
+                <a:spcPts val="0"/>
+              </a:spcAft>
+              <a:buNone/>
+            </a:pPr>
+            <a:r>
+              <a:rPr lang="pt-BR" sz="1200">
+                <a:latin typeface="Poppins"/>
+                <a:ea typeface="Poppins"/>
+                <a:cs typeface="Poppins"/>
+                <a:sym typeface="Poppins"/>
+              </a:rPr>
+              <a:t>Working</a:t>
+            </a:r>
+            <a:endParaRPr sz="1200">
+              <a:latin typeface="Poppins"/>
+              <a:ea typeface="Poppins"/>
+              <a:cs typeface="Poppins"/>
+              <a:sym typeface="Poppins"/>
+            </a:endParaRPr>
+          </a:p>
+        </p:txBody>
+      </p:sp>
+      <p:sp>
+        <p:nvSpPr>
+          <p:cNvPr id="103" name="Google Shape;103;g251ebc0e60a_0_111"/>
+          <p:cNvSpPr txBox="1"/>
+          <p:nvPr/>
+        </p:nvSpPr>
+        <p:spPr>
+          <a:xfrm>
+            <a:off x="5257538" y="674111"/>
+            <a:ext cx="1157400" cy="473400"/>
+          </a:xfrm>
+          <a:prstGeom prst="rect">
+            <a:avLst/>
+          </a:prstGeom>
+          <a:noFill/>
+          <a:ln>
+            <a:noFill/>
+          </a:ln>
+        </p:spPr>
+        <p:txBody>
+          <a:bodyPr anchorCtr="0" anchor="t" bIns="91425" lIns="91425" spcFirstLastPara="1" rIns="91425" wrap="square" tIns="91425">
+            <a:noAutofit/>
+          </a:bodyPr>
+          <a:lstStyle/>
+          <a:p>
+            <a:pPr indent="0" lvl="0" marL="0" rtl="0" algn="ctr">
+              <a:spcBef>
+                <a:spcPts val="0"/>
+              </a:spcBef>
+              <a:spcAft>
+                <a:spcPts val="0"/>
+              </a:spcAft>
+              <a:buNone/>
+            </a:pPr>
+            <a:r>
+              <a:rPr lang="pt-BR" sz="1200">
+                <a:latin typeface="Poppins"/>
+                <a:ea typeface="Poppins"/>
+                <a:cs typeface="Poppins"/>
+                <a:sym typeface="Poppins"/>
+              </a:rPr>
+              <a:t>Fails</a:t>
+            </a:r>
+            <a:endParaRPr sz="1200">
               <a:latin typeface="Poppins"/>
               <a:ea typeface="Poppins"/>
               <a:cs typeface="Poppins"/>
@@ -13714,7 +14567,7 @@
       </p:sp>
       <p:pic>
         <p:nvPicPr>
-          <p:cNvPr id="133" name="Google Shape;133;g251ebc0e60a_0_145"/>
+          <p:cNvPr id="104" name="Google Shape;104;g251ebc0e60a_0_111"/>
           <p:cNvPicPr preferRelativeResize="0"/>
           <p:nvPr/>
         </p:nvPicPr>
@@ -13728,8 +14581,8 @@
         </p:blipFill>
         <p:spPr>
           <a:xfrm>
-            <a:off x="-57150" y="725475"/>
-            <a:ext cx="6604824" cy="3692548"/>
+            <a:off x="152400" y="1573948"/>
+            <a:ext cx="6152007" cy="3309202"/>
           </a:xfrm>
           <a:prstGeom prst="rect">
             <a:avLst/>
@@ -13742,7 +14595,7 @@
       </p:pic>
       <p:pic>
         <p:nvPicPr>
-          <p:cNvPr id="134" name="Google Shape;134;g251ebc0e60a_0_145"/>
+          <p:cNvPr id="105" name="Google Shape;105;g251ebc0e60a_0_111"/>
           <p:cNvPicPr preferRelativeResize="0"/>
           <p:nvPr/>
         </p:nvPicPr>
@@ -13756,8 +14609,8 @@
         </p:blipFill>
         <p:spPr>
           <a:xfrm>
-            <a:off x="0" y="4558250"/>
-            <a:ext cx="1713941" cy="477300"/>
+            <a:off x="0" y="4713241"/>
+            <a:ext cx="1157400" cy="322309"/>
           </a:xfrm>
           <a:prstGeom prst="rect">
             <a:avLst/>
@@ -13776,12 +14629,12 @@
 </p:sld>
 </file>
 
-<file path=ppt/slides/slide7.xml><?xml version="1.0" encoding="utf-8"?>
+<file path=ppt/slides/slide4.xml><?xml version="1.0" encoding="utf-8"?>
 <p:sld xmlns:a="http://schemas.openxmlformats.org/drawingml/2006/main" xmlns:r="http://schemas.openxmlformats.org/officeDocument/2006/relationships" xmlns:mc="http://schemas.openxmlformats.org/markup-compatibility/2006" xmlns:mv="urn:schemas-microsoft-com:mac:vml" xmlns:p="http://schemas.openxmlformats.org/presentationml/2006/main" xmlns:c="http://schemas.openxmlformats.org/drawingml/2006/chart" xmlns:dgm="http://schemas.openxmlformats.org/drawingml/2006/diagram" xmlns:o="urn:schemas-microsoft-com:office:office" xmlns:v="urn:schemas-microsoft-com:vml" xmlns:pvml="urn:schemas-microsoft-com:office:powerpoint" xmlns:com="http://schemas.openxmlformats.org/drawingml/2006/compatibility" xmlns:p14="http://schemas.microsoft.com/office/powerpoint/2010/main" xmlns:p15="http://schemas.microsoft.com/office/powerpoint/2012/main" xmlns:ahyp="http://schemas.microsoft.com/office/drawing/2018/hyperlinkcolor">
   <p:cSld>
     <p:spTree>
       <p:nvGrpSpPr>
-        <p:cNvPr id="138" name="Shape 138"/>
+        <p:cNvPr id="109" name="Shape 109"/>
         <p:cNvGrpSpPr/>
         <p:nvPr/>
       </p:nvGrpSpPr>
@@ -13795,7 +14648,7 @@
       </p:grpSpPr>
       <p:pic>
         <p:nvPicPr>
-          <p:cNvPr id="139" name="Google Shape;139;g251ebc0e60a_0_157"/>
+          <p:cNvPr id="110" name="Google Shape;110;g252643da06a_0_37"/>
           <p:cNvPicPr preferRelativeResize="0"/>
           <p:nvPr/>
         </p:nvPicPr>
@@ -13822,7 +14675,7 @@
       </p:pic>
       <p:sp>
         <p:nvSpPr>
-          <p:cNvPr id="140" name="Google Shape;140;g251ebc0e60a_0_157"/>
+          <p:cNvPr id="111" name="Google Shape;111;g252643da06a_0_37"/>
           <p:cNvSpPr/>
           <p:nvPr/>
         </p:nvSpPr>
@@ -13898,7 +14751,7 @@
       </p:sp>
       <p:pic>
         <p:nvPicPr>
-          <p:cNvPr id="141" name="Google Shape;141;g251ebc0e60a_0_157"/>
+          <p:cNvPr id="112" name="Google Shape;112;g252643da06a_0_37"/>
           <p:cNvPicPr preferRelativeResize="0"/>
           <p:nvPr/>
         </p:nvPicPr>
@@ -13925,14 +14778,14 @@
       </p:pic>
       <p:sp>
         <p:nvSpPr>
-          <p:cNvPr id="142" name="Google Shape;142;g251ebc0e60a_0_157"/>
+          <p:cNvPr id="113" name="Google Shape;113;g252643da06a_0_37"/>
           <p:cNvSpPr txBox="1"/>
           <p:nvPr/>
         </p:nvSpPr>
         <p:spPr>
           <a:xfrm>
-            <a:off x="0" y="0"/>
-            <a:ext cx="6353100" cy="477300"/>
+            <a:off x="0" y="102150"/>
+            <a:ext cx="5901000" cy="405600"/>
           </a:xfrm>
           <a:prstGeom prst="rect">
             <a:avLst/>
@@ -13948,7 +14801,10 @@
           </a:bodyPr>
           <a:lstStyle/>
           <a:p>
-            <a:pPr indent="0" lvl="0" marL="0" rtl="0" algn="ctr">
+            <a:pPr indent="0" lvl="0" marL="0" marR="0" rtl="0" algn="l">
+              <a:lnSpc>
+                <a:spcPct val="85000"/>
+              </a:lnSpc>
               <a:spcBef>
                 <a:spcPts val="0"/>
               </a:spcBef>
@@ -13958,7 +14814,7 @@
               <a:buClr>
                 <a:schemeClr val="dk1"/>
               </a:buClr>
-              <a:buSzPts val="1500"/>
+              <a:buSzPts val="600"/>
               <a:buFont typeface="Arial"/>
               <a:buNone/>
             </a:pPr>
@@ -13967,20 +14823,83 @@
                 <a:solidFill>
                   <a:srgbClr val="001863"/>
                 </a:solidFill>
-                <a:highlight>
-                  <a:srgbClr val="FFFFFF"/>
-                </a:highlight>
                 <a:latin typeface="Poppins"/>
                 <a:ea typeface="Poppins"/>
                 <a:cs typeface="Poppins"/>
                 <a:sym typeface="Poppins"/>
               </a:rPr>
-              <a:t>Categorize equipment failures</a:t>
+              <a:t>Fails from</a:t>
             </a:r>
-            <a:endParaRPr b="1" sz="3100">
+            <a:r>
+              <a:rPr b="1" lang="pt-BR" sz="3100">
+                <a:solidFill>
+                  <a:srgbClr val="001863"/>
+                </a:solidFill>
+                <a:latin typeface="Poppins"/>
+                <a:ea typeface="Poppins"/>
+                <a:cs typeface="Poppins"/>
+                <a:sym typeface="Poppins"/>
+              </a:rPr>
+              <a:t> Preset</a:t>
+            </a:r>
+            <a:endParaRPr sz="3100">
               <a:solidFill>
-                <a:srgbClr val="001863"/>
+                <a:srgbClr val="061D74"/>
               </a:solidFill>
+              <a:latin typeface="Poppins Black"/>
+              <a:ea typeface="Poppins Black"/>
+              <a:cs typeface="Poppins Black"/>
+              <a:sym typeface="Poppins Black"/>
+            </a:endParaRPr>
+          </a:p>
+        </p:txBody>
+      </p:sp>
+      <p:sp>
+        <p:nvSpPr>
+          <p:cNvPr id="114" name="Google Shape;114;g252643da06a_0_37"/>
+          <p:cNvSpPr/>
+          <p:nvPr/>
+        </p:nvSpPr>
+        <p:spPr>
+          <a:xfrm>
+            <a:off x="87600" y="411500"/>
+            <a:ext cx="2699700" cy="405600"/>
+          </a:xfrm>
+          <a:prstGeom prst="roundRect">
+            <a:avLst>
+              <a:gd fmla="val 16667" name="adj"/>
+            </a:avLst>
+          </a:prstGeom>
+          <a:noFill/>
+          <a:ln>
+            <a:noFill/>
+          </a:ln>
+        </p:spPr>
+        <p:txBody>
+          <a:bodyPr anchorCtr="0" anchor="t" bIns="91425" lIns="91425" spcFirstLastPara="1" rIns="91425" wrap="square" tIns="91425">
+            <a:noAutofit/>
+          </a:bodyPr>
+          <a:lstStyle/>
+          <a:p>
+            <a:pPr indent="0" lvl="0" marL="0" rtl="0" algn="ctr">
+              <a:spcBef>
+                <a:spcPts val="0"/>
+              </a:spcBef>
+              <a:spcAft>
+                <a:spcPts val="0"/>
+              </a:spcAft>
+              <a:buNone/>
+            </a:pPr>
+            <a:r>
+              <a:rPr b="1" lang="pt-BR">
+                <a:latin typeface="Poppins"/>
+                <a:ea typeface="Poppins"/>
+                <a:cs typeface="Poppins"/>
+                <a:sym typeface="Poppins"/>
+              </a:rPr>
+              <a:t>Preset 1</a:t>
+            </a:r>
+            <a:endParaRPr b="1">
               <a:latin typeface="Poppins"/>
               <a:ea typeface="Poppins"/>
               <a:cs typeface="Poppins"/>
@@ -13991,7 +14910,7 @@
       </p:sp>
       <p:pic>
         <p:nvPicPr>
-          <p:cNvPr id="143" name="Google Shape;143;g251ebc0e60a_0_157"/>
+          <p:cNvPr id="115" name="Google Shape;115;g252643da06a_0_37"/>
           <p:cNvPicPr preferRelativeResize="0"/>
           <p:nvPr/>
         </p:nvPicPr>
@@ -14005,8 +14924,8 @@
         </p:blipFill>
         <p:spPr>
           <a:xfrm>
-            <a:off x="26550" y="794400"/>
-            <a:ext cx="6578275" cy="3711714"/>
+            <a:off x="0" y="4713241"/>
+            <a:ext cx="1157400" cy="322309"/>
           </a:xfrm>
           <a:prstGeom prst="rect">
             <a:avLst/>
@@ -14019,7 +14938,7 @@
       </p:pic>
       <p:pic>
         <p:nvPicPr>
-          <p:cNvPr id="144" name="Google Shape;144;g251ebc0e60a_0_157"/>
+          <p:cNvPr id="116" name="Google Shape;116;g252643da06a_0_37"/>
           <p:cNvPicPr preferRelativeResize="0"/>
           <p:nvPr/>
         </p:nvPicPr>
@@ -14033,8 +14952,8 @@
         </p:blipFill>
         <p:spPr>
           <a:xfrm>
-            <a:off x="0" y="4558250"/>
-            <a:ext cx="1713941" cy="477300"/>
+            <a:off x="221625" y="1573948"/>
+            <a:ext cx="6193335" cy="2986893"/>
           </a:xfrm>
           <a:prstGeom prst="rect">
             <a:avLst/>
@@ -14045,6 +14964,955 @@
           </a:ln>
         </p:spPr>
       </p:pic>
+      <p:graphicFrame>
+        <p:nvGraphicFramePr>
+          <p:cNvPr id="117" name="Google Shape;117;g252643da06a_0_37"/>
+          <p:cNvGraphicFramePr/>
+          <p:nvPr/>
+        </p:nvGraphicFramePr>
+        <p:xfrm>
+          <a:off x="87600" y="812050"/>
+          <a:ext cx="3000000" cy="3000000"/>
+        </p:xfrm>
+        <a:graphic>
+          <a:graphicData uri="http://schemas.openxmlformats.org/drawingml/2006/table">
+            <a:tbl>
+              <a:tblPr>
+                <a:noFill/>
+                <a:tableStyleId>{6A113EE5-A318-44F8-87F8-6EF2274AB372}</a:tableStyleId>
+              </a:tblPr>
+              <a:tblGrid>
+                <a:gridCol w="941025"/>
+                <a:gridCol w="382850"/>
+                <a:gridCol w="389450"/>
+                <a:gridCol w="495875"/>
+              </a:tblGrid>
+              <a:tr h="261700">
+                <a:tc>
+                  <a:txBody>
+                    <a:bodyPr/>
+                    <a:lstStyle/>
+                    <a:p>
+                      <a:pPr indent="0" lvl="0" marL="0" rtl="0" algn="l">
+                        <a:spcBef>
+                          <a:spcPts val="0"/>
+                        </a:spcBef>
+                        <a:spcAft>
+                          <a:spcPts val="0"/>
+                        </a:spcAft>
+                        <a:buNone/>
+                      </a:pPr>
+                      <a:r>
+                        <a:rPr b="1" lang="pt-BR" sz="800">
+                          <a:latin typeface="Poppins"/>
+                          <a:ea typeface="Poppins"/>
+                          <a:cs typeface="Poppins"/>
+                          <a:sym typeface="Poppins"/>
+                        </a:rPr>
+                        <a:t>Configuration</a:t>
+                      </a:r>
+                      <a:endParaRPr b="1" sz="800">
+                        <a:latin typeface="Poppins"/>
+                        <a:ea typeface="Poppins"/>
+                        <a:cs typeface="Poppins"/>
+                        <a:sym typeface="Poppins"/>
+                      </a:endParaRPr>
+                    </a:p>
+                  </a:txBody>
+                  <a:tcPr marT="91425" marB="91425" marR="91425" marL="91425"/>
+                </a:tc>
+                <a:tc>
+                  <a:txBody>
+                    <a:bodyPr/>
+                    <a:lstStyle/>
+                    <a:p>
+                      <a:pPr indent="0" lvl="0" marL="0" rtl="0" algn="ctr">
+                        <a:spcBef>
+                          <a:spcPts val="0"/>
+                        </a:spcBef>
+                        <a:spcAft>
+                          <a:spcPts val="0"/>
+                        </a:spcAft>
+                        <a:buNone/>
+                      </a:pPr>
+                      <a:r>
+                        <a:rPr b="1" lang="pt-BR" sz="800">
+                          <a:latin typeface="Poppins"/>
+                          <a:ea typeface="Poppins"/>
+                          <a:cs typeface="Poppins"/>
+                          <a:sym typeface="Poppins"/>
+                        </a:rPr>
+                        <a:t>1</a:t>
+                      </a:r>
+                      <a:endParaRPr b="1" sz="800">
+                        <a:latin typeface="Poppins"/>
+                        <a:ea typeface="Poppins"/>
+                        <a:cs typeface="Poppins"/>
+                        <a:sym typeface="Poppins"/>
+                      </a:endParaRPr>
+                    </a:p>
+                  </a:txBody>
+                  <a:tcPr marT="91425" marB="91425" marR="91425" marL="91425"/>
+                </a:tc>
+                <a:tc>
+                  <a:txBody>
+                    <a:bodyPr/>
+                    <a:lstStyle/>
+                    <a:p>
+                      <a:pPr indent="0" lvl="0" marL="0" rtl="0" algn="ctr">
+                        <a:spcBef>
+                          <a:spcPts val="0"/>
+                        </a:spcBef>
+                        <a:spcAft>
+                          <a:spcPts val="0"/>
+                        </a:spcAft>
+                        <a:buNone/>
+                      </a:pPr>
+                      <a:r>
+                        <a:rPr b="1" lang="pt-BR" sz="800">
+                          <a:latin typeface="Poppins"/>
+                          <a:ea typeface="Poppins"/>
+                          <a:cs typeface="Poppins"/>
+                          <a:sym typeface="Poppins"/>
+                        </a:rPr>
+                        <a:t>2</a:t>
+                      </a:r>
+                      <a:endParaRPr b="1" sz="800">
+                        <a:latin typeface="Poppins"/>
+                        <a:ea typeface="Poppins"/>
+                        <a:cs typeface="Poppins"/>
+                        <a:sym typeface="Poppins"/>
+                      </a:endParaRPr>
+                    </a:p>
+                  </a:txBody>
+                  <a:tcPr marT="91425" marB="91425" marR="91425" marL="91425"/>
+                </a:tc>
+                <a:tc>
+                  <a:txBody>
+                    <a:bodyPr/>
+                    <a:lstStyle/>
+                    <a:p>
+                      <a:pPr indent="0" lvl="0" marL="0" rtl="0" algn="ctr">
+                        <a:spcBef>
+                          <a:spcPts val="0"/>
+                        </a:spcBef>
+                        <a:spcAft>
+                          <a:spcPts val="0"/>
+                        </a:spcAft>
+                        <a:buNone/>
+                      </a:pPr>
+                      <a:r>
+                        <a:rPr b="1" lang="pt-BR" sz="800">
+                          <a:latin typeface="Poppins"/>
+                          <a:ea typeface="Poppins"/>
+                          <a:cs typeface="Poppins"/>
+                          <a:sym typeface="Poppins"/>
+                        </a:rPr>
+                        <a:t>3</a:t>
+                      </a:r>
+                      <a:endParaRPr b="1" sz="800">
+                        <a:latin typeface="Poppins"/>
+                        <a:ea typeface="Poppins"/>
+                        <a:cs typeface="Poppins"/>
+                        <a:sym typeface="Poppins"/>
+                      </a:endParaRPr>
+                    </a:p>
+                  </a:txBody>
+                  <a:tcPr marT="91425" marB="91425" marR="91425" marL="91425"/>
+                </a:tc>
+              </a:tr>
+              <a:tr h="261700">
+                <a:tc>
+                  <a:txBody>
+                    <a:bodyPr/>
+                    <a:lstStyle/>
+                    <a:p>
+                      <a:pPr indent="0" lvl="0" marL="0" rtl="0" algn="l">
+                        <a:spcBef>
+                          <a:spcPts val="0"/>
+                        </a:spcBef>
+                        <a:spcAft>
+                          <a:spcPts val="0"/>
+                        </a:spcAft>
+                        <a:buNone/>
+                      </a:pPr>
+                      <a:r>
+                        <a:rPr b="1" lang="pt-BR" sz="800">
+                          <a:latin typeface="Poppins"/>
+                          <a:ea typeface="Poppins"/>
+                          <a:cs typeface="Poppins"/>
+                          <a:sym typeface="Poppins"/>
+                        </a:rPr>
+                        <a:t>Amount</a:t>
+                      </a:r>
+                      <a:endParaRPr b="1" sz="800">
+                        <a:latin typeface="Poppins"/>
+                        <a:ea typeface="Poppins"/>
+                        <a:cs typeface="Poppins"/>
+                        <a:sym typeface="Poppins"/>
+                      </a:endParaRPr>
+                    </a:p>
+                  </a:txBody>
+                  <a:tcPr marT="91425" marB="91425" marR="91425" marL="91425"/>
+                </a:tc>
+                <a:tc>
+                  <a:txBody>
+                    <a:bodyPr/>
+                    <a:lstStyle/>
+                    <a:p>
+                      <a:pPr indent="0" lvl="0" marL="0" rtl="0" algn="ctr">
+                        <a:spcBef>
+                          <a:spcPts val="0"/>
+                        </a:spcBef>
+                        <a:spcAft>
+                          <a:spcPts val="0"/>
+                        </a:spcAft>
+                        <a:buNone/>
+                      </a:pPr>
+                      <a:r>
+                        <a:rPr lang="pt-BR" sz="800">
+                          <a:latin typeface="Poppins"/>
+                          <a:ea typeface="Poppins"/>
+                          <a:cs typeface="Poppins"/>
+                          <a:sym typeface="Poppins"/>
+                        </a:rPr>
+                        <a:t>27</a:t>
+                      </a:r>
+                      <a:endParaRPr sz="800">
+                        <a:latin typeface="Poppins"/>
+                        <a:ea typeface="Poppins"/>
+                        <a:cs typeface="Poppins"/>
+                        <a:sym typeface="Poppins"/>
+                      </a:endParaRPr>
+                    </a:p>
+                  </a:txBody>
+                  <a:tcPr marT="91425" marB="91425" marR="91425" marL="91425"/>
+                </a:tc>
+                <a:tc>
+                  <a:txBody>
+                    <a:bodyPr/>
+                    <a:lstStyle/>
+                    <a:p>
+                      <a:pPr indent="0" lvl="0" marL="0" rtl="0" algn="ctr">
+                        <a:spcBef>
+                          <a:spcPts val="0"/>
+                        </a:spcBef>
+                        <a:spcAft>
+                          <a:spcPts val="0"/>
+                        </a:spcAft>
+                        <a:buNone/>
+                      </a:pPr>
+                      <a:r>
+                        <a:rPr lang="pt-BR" sz="800">
+                          <a:latin typeface="Poppins"/>
+                          <a:ea typeface="Poppins"/>
+                          <a:cs typeface="Poppins"/>
+                          <a:sym typeface="Poppins"/>
+                        </a:rPr>
+                        <a:t>21</a:t>
+                      </a:r>
+                      <a:endParaRPr sz="800">
+                        <a:latin typeface="Poppins"/>
+                        <a:ea typeface="Poppins"/>
+                        <a:cs typeface="Poppins"/>
+                        <a:sym typeface="Poppins"/>
+                      </a:endParaRPr>
+                    </a:p>
+                  </a:txBody>
+                  <a:tcPr marT="91425" marB="91425" marR="91425" marL="91425"/>
+                </a:tc>
+                <a:tc>
+                  <a:txBody>
+                    <a:bodyPr/>
+                    <a:lstStyle/>
+                    <a:p>
+                      <a:pPr indent="0" lvl="0" marL="0" rtl="0" algn="ctr">
+                        <a:spcBef>
+                          <a:spcPts val="0"/>
+                        </a:spcBef>
+                        <a:spcAft>
+                          <a:spcPts val="0"/>
+                        </a:spcAft>
+                        <a:buNone/>
+                      </a:pPr>
+                      <a:r>
+                        <a:rPr lang="pt-BR" sz="800">
+                          <a:latin typeface="Poppins"/>
+                          <a:ea typeface="Poppins"/>
+                          <a:cs typeface="Poppins"/>
+                          <a:sym typeface="Poppins"/>
+                        </a:rPr>
+                        <a:t>18</a:t>
+                      </a:r>
+                      <a:endParaRPr sz="800">
+                        <a:latin typeface="Poppins"/>
+                        <a:ea typeface="Poppins"/>
+                        <a:cs typeface="Poppins"/>
+                        <a:sym typeface="Poppins"/>
+                      </a:endParaRPr>
+                    </a:p>
+                  </a:txBody>
+                  <a:tcPr marT="91425" marB="91425" marR="91425" marL="91425"/>
+                </a:tc>
+              </a:tr>
+            </a:tbl>
+          </a:graphicData>
+        </a:graphic>
+      </p:graphicFrame>
+      <p:sp>
+        <p:nvSpPr>
+          <p:cNvPr id="118" name="Google Shape;118;g252643da06a_0_37"/>
+          <p:cNvSpPr/>
+          <p:nvPr/>
+        </p:nvSpPr>
+        <p:spPr>
+          <a:xfrm>
+            <a:off x="2325763" y="411500"/>
+            <a:ext cx="4250100" cy="405600"/>
+          </a:xfrm>
+          <a:prstGeom prst="roundRect">
+            <a:avLst>
+              <a:gd fmla="val 16667" name="adj"/>
+            </a:avLst>
+          </a:prstGeom>
+          <a:noFill/>
+          <a:ln>
+            <a:noFill/>
+          </a:ln>
+        </p:spPr>
+        <p:txBody>
+          <a:bodyPr anchorCtr="0" anchor="t" bIns="91425" lIns="91425" spcFirstLastPara="1" rIns="91425" wrap="square" tIns="91425">
+            <a:noAutofit/>
+          </a:bodyPr>
+          <a:lstStyle/>
+          <a:p>
+            <a:pPr indent="0" lvl="0" marL="0" rtl="0" algn="ctr">
+              <a:spcBef>
+                <a:spcPts val="0"/>
+              </a:spcBef>
+              <a:spcAft>
+                <a:spcPts val="0"/>
+              </a:spcAft>
+              <a:buNone/>
+            </a:pPr>
+            <a:r>
+              <a:rPr b="1" lang="pt-BR">
+                <a:latin typeface="Poppins"/>
+                <a:ea typeface="Poppins"/>
+                <a:cs typeface="Poppins"/>
+                <a:sym typeface="Poppins"/>
+              </a:rPr>
+              <a:t>Preset 2</a:t>
+            </a:r>
+            <a:endParaRPr b="1">
+              <a:latin typeface="Poppins"/>
+              <a:ea typeface="Poppins"/>
+              <a:cs typeface="Poppins"/>
+              <a:sym typeface="Poppins"/>
+            </a:endParaRPr>
+          </a:p>
+        </p:txBody>
+      </p:sp>
+      <p:graphicFrame>
+        <p:nvGraphicFramePr>
+          <p:cNvPr id="119" name="Google Shape;119;g252643da06a_0_37"/>
+          <p:cNvGraphicFramePr/>
+          <p:nvPr/>
+        </p:nvGraphicFramePr>
+        <p:xfrm>
+          <a:off x="2325775" y="812038"/>
+          <a:ext cx="3000000" cy="3000000"/>
+        </p:xfrm>
+        <a:graphic>
+          <a:graphicData uri="http://schemas.openxmlformats.org/drawingml/2006/table">
+            <a:tbl>
+              <a:tblPr>
+                <a:noFill/>
+                <a:tableStyleId>{6A113EE5-A318-44F8-87F8-6EF2274AB372}</a:tableStyleId>
+              </a:tblPr>
+              <a:tblGrid>
+                <a:gridCol w="915525"/>
+                <a:gridCol w="396275"/>
+                <a:gridCol w="419750"/>
+                <a:gridCol w="456650"/>
+                <a:gridCol w="382850"/>
+                <a:gridCol w="419750"/>
+                <a:gridCol w="419750"/>
+                <a:gridCol w="419750"/>
+                <a:gridCol w="419750"/>
+              </a:tblGrid>
+              <a:tr h="261700">
+                <a:tc>
+                  <a:txBody>
+                    <a:bodyPr/>
+                    <a:lstStyle/>
+                    <a:p>
+                      <a:pPr indent="0" lvl="0" marL="0" rtl="0" algn="l">
+                        <a:spcBef>
+                          <a:spcPts val="0"/>
+                        </a:spcBef>
+                        <a:spcAft>
+                          <a:spcPts val="0"/>
+                        </a:spcAft>
+                        <a:buNone/>
+                      </a:pPr>
+                      <a:r>
+                        <a:rPr b="1" lang="pt-BR" sz="800">
+                          <a:latin typeface="Poppins"/>
+                          <a:ea typeface="Poppins"/>
+                          <a:cs typeface="Poppins"/>
+                          <a:sym typeface="Poppins"/>
+                        </a:rPr>
+                        <a:t>Configuration</a:t>
+                      </a:r>
+                      <a:endParaRPr b="1" sz="800">
+                        <a:latin typeface="Poppins"/>
+                        <a:ea typeface="Poppins"/>
+                        <a:cs typeface="Poppins"/>
+                        <a:sym typeface="Poppins"/>
+                      </a:endParaRPr>
+                    </a:p>
+                  </a:txBody>
+                  <a:tcPr marT="91425" marB="91425" marR="91425" marL="91425"/>
+                </a:tc>
+                <a:tc>
+                  <a:txBody>
+                    <a:bodyPr/>
+                    <a:lstStyle/>
+                    <a:p>
+                      <a:pPr indent="0" lvl="0" marL="0" rtl="0" algn="ctr">
+                        <a:spcBef>
+                          <a:spcPts val="0"/>
+                        </a:spcBef>
+                        <a:spcAft>
+                          <a:spcPts val="0"/>
+                        </a:spcAft>
+                        <a:buNone/>
+                      </a:pPr>
+                      <a:r>
+                        <a:rPr b="1" lang="pt-BR" sz="800">
+                          <a:latin typeface="Poppins"/>
+                          <a:ea typeface="Poppins"/>
+                          <a:cs typeface="Poppins"/>
+                          <a:sym typeface="Poppins"/>
+                        </a:rPr>
+                        <a:t>1</a:t>
+                      </a:r>
+                      <a:endParaRPr b="1" sz="800">
+                        <a:latin typeface="Poppins"/>
+                        <a:ea typeface="Poppins"/>
+                        <a:cs typeface="Poppins"/>
+                        <a:sym typeface="Poppins"/>
+                      </a:endParaRPr>
+                    </a:p>
+                  </a:txBody>
+                  <a:tcPr marT="91425" marB="91425" marR="91425" marL="91425"/>
+                </a:tc>
+                <a:tc>
+                  <a:txBody>
+                    <a:bodyPr/>
+                    <a:lstStyle/>
+                    <a:p>
+                      <a:pPr indent="0" lvl="0" marL="0" rtl="0" algn="ctr">
+                        <a:spcBef>
+                          <a:spcPts val="0"/>
+                        </a:spcBef>
+                        <a:spcAft>
+                          <a:spcPts val="0"/>
+                        </a:spcAft>
+                        <a:buNone/>
+                      </a:pPr>
+                      <a:r>
+                        <a:rPr b="1" lang="pt-BR" sz="800">
+                          <a:latin typeface="Poppins"/>
+                          <a:ea typeface="Poppins"/>
+                          <a:cs typeface="Poppins"/>
+                          <a:sym typeface="Poppins"/>
+                        </a:rPr>
+                        <a:t>2</a:t>
+                      </a:r>
+                      <a:endParaRPr b="1" sz="800">
+                        <a:latin typeface="Poppins"/>
+                        <a:ea typeface="Poppins"/>
+                        <a:cs typeface="Poppins"/>
+                        <a:sym typeface="Poppins"/>
+                      </a:endParaRPr>
+                    </a:p>
+                  </a:txBody>
+                  <a:tcPr marT="91425" marB="91425" marR="91425" marL="91425"/>
+                </a:tc>
+                <a:tc>
+                  <a:txBody>
+                    <a:bodyPr/>
+                    <a:lstStyle/>
+                    <a:p>
+                      <a:pPr indent="0" lvl="0" marL="0" rtl="0" algn="ctr">
+                        <a:spcBef>
+                          <a:spcPts val="0"/>
+                        </a:spcBef>
+                        <a:spcAft>
+                          <a:spcPts val="0"/>
+                        </a:spcAft>
+                        <a:buNone/>
+                      </a:pPr>
+                      <a:r>
+                        <a:rPr b="1" lang="pt-BR" sz="800">
+                          <a:latin typeface="Poppins"/>
+                          <a:ea typeface="Poppins"/>
+                          <a:cs typeface="Poppins"/>
+                          <a:sym typeface="Poppins"/>
+                        </a:rPr>
+                        <a:t>3</a:t>
+                      </a:r>
+                      <a:endParaRPr b="1" sz="800">
+                        <a:latin typeface="Poppins"/>
+                        <a:ea typeface="Poppins"/>
+                        <a:cs typeface="Poppins"/>
+                        <a:sym typeface="Poppins"/>
+                      </a:endParaRPr>
+                    </a:p>
+                  </a:txBody>
+                  <a:tcPr marT="91425" marB="91425" marR="91425" marL="91425"/>
+                </a:tc>
+                <a:tc>
+                  <a:txBody>
+                    <a:bodyPr/>
+                    <a:lstStyle/>
+                    <a:p>
+                      <a:pPr indent="0" lvl="0" marL="0" rtl="0" algn="ctr">
+                        <a:spcBef>
+                          <a:spcPts val="0"/>
+                        </a:spcBef>
+                        <a:spcAft>
+                          <a:spcPts val="0"/>
+                        </a:spcAft>
+                        <a:buNone/>
+                      </a:pPr>
+                      <a:r>
+                        <a:rPr b="1" lang="pt-BR" sz="800">
+                          <a:latin typeface="Poppins"/>
+                          <a:ea typeface="Poppins"/>
+                          <a:cs typeface="Poppins"/>
+                          <a:sym typeface="Poppins"/>
+                        </a:rPr>
+                        <a:t>4</a:t>
+                      </a:r>
+                      <a:endParaRPr b="1" sz="800">
+                        <a:latin typeface="Poppins"/>
+                        <a:ea typeface="Poppins"/>
+                        <a:cs typeface="Poppins"/>
+                        <a:sym typeface="Poppins"/>
+                      </a:endParaRPr>
+                    </a:p>
+                  </a:txBody>
+                  <a:tcPr marT="91425" marB="91425" marR="91425" marL="91425"/>
+                </a:tc>
+                <a:tc>
+                  <a:txBody>
+                    <a:bodyPr/>
+                    <a:lstStyle/>
+                    <a:p>
+                      <a:pPr indent="0" lvl="0" marL="0" rtl="0" algn="ctr">
+                        <a:spcBef>
+                          <a:spcPts val="0"/>
+                        </a:spcBef>
+                        <a:spcAft>
+                          <a:spcPts val="0"/>
+                        </a:spcAft>
+                        <a:buNone/>
+                      </a:pPr>
+                      <a:r>
+                        <a:rPr b="1" lang="pt-BR" sz="800">
+                          <a:latin typeface="Poppins"/>
+                          <a:ea typeface="Poppins"/>
+                          <a:cs typeface="Poppins"/>
+                          <a:sym typeface="Poppins"/>
+                        </a:rPr>
+                        <a:t>5</a:t>
+                      </a:r>
+                      <a:endParaRPr b="1" sz="800">
+                        <a:latin typeface="Poppins"/>
+                        <a:ea typeface="Poppins"/>
+                        <a:cs typeface="Poppins"/>
+                        <a:sym typeface="Poppins"/>
+                      </a:endParaRPr>
+                    </a:p>
+                  </a:txBody>
+                  <a:tcPr marT="91425" marB="91425" marR="91425" marL="91425"/>
+                </a:tc>
+                <a:tc>
+                  <a:txBody>
+                    <a:bodyPr/>
+                    <a:lstStyle/>
+                    <a:p>
+                      <a:pPr indent="0" lvl="0" marL="0" rtl="0" algn="ctr">
+                        <a:spcBef>
+                          <a:spcPts val="0"/>
+                        </a:spcBef>
+                        <a:spcAft>
+                          <a:spcPts val="0"/>
+                        </a:spcAft>
+                        <a:buNone/>
+                      </a:pPr>
+                      <a:r>
+                        <a:rPr b="1" lang="pt-BR" sz="800">
+                          <a:latin typeface="Poppins"/>
+                          <a:ea typeface="Poppins"/>
+                          <a:cs typeface="Poppins"/>
+                          <a:sym typeface="Poppins"/>
+                        </a:rPr>
+                        <a:t>6</a:t>
+                      </a:r>
+                      <a:endParaRPr b="1" sz="800">
+                        <a:latin typeface="Poppins"/>
+                        <a:ea typeface="Poppins"/>
+                        <a:cs typeface="Poppins"/>
+                        <a:sym typeface="Poppins"/>
+                      </a:endParaRPr>
+                    </a:p>
+                  </a:txBody>
+                  <a:tcPr marT="91425" marB="91425" marR="91425" marL="91425"/>
+                </a:tc>
+                <a:tc>
+                  <a:txBody>
+                    <a:bodyPr/>
+                    <a:lstStyle/>
+                    <a:p>
+                      <a:pPr indent="0" lvl="0" marL="0" rtl="0" algn="ctr">
+                        <a:spcBef>
+                          <a:spcPts val="0"/>
+                        </a:spcBef>
+                        <a:spcAft>
+                          <a:spcPts val="0"/>
+                        </a:spcAft>
+                        <a:buNone/>
+                      </a:pPr>
+                      <a:r>
+                        <a:rPr b="1" lang="pt-BR" sz="800">
+                          <a:latin typeface="Poppins"/>
+                          <a:ea typeface="Poppins"/>
+                          <a:cs typeface="Poppins"/>
+                          <a:sym typeface="Poppins"/>
+                        </a:rPr>
+                        <a:t>7</a:t>
+                      </a:r>
+                      <a:endParaRPr b="1" sz="800">
+                        <a:latin typeface="Poppins"/>
+                        <a:ea typeface="Poppins"/>
+                        <a:cs typeface="Poppins"/>
+                        <a:sym typeface="Poppins"/>
+                      </a:endParaRPr>
+                    </a:p>
+                  </a:txBody>
+                  <a:tcPr marT="91425" marB="91425" marR="91425" marL="91425"/>
+                </a:tc>
+                <a:tc>
+                  <a:txBody>
+                    <a:bodyPr/>
+                    <a:lstStyle/>
+                    <a:p>
+                      <a:pPr indent="0" lvl="0" marL="0" rtl="0" algn="ctr">
+                        <a:spcBef>
+                          <a:spcPts val="0"/>
+                        </a:spcBef>
+                        <a:spcAft>
+                          <a:spcPts val="0"/>
+                        </a:spcAft>
+                        <a:buNone/>
+                      </a:pPr>
+                      <a:r>
+                        <a:rPr b="1" lang="pt-BR" sz="800">
+                          <a:latin typeface="Poppins"/>
+                          <a:ea typeface="Poppins"/>
+                          <a:cs typeface="Poppins"/>
+                          <a:sym typeface="Poppins"/>
+                        </a:rPr>
+                        <a:t>8</a:t>
+                      </a:r>
+                      <a:endParaRPr b="1" sz="800">
+                        <a:latin typeface="Poppins"/>
+                        <a:ea typeface="Poppins"/>
+                        <a:cs typeface="Poppins"/>
+                        <a:sym typeface="Poppins"/>
+                      </a:endParaRPr>
+                    </a:p>
+                  </a:txBody>
+                  <a:tcPr marT="91425" marB="91425" marR="91425" marL="91425"/>
+                </a:tc>
+              </a:tr>
+              <a:tr h="261700">
+                <a:tc>
+                  <a:txBody>
+                    <a:bodyPr/>
+                    <a:lstStyle/>
+                    <a:p>
+                      <a:pPr indent="0" lvl="0" marL="0" rtl="0" algn="l">
+                        <a:spcBef>
+                          <a:spcPts val="0"/>
+                        </a:spcBef>
+                        <a:spcAft>
+                          <a:spcPts val="0"/>
+                        </a:spcAft>
+                        <a:buNone/>
+                      </a:pPr>
+                      <a:r>
+                        <a:rPr b="1" lang="pt-BR" sz="800">
+                          <a:latin typeface="Poppins"/>
+                          <a:ea typeface="Poppins"/>
+                          <a:cs typeface="Poppins"/>
+                          <a:sym typeface="Poppins"/>
+                        </a:rPr>
+                        <a:t>Amount</a:t>
+                      </a:r>
+                      <a:endParaRPr b="1" sz="800">
+                        <a:latin typeface="Poppins"/>
+                        <a:ea typeface="Poppins"/>
+                        <a:cs typeface="Poppins"/>
+                        <a:sym typeface="Poppins"/>
+                      </a:endParaRPr>
+                    </a:p>
+                  </a:txBody>
+                  <a:tcPr marT="91425" marB="91425" marR="91425" marL="91425"/>
+                </a:tc>
+                <a:tc>
+                  <a:txBody>
+                    <a:bodyPr/>
+                    <a:lstStyle/>
+                    <a:p>
+                      <a:pPr indent="0" lvl="0" marL="0" rtl="0" algn="ctr">
+                        <a:spcBef>
+                          <a:spcPts val="0"/>
+                        </a:spcBef>
+                        <a:spcAft>
+                          <a:spcPts val="0"/>
+                        </a:spcAft>
+                        <a:buNone/>
+                      </a:pPr>
+                      <a:r>
+                        <a:rPr lang="pt-BR" sz="800"/>
+                        <a:t>11</a:t>
+                      </a:r>
+                      <a:endParaRPr sz="800"/>
+                    </a:p>
+                  </a:txBody>
+                  <a:tcPr marT="91425" marB="91425" marR="91425" marL="91425"/>
+                </a:tc>
+                <a:tc>
+                  <a:txBody>
+                    <a:bodyPr/>
+                    <a:lstStyle/>
+                    <a:p>
+                      <a:pPr indent="0" lvl="0" marL="0" rtl="0" algn="ctr">
+                        <a:spcBef>
+                          <a:spcPts val="0"/>
+                        </a:spcBef>
+                        <a:spcAft>
+                          <a:spcPts val="0"/>
+                        </a:spcAft>
+                        <a:buNone/>
+                      </a:pPr>
+                      <a:r>
+                        <a:rPr lang="pt-BR" sz="800"/>
+                        <a:t>9</a:t>
+                      </a:r>
+                      <a:endParaRPr sz="800"/>
+                    </a:p>
+                  </a:txBody>
+                  <a:tcPr marT="91425" marB="91425" marR="91425" marL="91425"/>
+                </a:tc>
+                <a:tc>
+                  <a:txBody>
+                    <a:bodyPr/>
+                    <a:lstStyle/>
+                    <a:p>
+                      <a:pPr indent="0" lvl="0" marL="0" rtl="0" algn="ctr">
+                        <a:spcBef>
+                          <a:spcPts val="0"/>
+                        </a:spcBef>
+                        <a:spcAft>
+                          <a:spcPts val="0"/>
+                        </a:spcAft>
+                        <a:buNone/>
+                      </a:pPr>
+                      <a:r>
+                        <a:rPr lang="pt-BR" sz="800"/>
+                        <a:t>6</a:t>
+                      </a:r>
+                      <a:endParaRPr sz="800"/>
+                    </a:p>
+                  </a:txBody>
+                  <a:tcPr marT="91425" marB="91425" marR="91425" marL="91425"/>
+                </a:tc>
+                <a:tc>
+                  <a:txBody>
+                    <a:bodyPr/>
+                    <a:lstStyle/>
+                    <a:p>
+                      <a:pPr indent="0" lvl="0" marL="0" rtl="0" algn="ctr">
+                        <a:spcBef>
+                          <a:spcPts val="0"/>
+                        </a:spcBef>
+                        <a:spcAft>
+                          <a:spcPts val="0"/>
+                        </a:spcAft>
+                        <a:buNone/>
+                      </a:pPr>
+                      <a:r>
+                        <a:rPr lang="pt-BR" sz="800">
+                          <a:latin typeface="Poppins"/>
+                          <a:ea typeface="Poppins"/>
+                          <a:cs typeface="Poppins"/>
+                          <a:sym typeface="Poppins"/>
+                        </a:rPr>
+                        <a:t>3</a:t>
+                      </a:r>
+                      <a:endParaRPr sz="800">
+                        <a:latin typeface="Poppins"/>
+                        <a:ea typeface="Poppins"/>
+                        <a:cs typeface="Poppins"/>
+                        <a:sym typeface="Poppins"/>
+                      </a:endParaRPr>
+                    </a:p>
+                  </a:txBody>
+                  <a:tcPr marT="91425" marB="91425" marR="91425" marL="91425"/>
+                </a:tc>
+                <a:tc>
+                  <a:txBody>
+                    <a:bodyPr/>
+                    <a:lstStyle/>
+                    <a:p>
+                      <a:pPr indent="0" lvl="0" marL="0" rtl="0" algn="ctr">
+                        <a:spcBef>
+                          <a:spcPts val="0"/>
+                        </a:spcBef>
+                        <a:spcAft>
+                          <a:spcPts val="0"/>
+                        </a:spcAft>
+                        <a:buNone/>
+                      </a:pPr>
+                      <a:r>
+                        <a:rPr lang="pt-BR" sz="800">
+                          <a:latin typeface="Poppins"/>
+                          <a:ea typeface="Poppins"/>
+                          <a:cs typeface="Poppins"/>
+                          <a:sym typeface="Poppins"/>
+                        </a:rPr>
+                        <a:t>12</a:t>
+                      </a:r>
+                      <a:endParaRPr sz="800">
+                        <a:latin typeface="Poppins"/>
+                        <a:ea typeface="Poppins"/>
+                        <a:cs typeface="Poppins"/>
+                        <a:sym typeface="Poppins"/>
+                      </a:endParaRPr>
+                    </a:p>
+                  </a:txBody>
+                  <a:tcPr marT="91425" marB="91425" marR="91425" marL="91425"/>
+                </a:tc>
+                <a:tc>
+                  <a:txBody>
+                    <a:bodyPr/>
+                    <a:lstStyle/>
+                    <a:p>
+                      <a:pPr indent="0" lvl="0" marL="0" rtl="0" algn="ctr">
+                        <a:spcBef>
+                          <a:spcPts val="0"/>
+                        </a:spcBef>
+                        <a:spcAft>
+                          <a:spcPts val="0"/>
+                        </a:spcAft>
+                        <a:buNone/>
+                      </a:pPr>
+                      <a:r>
+                        <a:rPr lang="pt-BR" sz="800">
+                          <a:latin typeface="Poppins"/>
+                          <a:ea typeface="Poppins"/>
+                          <a:cs typeface="Poppins"/>
+                          <a:sym typeface="Poppins"/>
+                        </a:rPr>
+                        <a:t>9</a:t>
+                      </a:r>
+                      <a:endParaRPr sz="800">
+                        <a:latin typeface="Poppins"/>
+                        <a:ea typeface="Poppins"/>
+                        <a:cs typeface="Poppins"/>
+                        <a:sym typeface="Poppins"/>
+                      </a:endParaRPr>
+                    </a:p>
+                  </a:txBody>
+                  <a:tcPr marT="91425" marB="91425" marR="91425" marL="91425"/>
+                </a:tc>
+                <a:tc>
+                  <a:txBody>
+                    <a:bodyPr/>
+                    <a:lstStyle/>
+                    <a:p>
+                      <a:pPr indent="0" lvl="0" marL="0" rtl="0" algn="ctr">
+                        <a:spcBef>
+                          <a:spcPts val="0"/>
+                        </a:spcBef>
+                        <a:spcAft>
+                          <a:spcPts val="0"/>
+                        </a:spcAft>
+                        <a:buNone/>
+                      </a:pPr>
+                      <a:r>
+                        <a:rPr lang="pt-BR" sz="800">
+                          <a:latin typeface="Poppins"/>
+                          <a:ea typeface="Poppins"/>
+                          <a:cs typeface="Poppins"/>
+                          <a:sym typeface="Poppins"/>
+                        </a:rPr>
+                        <a:t>9</a:t>
+                      </a:r>
+                      <a:endParaRPr sz="800">
+                        <a:latin typeface="Poppins"/>
+                        <a:ea typeface="Poppins"/>
+                        <a:cs typeface="Poppins"/>
+                        <a:sym typeface="Poppins"/>
+                      </a:endParaRPr>
+                    </a:p>
+                  </a:txBody>
+                  <a:tcPr marT="91425" marB="91425" marR="91425" marL="91425"/>
+                </a:tc>
+                <a:tc>
+                  <a:txBody>
+                    <a:bodyPr/>
+                    <a:lstStyle/>
+                    <a:p>
+                      <a:pPr indent="0" lvl="0" marL="0" rtl="0" algn="ctr">
+                        <a:spcBef>
+                          <a:spcPts val="0"/>
+                        </a:spcBef>
+                        <a:spcAft>
+                          <a:spcPts val="0"/>
+                        </a:spcAft>
+                        <a:buNone/>
+                      </a:pPr>
+                      <a:r>
+                        <a:rPr lang="pt-BR" sz="800">
+                          <a:latin typeface="Poppins"/>
+                          <a:ea typeface="Poppins"/>
+                          <a:cs typeface="Poppins"/>
+                          <a:sym typeface="Poppins"/>
+                        </a:rPr>
+                        <a:t>7</a:t>
+                      </a:r>
+                      <a:endParaRPr sz="800">
+                        <a:latin typeface="Poppins"/>
+                        <a:ea typeface="Poppins"/>
+                        <a:cs typeface="Poppins"/>
+                        <a:sym typeface="Poppins"/>
+                      </a:endParaRPr>
+                    </a:p>
+                  </a:txBody>
+                  <a:tcPr marT="91425" marB="91425" marR="91425" marL="91425"/>
+                </a:tc>
+              </a:tr>
+            </a:tbl>
+          </a:graphicData>
+        </a:graphic>
+      </p:graphicFrame>
     </p:spTree>
   </p:cSld>
   <p:clrMapOvr>
@@ -14053,12 +15921,12 @@
 </p:sld>
 </file>
 
-<file path=ppt/slides/slide8.xml><?xml version="1.0" encoding="utf-8"?>
+<file path=ppt/slides/slide5.xml><?xml version="1.0" encoding="utf-8"?>
 <p:sld xmlns:a="http://schemas.openxmlformats.org/drawingml/2006/main" xmlns:r="http://schemas.openxmlformats.org/officeDocument/2006/relationships" xmlns:mc="http://schemas.openxmlformats.org/markup-compatibility/2006" xmlns:mv="urn:schemas-microsoft-com:mac:vml" xmlns:p="http://schemas.openxmlformats.org/presentationml/2006/main" xmlns:c="http://schemas.openxmlformats.org/drawingml/2006/chart" xmlns:dgm="http://schemas.openxmlformats.org/drawingml/2006/diagram" xmlns:o="urn:schemas-microsoft-com:office:office" xmlns:v="urn:schemas-microsoft-com:vml" xmlns:pvml="urn:schemas-microsoft-com:office:powerpoint" xmlns:com="http://schemas.openxmlformats.org/drawingml/2006/compatibility" xmlns:p14="http://schemas.microsoft.com/office/powerpoint/2010/main" xmlns:p15="http://schemas.microsoft.com/office/powerpoint/2012/main" xmlns:ahyp="http://schemas.microsoft.com/office/drawing/2018/hyperlinkcolor">
   <p:cSld>
     <p:spTree>
       <p:nvGrpSpPr>
-        <p:cNvPr id="148" name="Shape 148"/>
+        <p:cNvPr id="123" name="Shape 123"/>
         <p:cNvGrpSpPr/>
         <p:nvPr/>
       </p:nvGrpSpPr>
@@ -14072,7 +15940,7 @@
       </p:grpSpPr>
       <p:pic>
         <p:nvPicPr>
-          <p:cNvPr id="149" name="Google Shape;149;g251ebc0e60a_0_169"/>
+          <p:cNvPr id="124" name="Google Shape;124;g251ebc0e60a_0_31"/>
           <p:cNvPicPr preferRelativeResize="0"/>
           <p:nvPr/>
         </p:nvPicPr>
@@ -14099,7 +15967,7 @@
       </p:pic>
       <p:sp>
         <p:nvSpPr>
-          <p:cNvPr id="150" name="Google Shape;150;g251ebc0e60a_0_169"/>
+          <p:cNvPr id="125" name="Google Shape;125;g251ebc0e60a_0_31"/>
           <p:cNvSpPr/>
           <p:nvPr/>
         </p:nvSpPr>
@@ -14175,7 +16043,7 @@
       </p:sp>
       <p:pic>
         <p:nvPicPr>
-          <p:cNvPr id="151" name="Google Shape;151;g251ebc0e60a_0_169"/>
+          <p:cNvPr id="126" name="Google Shape;126;g251ebc0e60a_0_31"/>
           <p:cNvPicPr preferRelativeResize="0"/>
           <p:nvPr/>
         </p:nvPicPr>
@@ -14202,7 +16070,7 @@
       </p:pic>
       <p:sp>
         <p:nvSpPr>
-          <p:cNvPr id="152" name="Google Shape;152;g251ebc0e60a_0_169"/>
+          <p:cNvPr id="127" name="Google Shape;127;g251ebc0e60a_0_31"/>
           <p:cNvSpPr txBox="1"/>
           <p:nvPr/>
         </p:nvSpPr>
@@ -14268,7 +16136,7 @@
       </p:sp>
       <p:pic>
         <p:nvPicPr>
-          <p:cNvPr id="153" name="Google Shape;153;g251ebc0e60a_0_169"/>
+          <p:cNvPr id="128" name="Google Shape;128;g251ebc0e60a_0_31"/>
           <p:cNvPicPr preferRelativeResize="0"/>
           <p:nvPr/>
         </p:nvPicPr>
@@ -14282,8 +16150,8 @@
         </p:blipFill>
         <p:spPr>
           <a:xfrm>
-            <a:off x="26550" y="795725"/>
-            <a:ext cx="6578275" cy="3708921"/>
+            <a:off x="26550" y="849250"/>
+            <a:ext cx="6578274" cy="3597169"/>
           </a:xfrm>
           <a:prstGeom prst="rect">
             <a:avLst/>
@@ -14296,7 +16164,7 @@
       </p:pic>
       <p:pic>
         <p:nvPicPr>
-          <p:cNvPr id="154" name="Google Shape;154;g251ebc0e60a_0_169"/>
+          <p:cNvPr id="129" name="Google Shape;129;g251ebc0e60a_0_31"/>
           <p:cNvPicPr preferRelativeResize="0"/>
           <p:nvPr/>
         </p:nvPicPr>
@@ -14322,6 +16190,58 @@
           </a:ln>
         </p:spPr>
       </p:pic>
+      <p:sp>
+        <p:nvSpPr>
+          <p:cNvPr id="130" name="Google Shape;130;g251ebc0e60a_0_31"/>
+          <p:cNvSpPr/>
+          <p:nvPr/>
+        </p:nvSpPr>
+        <p:spPr>
+          <a:xfrm>
+            <a:off x="2127000" y="1028450"/>
+            <a:ext cx="325800" cy="237900"/>
+          </a:xfrm>
+          <a:prstGeom prst="rightArrow">
+            <a:avLst>
+              <a:gd fmla="val 50000" name="adj1"/>
+              <a:gd fmla="val 50000" name="adj2"/>
+            </a:avLst>
+          </a:prstGeom>
+          <a:solidFill>
+            <a:srgbClr val="F5009C"/>
+          </a:solidFill>
+          <a:ln cap="flat" cmpd="sng" w="28575">
+            <a:solidFill>
+              <a:schemeClr val="dk2"/>
+            </a:solidFill>
+            <a:prstDash val="solid"/>
+            <a:round/>
+            <a:headEnd len="sm" w="sm" type="none"/>
+            <a:tailEnd len="sm" w="sm" type="none"/>
+          </a:ln>
+        </p:spPr>
+        <p:txBody>
+          <a:bodyPr anchorCtr="0" anchor="ctr" bIns="91425" lIns="91425" spcFirstLastPara="1" rIns="91425" wrap="square" tIns="91425">
+            <a:noAutofit/>
+          </a:bodyPr>
+          <a:lstStyle/>
+          <a:p>
+            <a:pPr indent="0" lvl="0" marL="0" rtl="0" algn="l">
+              <a:spcBef>
+                <a:spcPts val="0"/>
+              </a:spcBef>
+              <a:spcAft>
+                <a:spcPts val="0"/>
+              </a:spcAft>
+              <a:buNone/>
+            </a:pPr>
+            <a:r>
+              <a:t/>
+            </a:r>
+            <a:endParaRPr/>
+          </a:p>
+        </p:txBody>
+      </p:sp>
     </p:spTree>
   </p:cSld>
   <p:clrMapOvr>
@@ -14330,12 +16250,12 @@
 </p:sld>
 </file>
 
-<file path=ppt/slides/slide9.xml><?xml version="1.0" encoding="utf-8"?>
+<file path=ppt/slides/slide6.xml><?xml version="1.0" encoding="utf-8"?>
 <p:sld xmlns:a="http://schemas.openxmlformats.org/drawingml/2006/main" xmlns:r="http://schemas.openxmlformats.org/officeDocument/2006/relationships" xmlns:mc="http://schemas.openxmlformats.org/markup-compatibility/2006" xmlns:mv="urn:schemas-microsoft-com:mac:vml" xmlns:p="http://schemas.openxmlformats.org/presentationml/2006/main" xmlns:c="http://schemas.openxmlformats.org/drawingml/2006/chart" xmlns:dgm="http://schemas.openxmlformats.org/drawingml/2006/diagram" xmlns:o="urn:schemas-microsoft-com:office:office" xmlns:v="urn:schemas-microsoft-com:vml" xmlns:pvml="urn:schemas-microsoft-com:office:powerpoint" xmlns:com="http://schemas.openxmlformats.org/drawingml/2006/compatibility" xmlns:p14="http://schemas.microsoft.com/office/powerpoint/2010/main" xmlns:p15="http://schemas.microsoft.com/office/powerpoint/2012/main" xmlns:ahyp="http://schemas.microsoft.com/office/drawing/2018/hyperlinkcolor">
   <p:cSld>
     <p:spTree>
       <p:nvGrpSpPr>
-        <p:cNvPr id="158" name="Shape 158"/>
+        <p:cNvPr id="134" name="Shape 134"/>
         <p:cNvGrpSpPr/>
         <p:nvPr/>
       </p:nvGrpSpPr>
@@ -14349,7 +16269,7 @@
       </p:grpSpPr>
       <p:pic>
         <p:nvPicPr>
-          <p:cNvPr id="159" name="Google Shape;159;g251ebc0e60a_1_44"/>
+          <p:cNvPr id="135" name="Google Shape;135;g251ebc0e60a_0_133"/>
           <p:cNvPicPr preferRelativeResize="0"/>
           <p:nvPr/>
         </p:nvPicPr>
@@ -14376,7 +16296,7 @@
       </p:pic>
       <p:sp>
         <p:nvSpPr>
-          <p:cNvPr id="160" name="Google Shape;160;g251ebc0e60a_1_44"/>
+          <p:cNvPr id="136" name="Google Shape;136;g251ebc0e60a_0_133"/>
           <p:cNvSpPr/>
           <p:nvPr/>
         </p:nvSpPr>
@@ -14452,7 +16372,7 @@
       </p:sp>
       <p:pic>
         <p:nvPicPr>
-          <p:cNvPr id="161" name="Google Shape;161;g251ebc0e60a_1_44"/>
+          <p:cNvPr id="137" name="Google Shape;137;g251ebc0e60a_0_133"/>
           <p:cNvPicPr preferRelativeResize="0"/>
           <p:nvPr/>
         </p:nvPicPr>
@@ -14479,14 +16399,14 @@
       </p:pic>
       <p:sp>
         <p:nvSpPr>
-          <p:cNvPr id="162" name="Google Shape;162;g251ebc0e60a_1_44"/>
+          <p:cNvPr id="138" name="Google Shape;138;g251ebc0e60a_0_133"/>
           <p:cNvSpPr txBox="1"/>
           <p:nvPr/>
         </p:nvSpPr>
         <p:spPr>
           <a:xfrm>
             <a:off x="0" y="0"/>
-            <a:ext cx="6353100" cy="954300"/>
+            <a:ext cx="6353100" cy="477300"/>
           </a:xfrm>
           <a:prstGeom prst="rect">
             <a:avLst/>
@@ -14502,7 +16422,7 @@
           </a:bodyPr>
           <a:lstStyle/>
           <a:p>
-            <a:pPr indent="0" lvl="0" marL="0" rtl="0" algn="l">
+            <a:pPr indent="0" lvl="0" marL="0" rtl="0" algn="ctr">
               <a:spcBef>
                 <a:spcPts val="0"/>
               </a:spcBef>
@@ -14529,66 +16449,7 @@
                 <a:cs typeface="Poppins"/>
                 <a:sym typeface="Poppins"/>
               </a:rPr>
-              <a:t>Random Forest</a:t>
-            </a:r>
-            <a:r>
-              <a:rPr b="1" lang="pt-BR" sz="3100">
-                <a:solidFill>
-                  <a:srgbClr val="001863"/>
-                </a:solidFill>
-                <a:highlight>
-                  <a:srgbClr val="FFFFFF"/>
-                </a:highlight>
-                <a:latin typeface="Poppins"/>
-                <a:ea typeface="Poppins"/>
-                <a:cs typeface="Poppins"/>
-                <a:sym typeface="Poppins"/>
-              </a:rPr>
-              <a:t>: </a:t>
-            </a:r>
-            <a:br>
-              <a:rPr b="1" lang="pt-BR" sz="3100">
-                <a:solidFill>
-                  <a:srgbClr val="001863"/>
-                </a:solidFill>
-                <a:highlight>
-                  <a:srgbClr val="FFFFFF"/>
-                </a:highlight>
-                <a:latin typeface="Poppins"/>
-                <a:ea typeface="Poppins"/>
-                <a:cs typeface="Poppins"/>
-                <a:sym typeface="Poppins"/>
-              </a:rPr>
-            </a:br>
-            <a:r>
-              <a:rPr b="1" lang="pt-BR" sz="3100">
-                <a:solidFill>
-                  <a:srgbClr val="001863"/>
-                </a:solidFill>
-                <a:highlight>
-                  <a:srgbClr val="FFFFFF"/>
-                </a:highlight>
-                <a:latin typeface="Poppins"/>
-                <a:ea typeface="Poppins"/>
-                <a:cs typeface="Poppins"/>
-                <a:sym typeface="Poppins"/>
-              </a:rPr>
-              <a:t>Model </a:t>
-            </a:r>
-            <a:r>
-              <a:rPr b="1" lang="pt-BR" sz="3100">
-                <a:solidFill>
-                  <a:srgbClr val="001863"/>
-                </a:solidFill>
-                <a:highlight>
-                  <a:srgbClr val="FFFFFF"/>
-                </a:highlight>
-                <a:latin typeface="Poppins"/>
-                <a:ea typeface="Poppins"/>
-                <a:cs typeface="Poppins"/>
-                <a:sym typeface="Poppins"/>
-              </a:rPr>
-              <a:t>Performance</a:t>
+              <a:t>Categorize equipment failures</a:t>
             </a:r>
             <a:endParaRPr b="1" sz="3100">
               <a:solidFill>
@@ -14604,12 +16465,40 @@
       </p:sp>
       <p:pic>
         <p:nvPicPr>
-          <p:cNvPr id="163" name="Google Shape;163;g251ebc0e60a_1_44"/>
+          <p:cNvPr id="139" name="Google Shape;139;g251ebc0e60a_0_133"/>
           <p:cNvPicPr preferRelativeResize="0"/>
           <p:nvPr/>
         </p:nvPicPr>
         <p:blipFill>
           <a:blip r:embed="rId5">
+            <a:alphaModFix/>
+          </a:blip>
+          <a:stretch>
+            <a:fillRect/>
+          </a:stretch>
+        </p:blipFill>
+        <p:spPr>
+          <a:xfrm>
+            <a:off x="26550" y="799151"/>
+            <a:ext cx="6578275" cy="3701820"/>
+          </a:xfrm>
+          <a:prstGeom prst="rect">
+            <a:avLst/>
+          </a:prstGeom>
+          <a:noFill/>
+          <a:ln>
+            <a:noFill/>
+          </a:ln>
+        </p:spPr>
+      </p:pic>
+      <p:pic>
+        <p:nvPicPr>
+          <p:cNvPr id="140" name="Google Shape;140;g251ebc0e60a_0_133"/>
+          <p:cNvPicPr preferRelativeResize="0"/>
+          <p:nvPr/>
+        </p:nvPicPr>
+        <p:blipFill>
+          <a:blip r:embed="rId6">
             <a:alphaModFix/>
           </a:blip>
           <a:stretch>
@@ -14630,9 +16519,466 @@
           </a:ln>
         </p:spPr>
       </p:pic>
+      <p:sp>
+        <p:nvSpPr>
+          <p:cNvPr id="141" name="Google Shape;141;g251ebc0e60a_0_133"/>
+          <p:cNvSpPr/>
+          <p:nvPr/>
+        </p:nvSpPr>
+        <p:spPr>
+          <a:xfrm>
+            <a:off x="3366400" y="1126325"/>
+            <a:ext cx="212700" cy="237900"/>
+          </a:xfrm>
+          <a:prstGeom prst="rightArrow">
+            <a:avLst>
+              <a:gd fmla="val 50000" name="adj1"/>
+              <a:gd fmla="val 50000" name="adj2"/>
+            </a:avLst>
+          </a:prstGeom>
+          <a:solidFill>
+            <a:srgbClr val="F5009C"/>
+          </a:solidFill>
+          <a:ln cap="flat" cmpd="sng" w="28575">
+            <a:solidFill>
+              <a:schemeClr val="dk2"/>
+            </a:solidFill>
+            <a:prstDash val="solid"/>
+            <a:round/>
+            <a:headEnd len="sm" w="sm" type="none"/>
+            <a:tailEnd len="sm" w="sm" type="none"/>
+          </a:ln>
+        </p:spPr>
+        <p:txBody>
+          <a:bodyPr anchorCtr="0" anchor="ctr" bIns="91425" lIns="91425" spcFirstLastPara="1" rIns="91425" wrap="square" tIns="91425">
+            <a:noAutofit/>
+          </a:bodyPr>
+          <a:lstStyle/>
+          <a:p>
+            <a:pPr indent="0" lvl="0" marL="0" rtl="0" algn="l">
+              <a:spcBef>
+                <a:spcPts val="0"/>
+              </a:spcBef>
+              <a:spcAft>
+                <a:spcPts val="0"/>
+              </a:spcAft>
+              <a:buNone/>
+            </a:pPr>
+            <a:r>
+              <a:t/>
+            </a:r>
+            <a:endParaRPr/>
+          </a:p>
+        </p:txBody>
+      </p:sp>
+      <p:sp>
+        <p:nvSpPr>
+          <p:cNvPr id="142" name="Google Shape;142;g251ebc0e60a_0_133"/>
+          <p:cNvSpPr/>
+          <p:nvPr/>
+        </p:nvSpPr>
+        <p:spPr>
+          <a:xfrm>
+            <a:off x="1501250" y="1003425"/>
+            <a:ext cx="212700" cy="237900"/>
+          </a:xfrm>
+          <a:prstGeom prst="rightArrow">
+            <a:avLst>
+              <a:gd fmla="val 50000" name="adj1"/>
+              <a:gd fmla="val 50000" name="adj2"/>
+            </a:avLst>
+          </a:prstGeom>
+          <a:solidFill>
+            <a:srgbClr val="F5009C"/>
+          </a:solidFill>
+          <a:ln cap="flat" cmpd="sng" w="28575">
+            <a:solidFill>
+              <a:schemeClr val="dk2"/>
+            </a:solidFill>
+            <a:prstDash val="solid"/>
+            <a:round/>
+            <a:headEnd len="sm" w="sm" type="none"/>
+            <a:tailEnd len="sm" w="sm" type="none"/>
+          </a:ln>
+        </p:spPr>
+        <p:txBody>
+          <a:bodyPr anchorCtr="0" anchor="ctr" bIns="91425" lIns="91425" spcFirstLastPara="1" rIns="91425" wrap="square" tIns="91425">
+            <a:noAutofit/>
+          </a:bodyPr>
+          <a:lstStyle/>
+          <a:p>
+            <a:pPr indent="0" lvl="0" marL="0" rtl="0" algn="l">
+              <a:spcBef>
+                <a:spcPts val="0"/>
+              </a:spcBef>
+              <a:spcAft>
+                <a:spcPts val="0"/>
+              </a:spcAft>
+              <a:buNone/>
+            </a:pPr>
+            <a:r>
+              <a:t/>
+            </a:r>
+            <a:endParaRPr/>
+          </a:p>
+        </p:txBody>
+      </p:sp>
+      <p:sp>
+        <p:nvSpPr>
+          <p:cNvPr id="143" name="Google Shape;143;g251ebc0e60a_0_133"/>
+          <p:cNvSpPr/>
+          <p:nvPr/>
+        </p:nvSpPr>
+        <p:spPr>
+          <a:xfrm>
+            <a:off x="5307925" y="1306000"/>
+            <a:ext cx="212700" cy="237900"/>
+          </a:xfrm>
+          <a:prstGeom prst="rightArrow">
+            <a:avLst>
+              <a:gd fmla="val 50000" name="adj1"/>
+              <a:gd fmla="val 50000" name="adj2"/>
+            </a:avLst>
+          </a:prstGeom>
+          <a:solidFill>
+            <a:srgbClr val="F5009C"/>
+          </a:solidFill>
+          <a:ln cap="flat" cmpd="sng" w="28575">
+            <a:solidFill>
+              <a:schemeClr val="dk2"/>
+            </a:solidFill>
+            <a:prstDash val="solid"/>
+            <a:round/>
+            <a:headEnd len="sm" w="sm" type="none"/>
+            <a:tailEnd len="sm" w="sm" type="none"/>
+          </a:ln>
+        </p:spPr>
+        <p:txBody>
+          <a:bodyPr anchorCtr="0" anchor="ctr" bIns="91425" lIns="91425" spcFirstLastPara="1" rIns="91425" wrap="square" tIns="91425">
+            <a:noAutofit/>
+          </a:bodyPr>
+          <a:lstStyle/>
+          <a:p>
+            <a:pPr indent="0" lvl="0" marL="0" rtl="0" algn="l">
+              <a:spcBef>
+                <a:spcPts val="0"/>
+              </a:spcBef>
+              <a:spcAft>
+                <a:spcPts val="0"/>
+              </a:spcAft>
+              <a:buNone/>
+            </a:pPr>
+            <a:r>
+              <a:t/>
+            </a:r>
+            <a:endParaRPr/>
+          </a:p>
+        </p:txBody>
+      </p:sp>
+      <p:sp>
+        <p:nvSpPr>
+          <p:cNvPr id="144" name="Google Shape;144;g251ebc0e60a_0_133"/>
+          <p:cNvSpPr/>
+          <p:nvPr/>
+        </p:nvSpPr>
+        <p:spPr>
+          <a:xfrm>
+            <a:off x="5956375" y="1420850"/>
+            <a:ext cx="212700" cy="237900"/>
+          </a:xfrm>
+          <a:prstGeom prst="rightArrow">
+            <a:avLst>
+              <a:gd fmla="val 50000" name="adj1"/>
+              <a:gd fmla="val 50000" name="adj2"/>
+            </a:avLst>
+          </a:prstGeom>
+          <a:solidFill>
+            <a:srgbClr val="F5009C"/>
+          </a:solidFill>
+          <a:ln cap="flat" cmpd="sng" w="28575">
+            <a:solidFill>
+              <a:schemeClr val="dk2"/>
+            </a:solidFill>
+            <a:prstDash val="solid"/>
+            <a:round/>
+            <a:headEnd len="sm" w="sm" type="none"/>
+            <a:tailEnd len="sm" w="sm" type="none"/>
+          </a:ln>
+        </p:spPr>
+        <p:txBody>
+          <a:bodyPr anchorCtr="0" anchor="ctr" bIns="91425" lIns="91425" spcFirstLastPara="1" rIns="91425" wrap="square" tIns="91425">
+            <a:noAutofit/>
+          </a:bodyPr>
+          <a:lstStyle/>
+          <a:p>
+            <a:pPr indent="0" lvl="0" marL="0" rtl="0" algn="l">
+              <a:spcBef>
+                <a:spcPts val="0"/>
+              </a:spcBef>
+              <a:spcAft>
+                <a:spcPts val="0"/>
+              </a:spcAft>
+              <a:buNone/>
+            </a:pPr>
+            <a:r>
+              <a:t/>
+            </a:r>
+            <a:endParaRPr/>
+          </a:p>
+        </p:txBody>
+      </p:sp>
+    </p:spTree>
+  </p:cSld>
+  <p:clrMapOvr>
+    <a:masterClrMapping/>
+  </p:clrMapOvr>
+</p:sld>
+</file>
+
+<file path=ppt/slides/slide7.xml><?xml version="1.0" encoding="utf-8"?>
+<p:sld xmlns:a="http://schemas.openxmlformats.org/drawingml/2006/main" xmlns:r="http://schemas.openxmlformats.org/officeDocument/2006/relationships" xmlns:mc="http://schemas.openxmlformats.org/markup-compatibility/2006" xmlns:mv="urn:schemas-microsoft-com:mac:vml" xmlns:p="http://schemas.openxmlformats.org/presentationml/2006/main" xmlns:c="http://schemas.openxmlformats.org/drawingml/2006/chart" xmlns:dgm="http://schemas.openxmlformats.org/drawingml/2006/diagram" xmlns:o="urn:schemas-microsoft-com:office:office" xmlns:v="urn:schemas-microsoft-com:vml" xmlns:pvml="urn:schemas-microsoft-com:office:powerpoint" xmlns:com="http://schemas.openxmlformats.org/drawingml/2006/compatibility" xmlns:p14="http://schemas.microsoft.com/office/powerpoint/2010/main" xmlns:p15="http://schemas.microsoft.com/office/powerpoint/2012/main" xmlns:ahyp="http://schemas.microsoft.com/office/drawing/2018/hyperlinkcolor">
+  <p:cSld>
+    <p:spTree>
+      <p:nvGrpSpPr>
+        <p:cNvPr id="148" name="Shape 148"/>
+        <p:cNvGrpSpPr/>
+        <p:nvPr/>
+      </p:nvGrpSpPr>
+      <p:grpSpPr>
+        <a:xfrm>
+          <a:off x="0" y="0"/>
+          <a:ext cx="0" cy="0"/>
+          <a:chOff x="0" y="0"/>
+          <a:chExt cx="0" cy="0"/>
+        </a:xfrm>
+      </p:grpSpPr>
       <p:pic>
         <p:nvPicPr>
-          <p:cNvPr id="164" name="Google Shape;164;g251ebc0e60a_1_44"/>
+          <p:cNvPr id="149" name="Google Shape;149;g251ebc0e60a_0_145"/>
+          <p:cNvPicPr preferRelativeResize="0"/>
+          <p:nvPr/>
+        </p:nvPicPr>
+        <p:blipFill rotWithShape="1">
+          <a:blip r:embed="rId3">
+            <a:alphaModFix/>
+          </a:blip>
+          <a:srcRect b="0" l="0" r="0" t="0"/>
+          <a:stretch/>
+        </p:blipFill>
+        <p:spPr>
+          <a:xfrm>
+            <a:off x="6604813" y="0"/>
+            <a:ext cx="2539188" cy="5143500"/>
+          </a:xfrm>
+          <a:prstGeom prst="rect">
+            <a:avLst/>
+          </a:prstGeom>
+          <a:noFill/>
+          <a:ln>
+            <a:noFill/>
+          </a:ln>
+        </p:spPr>
+      </p:pic>
+      <p:sp>
+        <p:nvSpPr>
+          <p:cNvPr id="150" name="Google Shape;150;g251ebc0e60a_0_145"/>
+          <p:cNvSpPr/>
+          <p:nvPr/>
+        </p:nvSpPr>
+        <p:spPr>
+          <a:xfrm rot="-5400000">
+            <a:off x="4518025" y="517525"/>
+            <a:ext cx="107950" cy="9144000"/>
+          </a:xfrm>
+          <a:custGeom>
+            <a:rect b="b" l="l" r="r" t="t"/>
+            <a:pathLst>
+              <a:path extrusionOk="0" h="12192000" w="127000">
+                <a:moveTo>
+                  <a:pt x="0" y="0"/>
+                </a:moveTo>
+                <a:lnTo>
+                  <a:pt x="127000" y="0"/>
+                </a:lnTo>
+                <a:lnTo>
+                  <a:pt x="127000" y="12192000"/>
+                </a:lnTo>
+                <a:lnTo>
+                  <a:pt x="0" y="12192000"/>
+                </a:lnTo>
+                <a:close/>
+              </a:path>
+            </a:pathLst>
+          </a:custGeom>
+          <a:solidFill>
+            <a:srgbClr val="0C3AE8"/>
+          </a:solidFill>
+          <a:ln>
+            <a:noFill/>
+          </a:ln>
+        </p:spPr>
+        <p:txBody>
+          <a:bodyPr anchorCtr="0" anchor="ctr" bIns="22850" lIns="45725" spcFirstLastPara="1" rIns="45725" wrap="square" tIns="22850">
+            <a:noAutofit/>
+          </a:bodyPr>
+          <a:lstStyle/>
+          <a:p>
+            <a:pPr indent="0" lvl="0" marL="0" marR="0" rtl="0" algn="l">
+              <a:lnSpc>
+                <a:spcPct val="100000"/>
+              </a:lnSpc>
+              <a:spcBef>
+                <a:spcPts val="0"/>
+              </a:spcBef>
+              <a:spcAft>
+                <a:spcPts val="0"/>
+              </a:spcAft>
+              <a:buClr>
+                <a:srgbClr val="000000"/>
+              </a:buClr>
+              <a:buSzPts val="900"/>
+              <a:buFont typeface="Arial"/>
+              <a:buNone/>
+            </a:pPr>
+            <a:r>
+              <a:t/>
+            </a:r>
+            <a:endParaRPr b="0" i="0" sz="900" u="none" cap="none" strike="noStrike">
+              <a:solidFill>
+                <a:srgbClr val="000000"/>
+              </a:solidFill>
+              <a:latin typeface="Calibri"/>
+              <a:ea typeface="Calibri"/>
+              <a:cs typeface="Calibri"/>
+              <a:sym typeface="Calibri"/>
+            </a:endParaRPr>
+          </a:p>
+        </p:txBody>
+      </p:sp>
+      <p:pic>
+        <p:nvPicPr>
+          <p:cNvPr id="151" name="Google Shape;151;g251ebc0e60a_0_145"/>
+          <p:cNvPicPr preferRelativeResize="0"/>
+          <p:nvPr/>
+        </p:nvPicPr>
+        <p:blipFill rotWithShape="1">
+          <a:blip r:embed="rId4">
+            <a:alphaModFix/>
+          </a:blip>
+          <a:srcRect b="0" l="0" r="0" t="0"/>
+          <a:stretch/>
+        </p:blipFill>
+        <p:spPr>
+          <a:xfrm>
+            <a:off x="0" y="5035544"/>
+            <a:ext cx="9144000" cy="71438"/>
+          </a:xfrm>
+          <a:prstGeom prst="rect">
+            <a:avLst/>
+          </a:prstGeom>
+          <a:noFill/>
+          <a:ln>
+            <a:noFill/>
+          </a:ln>
+        </p:spPr>
+      </p:pic>
+      <p:sp>
+        <p:nvSpPr>
+          <p:cNvPr id="152" name="Google Shape;152;g251ebc0e60a_0_145"/>
+          <p:cNvSpPr txBox="1"/>
+          <p:nvPr/>
+        </p:nvSpPr>
+        <p:spPr>
+          <a:xfrm>
+            <a:off x="0" y="0"/>
+            <a:ext cx="6353100" cy="477300"/>
+          </a:xfrm>
+          <a:prstGeom prst="rect">
+            <a:avLst/>
+          </a:prstGeom>
+          <a:noFill/>
+          <a:ln>
+            <a:noFill/>
+          </a:ln>
+        </p:spPr>
+        <p:txBody>
+          <a:bodyPr anchorCtr="0" anchor="t" bIns="0" lIns="0" spcFirstLastPara="1" rIns="0" wrap="square" tIns="0">
+            <a:spAutoFit/>
+          </a:bodyPr>
+          <a:lstStyle/>
+          <a:p>
+            <a:pPr indent="0" lvl="0" marL="0" rtl="0" algn="ctr">
+              <a:spcBef>
+                <a:spcPts val="0"/>
+              </a:spcBef>
+              <a:spcAft>
+                <a:spcPts val="0"/>
+              </a:spcAft>
+              <a:buClr>
+                <a:schemeClr val="dk1"/>
+              </a:buClr>
+              <a:buSzPts val="1500"/>
+              <a:buFont typeface="Arial"/>
+              <a:buNone/>
+            </a:pPr>
+            <a:r>
+              <a:rPr b="1" lang="pt-BR" sz="3100">
+                <a:solidFill>
+                  <a:srgbClr val="001863"/>
+                </a:solidFill>
+                <a:highlight>
+                  <a:srgbClr val="FFFFFF"/>
+                </a:highlight>
+                <a:latin typeface="Poppins"/>
+                <a:ea typeface="Poppins"/>
+                <a:cs typeface="Poppins"/>
+                <a:sym typeface="Poppins"/>
+              </a:rPr>
+              <a:t>Categorize equipment failures</a:t>
+            </a:r>
+            <a:endParaRPr b="1" sz="3100">
+              <a:solidFill>
+                <a:srgbClr val="001863"/>
+              </a:solidFill>
+              <a:latin typeface="Poppins"/>
+              <a:ea typeface="Poppins"/>
+              <a:cs typeface="Poppins"/>
+              <a:sym typeface="Poppins"/>
+            </a:endParaRPr>
+          </a:p>
+        </p:txBody>
+      </p:sp>
+      <p:pic>
+        <p:nvPicPr>
+          <p:cNvPr id="153" name="Google Shape;153;g251ebc0e60a_0_145"/>
+          <p:cNvPicPr preferRelativeResize="0"/>
+          <p:nvPr/>
+        </p:nvPicPr>
+        <p:blipFill>
+          <a:blip r:embed="rId5">
+            <a:alphaModFix/>
+          </a:blip>
+          <a:stretch>
+            <a:fillRect/>
+          </a:stretch>
+        </p:blipFill>
+        <p:spPr>
+          <a:xfrm>
+            <a:off x="-57150" y="725475"/>
+            <a:ext cx="6604824" cy="3692548"/>
+          </a:xfrm>
+          <a:prstGeom prst="rect">
+            <a:avLst/>
+          </a:prstGeom>
+          <a:noFill/>
+          <a:ln>
+            <a:noFill/>
+          </a:ln>
+        </p:spPr>
+      </p:pic>
+      <p:pic>
+        <p:nvPicPr>
+          <p:cNvPr id="154" name="Google Shape;154;g251ebc0e60a_0_145"/>
           <p:cNvPicPr preferRelativeResize="0"/>
           <p:nvPr/>
         </p:nvPicPr>
@@ -14646,8 +16992,8 @@
         </p:blipFill>
         <p:spPr>
           <a:xfrm>
-            <a:off x="4850025" y="1749325"/>
-            <a:ext cx="651625" cy="651625"/>
+            <a:off x="0" y="4558250"/>
+            <a:ext cx="1713941" cy="477300"/>
           </a:xfrm>
           <a:prstGeom prst="rect">
             <a:avLst/>
@@ -14660,26 +17006,37 @@
       </p:pic>
       <p:sp>
         <p:nvSpPr>
-          <p:cNvPr id="165" name="Google Shape;165;g251ebc0e60a_1_44"/>
-          <p:cNvSpPr txBox="1"/>
+          <p:cNvPr id="155" name="Google Shape;155;g251ebc0e60a_0_145"/>
+          <p:cNvSpPr/>
           <p:nvPr/>
         </p:nvSpPr>
         <p:spPr>
           <a:xfrm>
-            <a:off x="5501650" y="1875038"/>
-            <a:ext cx="1148400" cy="400200"/>
+            <a:off x="3215750" y="1291275"/>
+            <a:ext cx="212700" cy="237900"/>
           </a:xfrm>
-          <a:prstGeom prst="rect">
-            <a:avLst/>
+          <a:prstGeom prst="rightArrow">
+            <a:avLst>
+              <a:gd fmla="val 50000" name="adj1"/>
+              <a:gd fmla="val 50000" name="adj2"/>
+            </a:avLst>
           </a:prstGeom>
-          <a:noFill/>
-          <a:ln>
-            <a:noFill/>
+          <a:solidFill>
+            <a:srgbClr val="F5009C"/>
+          </a:solidFill>
+          <a:ln cap="flat" cmpd="sng" w="28575">
+            <a:solidFill>
+              <a:schemeClr val="dk2"/>
+            </a:solidFill>
+            <a:prstDash val="solid"/>
+            <a:round/>
+            <a:headEnd len="sm" w="sm" type="none"/>
+            <a:tailEnd len="sm" w="sm" type="none"/>
           </a:ln>
         </p:spPr>
         <p:txBody>
-          <a:bodyPr anchorCtr="0" anchor="t" bIns="91425" lIns="91425" spcFirstLastPara="1" rIns="91425" wrap="square" tIns="91425">
-            <a:spAutoFit/>
+          <a:bodyPr anchorCtr="0" anchor="ctr" bIns="91425" lIns="91425" spcFirstLastPara="1" rIns="91425" wrap="square" tIns="91425">
+            <a:noAutofit/>
           </a:bodyPr>
           <a:lstStyle/>
           <a:p>
@@ -14693,41 +17050,54 @@
               <a:buNone/>
             </a:pPr>
             <a:r>
-              <a:rPr b="1" lang="pt-BR">
-                <a:latin typeface="Poppins"/>
-                <a:ea typeface="Poppins"/>
-                <a:cs typeface="Poppins"/>
-                <a:sym typeface="Poppins"/>
-              </a:rPr>
-              <a:t>97,95%</a:t>
+              <a:t/>
             </a:r>
-            <a:endParaRPr b="1">
-              <a:latin typeface="Poppins"/>
-              <a:ea typeface="Poppins"/>
-              <a:cs typeface="Poppins"/>
-              <a:sym typeface="Poppins"/>
-            </a:endParaRPr>
+            <a:endParaRPr/>
           </a:p>
         </p:txBody>
       </p:sp>
+    </p:spTree>
+  </p:cSld>
+  <p:clrMapOvr>
+    <a:masterClrMapping/>
+  </p:clrMapOvr>
+</p:sld>
+</file>
+
+<file path=ppt/slides/slide8.xml><?xml version="1.0" encoding="utf-8"?>
+<p:sld xmlns:a="http://schemas.openxmlformats.org/drawingml/2006/main" xmlns:r="http://schemas.openxmlformats.org/officeDocument/2006/relationships" xmlns:mc="http://schemas.openxmlformats.org/markup-compatibility/2006" xmlns:mv="urn:schemas-microsoft-com:mac:vml" xmlns:p="http://schemas.openxmlformats.org/presentationml/2006/main" xmlns:c="http://schemas.openxmlformats.org/drawingml/2006/chart" xmlns:dgm="http://schemas.openxmlformats.org/drawingml/2006/diagram" xmlns:o="urn:schemas-microsoft-com:office:office" xmlns:v="urn:schemas-microsoft-com:vml" xmlns:pvml="urn:schemas-microsoft-com:office:powerpoint" xmlns:com="http://schemas.openxmlformats.org/drawingml/2006/compatibility" xmlns:p14="http://schemas.microsoft.com/office/powerpoint/2010/main" xmlns:p15="http://schemas.microsoft.com/office/powerpoint/2012/main" xmlns:ahyp="http://schemas.microsoft.com/office/drawing/2018/hyperlinkcolor">
+  <p:cSld>
+    <p:spTree>
+      <p:nvGrpSpPr>
+        <p:cNvPr id="159" name="Shape 159"/>
+        <p:cNvGrpSpPr/>
+        <p:nvPr/>
+      </p:nvGrpSpPr>
+      <p:grpSpPr>
+        <a:xfrm>
+          <a:off x="0" y="0"/>
+          <a:ext cx="0" cy="0"/>
+          <a:chOff x="0" y="0"/>
+          <a:chExt cx="0" cy="0"/>
+        </a:xfrm>
+      </p:grpSpPr>
       <p:pic>
         <p:nvPicPr>
-          <p:cNvPr id="166" name="Google Shape;166;g251ebc0e60a_1_44"/>
+          <p:cNvPr id="160" name="Google Shape;160;g251ebc0e60a_0_157"/>
           <p:cNvPicPr preferRelativeResize="0"/>
           <p:nvPr/>
         </p:nvPicPr>
-        <p:blipFill>
-          <a:blip r:embed="rId7">
+        <p:blipFill rotWithShape="1">
+          <a:blip r:embed="rId3">
             <a:alphaModFix/>
           </a:blip>
-          <a:stretch>
-            <a:fillRect/>
-          </a:stretch>
+          <a:srcRect b="0" l="0" r="0" t="0"/>
+          <a:stretch/>
         </p:blipFill>
         <p:spPr>
           <a:xfrm>
-            <a:off x="4718276" y="2899614"/>
-            <a:ext cx="783350" cy="783350"/>
+            <a:off x="6604813" y="0"/>
+            <a:ext cx="2539188" cy="5143500"/>
           </a:xfrm>
           <a:prstGeom prst="rect">
             <a:avLst/>
@@ -14740,14 +17110,117 @@
       </p:pic>
       <p:sp>
         <p:nvSpPr>
-          <p:cNvPr id="167" name="Google Shape;167;g251ebc0e60a_1_44"/>
+          <p:cNvPr id="161" name="Google Shape;161;g251ebc0e60a_0_157"/>
+          <p:cNvSpPr/>
+          <p:nvPr/>
+        </p:nvSpPr>
+        <p:spPr>
+          <a:xfrm rot="-5400000">
+            <a:off x="4518025" y="517525"/>
+            <a:ext cx="107950" cy="9144000"/>
+          </a:xfrm>
+          <a:custGeom>
+            <a:rect b="b" l="l" r="r" t="t"/>
+            <a:pathLst>
+              <a:path extrusionOk="0" h="12192000" w="127000">
+                <a:moveTo>
+                  <a:pt x="0" y="0"/>
+                </a:moveTo>
+                <a:lnTo>
+                  <a:pt x="127000" y="0"/>
+                </a:lnTo>
+                <a:lnTo>
+                  <a:pt x="127000" y="12192000"/>
+                </a:lnTo>
+                <a:lnTo>
+                  <a:pt x="0" y="12192000"/>
+                </a:lnTo>
+                <a:close/>
+              </a:path>
+            </a:pathLst>
+          </a:custGeom>
+          <a:solidFill>
+            <a:srgbClr val="0C3AE8"/>
+          </a:solidFill>
+          <a:ln>
+            <a:noFill/>
+          </a:ln>
+        </p:spPr>
+        <p:txBody>
+          <a:bodyPr anchorCtr="0" anchor="ctr" bIns="22850" lIns="45725" spcFirstLastPara="1" rIns="45725" wrap="square" tIns="22850">
+            <a:noAutofit/>
+          </a:bodyPr>
+          <a:lstStyle/>
+          <a:p>
+            <a:pPr indent="0" lvl="0" marL="0" marR="0" rtl="0" algn="l">
+              <a:lnSpc>
+                <a:spcPct val="100000"/>
+              </a:lnSpc>
+              <a:spcBef>
+                <a:spcPts val="0"/>
+              </a:spcBef>
+              <a:spcAft>
+                <a:spcPts val="0"/>
+              </a:spcAft>
+              <a:buClr>
+                <a:srgbClr val="000000"/>
+              </a:buClr>
+              <a:buSzPts val="900"/>
+              <a:buFont typeface="Arial"/>
+              <a:buNone/>
+            </a:pPr>
+            <a:r>
+              <a:t/>
+            </a:r>
+            <a:endParaRPr b="0" i="0" sz="900" u="none" cap="none" strike="noStrike">
+              <a:solidFill>
+                <a:srgbClr val="000000"/>
+              </a:solidFill>
+              <a:latin typeface="Calibri"/>
+              <a:ea typeface="Calibri"/>
+              <a:cs typeface="Calibri"/>
+              <a:sym typeface="Calibri"/>
+            </a:endParaRPr>
+          </a:p>
+        </p:txBody>
+      </p:sp>
+      <p:pic>
+        <p:nvPicPr>
+          <p:cNvPr id="162" name="Google Shape;162;g251ebc0e60a_0_157"/>
+          <p:cNvPicPr preferRelativeResize="0"/>
+          <p:nvPr/>
+        </p:nvPicPr>
+        <p:blipFill rotWithShape="1">
+          <a:blip r:embed="rId4">
+            <a:alphaModFix/>
+          </a:blip>
+          <a:srcRect b="0" l="0" r="0" t="0"/>
+          <a:stretch/>
+        </p:blipFill>
+        <p:spPr>
+          <a:xfrm>
+            <a:off x="0" y="5035544"/>
+            <a:ext cx="9144000" cy="71438"/>
+          </a:xfrm>
+          <a:prstGeom prst="rect">
+            <a:avLst/>
+          </a:prstGeom>
+          <a:noFill/>
+          <a:ln>
+            <a:noFill/>
+          </a:ln>
+        </p:spPr>
+      </p:pic>
+      <p:sp>
+        <p:nvSpPr>
+          <p:cNvPr id="163" name="Google Shape;163;g251ebc0e60a_0_157"/>
           <p:cNvSpPr txBox="1"/>
           <p:nvPr/>
         </p:nvSpPr>
         <p:spPr>
           <a:xfrm>
-            <a:off x="5501638" y="3091175"/>
-            <a:ext cx="1148400" cy="400200"/>
+            <a:off x="0" y="0"/>
+            <a:ext cx="6353100" cy="477300"/>
           </a:xfrm>
           <a:prstGeom prst="rect">
             <a:avLst/>
@@ -14758,30 +17231,44 @@
           </a:ln>
         </p:spPr>
         <p:txBody>
-          <a:bodyPr anchorCtr="0" anchor="t" bIns="91425" lIns="91425" spcFirstLastPara="1" rIns="91425" wrap="square" tIns="91425">
+          <a:bodyPr anchorCtr="0" anchor="t" bIns="0" lIns="0" spcFirstLastPara="1" rIns="0" wrap="square" tIns="0">
             <a:spAutoFit/>
           </a:bodyPr>
           <a:lstStyle/>
           <a:p>
-            <a:pPr indent="0" lvl="0" marL="0" rtl="0" algn="l">
-              <a:spcBef>
-                <a:spcPts val="0"/>
-              </a:spcBef>
-              <a:spcAft>
-                <a:spcPts val="0"/>
-              </a:spcAft>
+            <a:pPr indent="0" lvl="0" marL="0" rtl="0" algn="ctr">
+              <a:spcBef>
+                <a:spcPts val="0"/>
+              </a:spcBef>
+              <a:spcAft>
+                <a:spcPts val="0"/>
+              </a:spcAft>
+              <a:buClr>
+                <a:schemeClr val="dk1"/>
+              </a:buClr>
+              <a:buSzPts val="1500"/>
+              <a:buFont typeface="Arial"/>
               <a:buNone/>
             </a:pPr>
             <a:r>
-              <a:rPr b="1" lang="pt-BR">
+              <a:rPr b="1" lang="pt-BR" sz="3100">
+                <a:solidFill>
+                  <a:srgbClr val="001863"/>
+                </a:solidFill>
+                <a:highlight>
+                  <a:srgbClr val="FFFFFF"/>
+                </a:highlight>
                 <a:latin typeface="Poppins"/>
                 <a:ea typeface="Poppins"/>
                 <a:cs typeface="Poppins"/>
                 <a:sym typeface="Poppins"/>
               </a:rPr>
-              <a:t>96,17%</a:t>
+              <a:t>Categorize equipment failures</a:t>
             </a:r>
-            <a:endParaRPr b="1">
+            <a:endParaRPr b="1" sz="3100">
+              <a:solidFill>
+                <a:srgbClr val="001863"/>
+              </a:solidFill>
               <a:latin typeface="Poppins"/>
               <a:ea typeface="Poppins"/>
               <a:cs typeface="Poppins"/>
@@ -14792,21 +17279,22 @@
       </p:sp>
       <p:pic>
         <p:nvPicPr>
-          <p:cNvPr id="168" name="Google Shape;168;g251ebc0e60a_1_44"/>
+          <p:cNvPr id="164" name="Google Shape;164;g251ebc0e60a_0_157"/>
           <p:cNvPicPr preferRelativeResize="0"/>
           <p:nvPr/>
         </p:nvPicPr>
-        <p:blipFill rotWithShape="1">
-          <a:blip r:embed="rId8">
+        <p:blipFill>
+          <a:blip r:embed="rId5">
             <a:alphaModFix/>
           </a:blip>
-          <a:srcRect b="6200" l="0" r="6200" t="0"/>
-          <a:stretch/>
+          <a:stretch>
+            <a:fillRect/>
+          </a:stretch>
         </p:blipFill>
         <p:spPr>
           <a:xfrm>
-            <a:off x="0" y="1322188"/>
-            <a:ext cx="4611088" cy="2499113"/>
+            <a:off x="26550" y="794400"/>
+            <a:ext cx="6578275" cy="3711714"/>
           </a:xfrm>
           <a:prstGeom prst="rect">
             <a:avLst/>
@@ -14817,6 +17305,415 @@
           </a:ln>
         </p:spPr>
       </p:pic>
+      <p:pic>
+        <p:nvPicPr>
+          <p:cNvPr id="165" name="Google Shape;165;g251ebc0e60a_0_157"/>
+          <p:cNvPicPr preferRelativeResize="0"/>
+          <p:nvPr/>
+        </p:nvPicPr>
+        <p:blipFill>
+          <a:blip r:embed="rId6">
+            <a:alphaModFix/>
+          </a:blip>
+          <a:stretch>
+            <a:fillRect/>
+          </a:stretch>
+        </p:blipFill>
+        <p:spPr>
+          <a:xfrm>
+            <a:off x="0" y="4558250"/>
+            <a:ext cx="1713941" cy="477300"/>
+          </a:xfrm>
+          <a:prstGeom prst="rect">
+            <a:avLst/>
+          </a:prstGeom>
+          <a:noFill/>
+          <a:ln>
+            <a:noFill/>
+          </a:ln>
+        </p:spPr>
+      </p:pic>
+      <p:sp>
+        <p:nvSpPr>
+          <p:cNvPr id="166" name="Google Shape;166;g251ebc0e60a_0_157"/>
+          <p:cNvSpPr/>
+          <p:nvPr/>
+        </p:nvSpPr>
+        <p:spPr>
+          <a:xfrm>
+            <a:off x="3209338" y="1353825"/>
+            <a:ext cx="212700" cy="237900"/>
+          </a:xfrm>
+          <a:prstGeom prst="rightArrow">
+            <a:avLst>
+              <a:gd fmla="val 50000" name="adj1"/>
+              <a:gd fmla="val 50000" name="adj2"/>
+            </a:avLst>
+          </a:prstGeom>
+          <a:solidFill>
+            <a:srgbClr val="F5009C"/>
+          </a:solidFill>
+          <a:ln cap="flat" cmpd="sng" w="28575">
+            <a:solidFill>
+              <a:schemeClr val="dk2"/>
+            </a:solidFill>
+            <a:prstDash val="solid"/>
+            <a:round/>
+            <a:headEnd len="sm" w="sm" type="none"/>
+            <a:tailEnd len="sm" w="sm" type="none"/>
+          </a:ln>
+        </p:spPr>
+        <p:txBody>
+          <a:bodyPr anchorCtr="0" anchor="ctr" bIns="91425" lIns="91425" spcFirstLastPara="1" rIns="91425" wrap="square" tIns="91425">
+            <a:noAutofit/>
+          </a:bodyPr>
+          <a:lstStyle/>
+          <a:p>
+            <a:pPr indent="0" lvl="0" marL="0" rtl="0" algn="l">
+              <a:spcBef>
+                <a:spcPts val="0"/>
+              </a:spcBef>
+              <a:spcAft>
+                <a:spcPts val="0"/>
+              </a:spcAft>
+              <a:buNone/>
+            </a:pPr>
+            <a:r>
+              <a:t/>
+            </a:r>
+            <a:endParaRPr/>
+          </a:p>
+        </p:txBody>
+      </p:sp>
+    </p:spTree>
+  </p:cSld>
+  <p:clrMapOvr>
+    <a:masterClrMapping/>
+  </p:clrMapOvr>
+</p:sld>
+</file>
+
+<file path=ppt/slides/slide9.xml><?xml version="1.0" encoding="utf-8"?>
+<p:sld xmlns:a="http://schemas.openxmlformats.org/drawingml/2006/main" xmlns:r="http://schemas.openxmlformats.org/officeDocument/2006/relationships" xmlns:mc="http://schemas.openxmlformats.org/markup-compatibility/2006" xmlns:mv="urn:schemas-microsoft-com:mac:vml" xmlns:p="http://schemas.openxmlformats.org/presentationml/2006/main" xmlns:c="http://schemas.openxmlformats.org/drawingml/2006/chart" xmlns:dgm="http://schemas.openxmlformats.org/drawingml/2006/diagram" xmlns:o="urn:schemas-microsoft-com:office:office" xmlns:v="urn:schemas-microsoft-com:vml" xmlns:pvml="urn:schemas-microsoft-com:office:powerpoint" xmlns:com="http://schemas.openxmlformats.org/drawingml/2006/compatibility" xmlns:p14="http://schemas.microsoft.com/office/powerpoint/2010/main" xmlns:p15="http://schemas.microsoft.com/office/powerpoint/2012/main" xmlns:ahyp="http://schemas.microsoft.com/office/drawing/2018/hyperlinkcolor">
+  <p:cSld>
+    <p:spTree>
+      <p:nvGrpSpPr>
+        <p:cNvPr id="170" name="Shape 170"/>
+        <p:cNvGrpSpPr/>
+        <p:nvPr/>
+      </p:nvGrpSpPr>
+      <p:grpSpPr>
+        <a:xfrm>
+          <a:off x="0" y="0"/>
+          <a:ext cx="0" cy="0"/>
+          <a:chOff x="0" y="0"/>
+          <a:chExt cx="0" cy="0"/>
+        </a:xfrm>
+      </p:grpSpPr>
+      <p:pic>
+        <p:nvPicPr>
+          <p:cNvPr id="171" name="Google Shape;171;g251ebc0e60a_0_169"/>
+          <p:cNvPicPr preferRelativeResize="0"/>
+          <p:nvPr/>
+        </p:nvPicPr>
+        <p:blipFill rotWithShape="1">
+          <a:blip r:embed="rId3">
+            <a:alphaModFix/>
+          </a:blip>
+          <a:srcRect b="0" l="0" r="0" t="0"/>
+          <a:stretch/>
+        </p:blipFill>
+        <p:spPr>
+          <a:xfrm>
+            <a:off x="6604813" y="0"/>
+            <a:ext cx="2539188" cy="5143500"/>
+          </a:xfrm>
+          <a:prstGeom prst="rect">
+            <a:avLst/>
+          </a:prstGeom>
+          <a:noFill/>
+          <a:ln>
+            <a:noFill/>
+          </a:ln>
+        </p:spPr>
+      </p:pic>
+      <p:sp>
+        <p:nvSpPr>
+          <p:cNvPr id="172" name="Google Shape;172;g251ebc0e60a_0_169"/>
+          <p:cNvSpPr/>
+          <p:nvPr/>
+        </p:nvSpPr>
+        <p:spPr>
+          <a:xfrm rot="-5400000">
+            <a:off x="4518025" y="517525"/>
+            <a:ext cx="107950" cy="9144000"/>
+          </a:xfrm>
+          <a:custGeom>
+            <a:rect b="b" l="l" r="r" t="t"/>
+            <a:pathLst>
+              <a:path extrusionOk="0" h="12192000" w="127000">
+                <a:moveTo>
+                  <a:pt x="0" y="0"/>
+                </a:moveTo>
+                <a:lnTo>
+                  <a:pt x="127000" y="0"/>
+                </a:lnTo>
+                <a:lnTo>
+                  <a:pt x="127000" y="12192000"/>
+                </a:lnTo>
+                <a:lnTo>
+                  <a:pt x="0" y="12192000"/>
+                </a:lnTo>
+                <a:close/>
+              </a:path>
+            </a:pathLst>
+          </a:custGeom>
+          <a:solidFill>
+            <a:srgbClr val="0C3AE8"/>
+          </a:solidFill>
+          <a:ln>
+            <a:noFill/>
+          </a:ln>
+        </p:spPr>
+        <p:txBody>
+          <a:bodyPr anchorCtr="0" anchor="ctr" bIns="22850" lIns="45725" spcFirstLastPara="1" rIns="45725" wrap="square" tIns="22850">
+            <a:noAutofit/>
+          </a:bodyPr>
+          <a:lstStyle/>
+          <a:p>
+            <a:pPr indent="0" lvl="0" marL="0" marR="0" rtl="0" algn="l">
+              <a:lnSpc>
+                <a:spcPct val="100000"/>
+              </a:lnSpc>
+              <a:spcBef>
+                <a:spcPts val="0"/>
+              </a:spcBef>
+              <a:spcAft>
+                <a:spcPts val="0"/>
+              </a:spcAft>
+              <a:buClr>
+                <a:srgbClr val="000000"/>
+              </a:buClr>
+              <a:buSzPts val="900"/>
+              <a:buFont typeface="Arial"/>
+              <a:buNone/>
+            </a:pPr>
+            <a:r>
+              <a:t/>
+            </a:r>
+            <a:endParaRPr b="0" i="0" sz="900" u="none" cap="none" strike="noStrike">
+              <a:solidFill>
+                <a:srgbClr val="000000"/>
+              </a:solidFill>
+              <a:latin typeface="Calibri"/>
+              <a:ea typeface="Calibri"/>
+              <a:cs typeface="Calibri"/>
+              <a:sym typeface="Calibri"/>
+            </a:endParaRPr>
+          </a:p>
+        </p:txBody>
+      </p:sp>
+      <p:pic>
+        <p:nvPicPr>
+          <p:cNvPr id="173" name="Google Shape;173;g251ebc0e60a_0_169"/>
+          <p:cNvPicPr preferRelativeResize="0"/>
+          <p:nvPr/>
+        </p:nvPicPr>
+        <p:blipFill rotWithShape="1">
+          <a:blip r:embed="rId4">
+            <a:alphaModFix/>
+          </a:blip>
+          <a:srcRect b="0" l="0" r="0" t="0"/>
+          <a:stretch/>
+        </p:blipFill>
+        <p:spPr>
+          <a:xfrm>
+            <a:off x="0" y="5035544"/>
+            <a:ext cx="9144000" cy="71438"/>
+          </a:xfrm>
+          <a:prstGeom prst="rect">
+            <a:avLst/>
+          </a:prstGeom>
+          <a:noFill/>
+          <a:ln>
+            <a:noFill/>
+          </a:ln>
+        </p:spPr>
+      </p:pic>
+      <p:sp>
+        <p:nvSpPr>
+          <p:cNvPr id="174" name="Google Shape;174;g251ebc0e60a_0_169"/>
+          <p:cNvSpPr txBox="1"/>
+          <p:nvPr/>
+        </p:nvSpPr>
+        <p:spPr>
+          <a:xfrm>
+            <a:off x="0" y="0"/>
+            <a:ext cx="6353100" cy="477300"/>
+          </a:xfrm>
+          <a:prstGeom prst="rect">
+            <a:avLst/>
+          </a:prstGeom>
+          <a:noFill/>
+          <a:ln>
+            <a:noFill/>
+          </a:ln>
+        </p:spPr>
+        <p:txBody>
+          <a:bodyPr anchorCtr="0" anchor="t" bIns="0" lIns="0" spcFirstLastPara="1" rIns="0" wrap="square" tIns="0">
+            <a:spAutoFit/>
+          </a:bodyPr>
+          <a:lstStyle/>
+          <a:p>
+            <a:pPr indent="0" lvl="0" marL="0" rtl="0" algn="ctr">
+              <a:spcBef>
+                <a:spcPts val="0"/>
+              </a:spcBef>
+              <a:spcAft>
+                <a:spcPts val="0"/>
+              </a:spcAft>
+              <a:buClr>
+                <a:schemeClr val="dk1"/>
+              </a:buClr>
+              <a:buSzPts val="1500"/>
+              <a:buFont typeface="Arial"/>
+              <a:buNone/>
+            </a:pPr>
+            <a:r>
+              <a:rPr b="1" lang="pt-BR" sz="3100">
+                <a:solidFill>
+                  <a:srgbClr val="001863"/>
+                </a:solidFill>
+                <a:highlight>
+                  <a:srgbClr val="FFFFFF"/>
+                </a:highlight>
+                <a:latin typeface="Poppins"/>
+                <a:ea typeface="Poppins"/>
+                <a:cs typeface="Poppins"/>
+                <a:sym typeface="Poppins"/>
+              </a:rPr>
+              <a:t>Categorize equipment failures</a:t>
+            </a:r>
+            <a:endParaRPr b="1" sz="3100">
+              <a:solidFill>
+                <a:srgbClr val="001863"/>
+              </a:solidFill>
+              <a:latin typeface="Poppins"/>
+              <a:ea typeface="Poppins"/>
+              <a:cs typeface="Poppins"/>
+              <a:sym typeface="Poppins"/>
+            </a:endParaRPr>
+          </a:p>
+        </p:txBody>
+      </p:sp>
+      <p:pic>
+        <p:nvPicPr>
+          <p:cNvPr id="175" name="Google Shape;175;g251ebc0e60a_0_169"/>
+          <p:cNvPicPr preferRelativeResize="0"/>
+          <p:nvPr/>
+        </p:nvPicPr>
+        <p:blipFill>
+          <a:blip r:embed="rId5">
+            <a:alphaModFix/>
+          </a:blip>
+          <a:stretch>
+            <a:fillRect/>
+          </a:stretch>
+        </p:blipFill>
+        <p:spPr>
+          <a:xfrm>
+            <a:off x="26550" y="795725"/>
+            <a:ext cx="6578275" cy="3708921"/>
+          </a:xfrm>
+          <a:prstGeom prst="rect">
+            <a:avLst/>
+          </a:prstGeom>
+          <a:noFill/>
+          <a:ln>
+            <a:noFill/>
+          </a:ln>
+        </p:spPr>
+      </p:pic>
+      <p:pic>
+        <p:nvPicPr>
+          <p:cNvPr id="176" name="Google Shape;176;g251ebc0e60a_0_169"/>
+          <p:cNvPicPr preferRelativeResize="0"/>
+          <p:nvPr/>
+        </p:nvPicPr>
+        <p:blipFill>
+          <a:blip r:embed="rId6">
+            <a:alphaModFix/>
+          </a:blip>
+          <a:stretch>
+            <a:fillRect/>
+          </a:stretch>
+        </p:blipFill>
+        <p:spPr>
+          <a:xfrm>
+            <a:off x="0" y="4558250"/>
+            <a:ext cx="1713941" cy="477300"/>
+          </a:xfrm>
+          <a:prstGeom prst="rect">
+            <a:avLst/>
+          </a:prstGeom>
+          <a:noFill/>
+          <a:ln>
+            <a:noFill/>
+          </a:ln>
+        </p:spPr>
+      </p:pic>
+      <p:sp>
+        <p:nvSpPr>
+          <p:cNvPr id="177" name="Google Shape;177;g251ebc0e60a_0_169"/>
+          <p:cNvSpPr/>
+          <p:nvPr/>
+        </p:nvSpPr>
+        <p:spPr>
+          <a:xfrm>
+            <a:off x="3209338" y="1116050"/>
+            <a:ext cx="212700" cy="237900"/>
+          </a:xfrm>
+          <a:prstGeom prst="rightArrow">
+            <a:avLst>
+              <a:gd fmla="val 50000" name="adj1"/>
+              <a:gd fmla="val 50000" name="adj2"/>
+            </a:avLst>
+          </a:prstGeom>
+          <a:solidFill>
+            <a:srgbClr val="F5009C"/>
+          </a:solidFill>
+          <a:ln cap="flat" cmpd="sng" w="28575">
+            <a:solidFill>
+              <a:schemeClr val="dk2"/>
+            </a:solidFill>
+            <a:prstDash val="solid"/>
+            <a:round/>
+            <a:headEnd len="sm" w="sm" type="none"/>
+            <a:tailEnd len="sm" w="sm" type="none"/>
+          </a:ln>
+        </p:spPr>
+        <p:txBody>
+          <a:bodyPr anchorCtr="0" anchor="ctr" bIns="91425" lIns="91425" spcFirstLastPara="1" rIns="91425" wrap="square" tIns="91425">
+            <a:noAutofit/>
+          </a:bodyPr>
+          <a:lstStyle/>
+          <a:p>
+            <a:pPr indent="0" lvl="0" marL="0" rtl="0" algn="l">
+              <a:spcBef>
+                <a:spcPts val="0"/>
+              </a:spcBef>
+              <a:spcAft>
+                <a:spcPts val="0"/>
+              </a:spcAft>
+              <a:buNone/>
+            </a:pPr>
+            <a:r>
+              <a:t/>
+            </a:r>
+            <a:endParaRPr/>
+          </a:p>
+        </p:txBody>
+      </p:sp>
     </p:spTree>
   </p:cSld>
   <p:clrMapOvr>
@@ -14826,6 +17723,285 @@
 </file>
 
 <file path=ppt/theme/theme1.xml><?xml version="1.0" encoding="utf-8"?>
+<a:theme xmlns:a="http://schemas.openxmlformats.org/drawingml/2006/main" xmlns:r="http://schemas.openxmlformats.org/officeDocument/2006/relationships" name="Simple Light">
+  <a:themeElements>
+    <a:clrScheme name="Simple Light">
+      <a:dk1>
+        <a:srgbClr val="000000"/>
+      </a:dk1>
+      <a:lt1>
+        <a:srgbClr val="FFFFFF"/>
+      </a:lt1>
+      <a:dk2>
+        <a:srgbClr val="595959"/>
+      </a:dk2>
+      <a:lt2>
+        <a:srgbClr val="EEEEEE"/>
+      </a:lt2>
+      <a:accent1>
+        <a:srgbClr val="4285F4"/>
+      </a:accent1>
+      <a:accent2>
+        <a:srgbClr val="212121"/>
+      </a:accent2>
+      <a:accent3>
+        <a:srgbClr val="78909C"/>
+      </a:accent3>
+      <a:accent4>
+        <a:srgbClr val="FFAB40"/>
+      </a:accent4>
+      <a:accent5>
+        <a:srgbClr val="0097A7"/>
+      </a:accent5>
+      <a:accent6>
+        <a:srgbClr val="EEFF41"/>
+      </a:accent6>
+      <a:hlink>
+        <a:srgbClr val="0097A7"/>
+      </a:hlink>
+      <a:folHlink>
+        <a:srgbClr val="0097A7"/>
+      </a:folHlink>
+    </a:clrScheme>
+    <a:fontScheme name="Office">
+      <a:majorFont>
+        <a:latin typeface="Arial"/>
+        <a:ea typeface=""/>
+        <a:cs typeface=""/>
+        <a:font script="Jpan" typeface="ＭＳ Ｐゴシック"/>
+        <a:font script="Hang" typeface="맑은 고딕"/>
+        <a:font script="Hans" typeface="宋体"/>
+        <a:font script="Hant" typeface="新細明體"/>
+        <a:font script="Arab" typeface="Times New Roman"/>
+        <a:font script="Hebr" typeface="Times New Roman"/>
+        <a:font script="Thai" typeface="Angsana New"/>
+        <a:font script="Ethi" typeface="Nyala"/>
+        <a:font script="Beng" typeface="Vrinda"/>
+        <a:font script="Gujr" typeface="Shruti"/>
+        <a:font script="Khmr" typeface="MoolBoran"/>
+        <a:font script="Knda" typeface="Tunga"/>
+        <a:font script="Guru" typeface="Raavi"/>
+        <a:font script="Cans" typeface="Euphemia"/>
+        <a:font script="Cher" typeface="Plantagenet Cherokee"/>
+        <a:font script="Yiii" typeface="Microsoft Yi Baiti"/>
+        <a:font script="Tibt" typeface="Microsoft Himalaya"/>
+        <a:font script="Thaa" typeface="MV Boli"/>
+        <a:font script="Deva" typeface="Mangal"/>
+        <a:font script="Telu" typeface="Gautami"/>
+        <a:font script="Taml" typeface="Latha"/>
+        <a:font script="Syrc" typeface="Estrangelo Edessa"/>
+        <a:font script="Orya" typeface="Kalinga"/>
+        <a:font script="Mlym" typeface="Kartika"/>
+        <a:font script="Laoo" typeface="DokChampa"/>
+        <a:font script="Sinh" typeface="Iskoola Pota"/>
+        <a:font script="Mong" typeface="Mongolian Baiti"/>
+        <a:font script="Viet" typeface="Times New Roman"/>
+        <a:font script="Uigh" typeface="Microsoft Uighur"/>
+        <a:font script="Geor" typeface="Sylfaen"/>
+      </a:majorFont>
+      <a:minorFont>
+        <a:latin typeface="Arial"/>
+        <a:ea typeface=""/>
+        <a:cs typeface=""/>
+        <a:font script="Jpan" typeface="ＭＳ Ｐゴシック"/>
+        <a:font script="Hang" typeface="맑은 고딕"/>
+        <a:font script="Hans" typeface="宋体"/>
+        <a:font script="Hant" typeface="新細明體"/>
+        <a:font script="Arab" typeface="Arial"/>
+        <a:font script="Hebr" typeface="Arial"/>
+        <a:font script="Thai" typeface="Cordia New"/>
+        <a:font script="Ethi" typeface="Nyala"/>
+        <a:font script="Beng" typeface="Vrinda"/>
+        <a:font script="Gujr" typeface="Shruti"/>
+        <a:font script="Khmr" typeface="DaunPenh"/>
+        <a:font script="Knda" typeface="Tunga"/>
+        <a:font script="Guru" typeface="Raavi"/>
+        <a:font script="Cans" typeface="Euphemia"/>
+        <a:font script="Cher" typeface="Plantagenet Cherokee"/>
+        <a:font script="Yiii" typeface="Microsoft Yi Baiti"/>
+        <a:font script="Tibt" typeface="Microsoft Himalaya"/>
+        <a:font script="Thaa" typeface="MV Boli"/>
+        <a:font script="Deva" typeface="Mangal"/>
+        <a:font script="Telu" typeface="Gautami"/>
+        <a:font script="Taml" typeface="Latha"/>
+        <a:font script="Syrc" typeface="Estrangelo Edessa"/>
+        <a:font script="Orya" typeface="Kalinga"/>
+        <a:font script="Mlym" typeface="Kartika"/>
+        <a:font script="Laoo" typeface="DokChampa"/>
+        <a:font script="Sinh" typeface="Iskoola Pota"/>
+        <a:font script="Mong" typeface="Mongolian Baiti"/>
+        <a:font script="Viet" typeface="Arial"/>
+        <a:font script="Uigh" typeface="Microsoft Uighur"/>
+        <a:font script="Geor" typeface="Sylfaen"/>
+      </a:minorFont>
+    </a:fontScheme>
+    <a:fmtScheme name="Office">
+      <a:fillStyleLst>
+        <a:solidFill>
+          <a:schemeClr val="phClr"/>
+        </a:solidFill>
+        <a:gradFill rotWithShape="1">
+          <a:gsLst>
+            <a:gs pos="0">
+              <a:schemeClr val="phClr">
+                <a:tint val="50000"/>
+                <a:satMod val="300000"/>
+              </a:schemeClr>
+            </a:gs>
+            <a:gs pos="35000">
+              <a:schemeClr val="phClr">
+                <a:tint val="37000"/>
+                <a:satMod val="300000"/>
+              </a:schemeClr>
+            </a:gs>
+            <a:gs pos="100000">
+              <a:schemeClr val="phClr">
+                <a:tint val="15000"/>
+                <a:satMod val="350000"/>
+              </a:schemeClr>
+            </a:gs>
+          </a:gsLst>
+          <a:lin ang="16200000" scaled="1"/>
+        </a:gradFill>
+        <a:gradFill rotWithShape="1">
+          <a:gsLst>
+            <a:gs pos="0">
+              <a:schemeClr val="phClr">
+                <a:tint val="100000"/>
+                <a:shade val="100000"/>
+                <a:satMod val="130000"/>
+              </a:schemeClr>
+            </a:gs>
+            <a:gs pos="100000">
+              <a:schemeClr val="phClr">
+                <a:tint val="50000"/>
+                <a:shade val="100000"/>
+                <a:satMod val="350000"/>
+              </a:schemeClr>
+            </a:gs>
+          </a:gsLst>
+          <a:lin ang="16200000" scaled="0"/>
+        </a:gradFill>
+      </a:fillStyleLst>
+      <a:lnStyleLst>
+        <a:ln w="9525" cap="flat" cmpd="sng" algn="ctr">
+          <a:solidFill>
+            <a:schemeClr val="phClr">
+              <a:shade val="95000"/>
+              <a:satMod val="105000"/>
+            </a:schemeClr>
+          </a:solidFill>
+          <a:prstDash val="solid"/>
+        </a:ln>
+        <a:ln w="25400" cap="flat" cmpd="sng" algn="ctr">
+          <a:solidFill>
+            <a:schemeClr val="phClr"/>
+          </a:solidFill>
+          <a:prstDash val="solid"/>
+        </a:ln>
+        <a:ln w="38100" cap="flat" cmpd="sng" algn="ctr">
+          <a:solidFill>
+            <a:schemeClr val="phClr"/>
+          </a:solidFill>
+          <a:prstDash val="solid"/>
+        </a:ln>
+      </a:lnStyleLst>
+      <a:effectStyleLst>
+        <a:effectStyle>
+          <a:effectLst>
+            <a:outerShdw blurRad="40000" dist="20000" dir="5400000" rotWithShape="0">
+              <a:srgbClr val="000000">
+                <a:alpha val="38000"/>
+              </a:srgbClr>
+            </a:outerShdw>
+          </a:effectLst>
+        </a:effectStyle>
+        <a:effectStyle>
+          <a:effectLst>
+            <a:outerShdw blurRad="40000" dist="23000" dir="5400000" rotWithShape="0">
+              <a:srgbClr val="000000">
+                <a:alpha val="35000"/>
+              </a:srgbClr>
+            </a:outerShdw>
+          </a:effectLst>
+        </a:effectStyle>
+        <a:effectStyle>
+          <a:effectLst>
+            <a:outerShdw blurRad="40000" dist="23000" dir="5400000" rotWithShape="0">
+              <a:srgbClr val="000000">
+                <a:alpha val="35000"/>
+              </a:srgbClr>
+            </a:outerShdw>
+          </a:effectLst>
+          <a:scene3d>
+            <a:camera prst="orthographicFront">
+              <a:rot lat="0" lon="0" rev="0"/>
+            </a:camera>
+            <a:lightRig rig="threePt" dir="t">
+              <a:rot lat="0" lon="0" rev="1200000"/>
+            </a:lightRig>
+          </a:scene3d>
+          <a:sp3d>
+            <a:bevelT w="63500" h="25400"/>
+          </a:sp3d>
+        </a:effectStyle>
+      </a:effectStyleLst>
+      <a:bgFillStyleLst>
+        <a:solidFill>
+          <a:schemeClr val="phClr"/>
+        </a:solidFill>
+        <a:gradFill rotWithShape="1">
+          <a:gsLst>
+            <a:gs pos="0">
+              <a:schemeClr val="phClr">
+                <a:tint val="40000"/>
+                <a:satMod val="350000"/>
+              </a:schemeClr>
+            </a:gs>
+            <a:gs pos="40000">
+              <a:schemeClr val="phClr">
+                <a:tint val="45000"/>
+                <a:shade val="99000"/>
+                <a:satMod val="350000"/>
+              </a:schemeClr>
+            </a:gs>
+            <a:gs pos="100000">
+              <a:schemeClr val="phClr">
+                <a:shade val="20000"/>
+                <a:satMod val="255000"/>
+              </a:schemeClr>
+            </a:gs>
+          </a:gsLst>
+          <a:path path="circle">
+            <a:fillToRect l="50000" t="-80000" r="50000" b="180000"/>
+          </a:path>
+        </a:gradFill>
+        <a:gradFill rotWithShape="1">
+          <a:gsLst>
+            <a:gs pos="0">
+              <a:schemeClr val="phClr">
+                <a:tint val="80000"/>
+                <a:satMod val="300000"/>
+              </a:schemeClr>
+            </a:gs>
+            <a:gs pos="100000">
+              <a:schemeClr val="phClr">
+                <a:shade val="30000"/>
+                <a:satMod val="200000"/>
+              </a:schemeClr>
+            </a:gs>
+          </a:gsLst>
+          <a:path path="circle">
+            <a:fillToRect l="50000" t="50000" r="50000" b="50000"/>
+          </a:path>
+        </a:gradFill>
+      </a:bgFillStyleLst>
+    </a:fmtScheme>
+  </a:themeElements>
+</a:theme>
+</file>
+
+<file path=ppt/theme/theme2.xml><?xml version="1.0" encoding="utf-8"?>
 <a:theme xmlns:a="http://schemas.openxmlformats.org/drawingml/2006/main" xmlns:r="http://schemas.openxmlformats.org/officeDocument/2006/relationships">
   <a:themeElements>
     <a:clrScheme name="Default">
@@ -15102,283 +18278,4 @@
     </a:fmtScheme>
   </a:themeElements>
 </a:theme>
-</file>
-
-<file path=ppt/theme/theme2.xml><?xml version="1.0" encoding="utf-8"?>
-<a:theme xmlns:a="http://schemas.openxmlformats.org/drawingml/2006/main" xmlns:r="http://schemas.openxmlformats.org/officeDocument/2006/relationships" name="Simple Light">
-  <a:themeElements>
-    <a:clrScheme name="Simple Light">
-      <a:dk1>
-        <a:srgbClr val="000000"/>
-      </a:dk1>
-      <a:lt1>
-        <a:srgbClr val="FFFFFF"/>
-      </a:lt1>
-      <a:dk2>
-        <a:srgbClr val="595959"/>
-      </a:dk2>
-      <a:lt2>
-        <a:srgbClr val="EEEEEE"/>
-      </a:lt2>
-      <a:accent1>
-        <a:srgbClr val="4285F4"/>
-      </a:accent1>
-      <a:accent2>
-        <a:srgbClr val="212121"/>
-      </a:accent2>
-      <a:accent3>
-        <a:srgbClr val="78909C"/>
-      </a:accent3>
-      <a:accent4>
-        <a:srgbClr val="FFAB40"/>
-      </a:accent4>
-      <a:accent5>
-        <a:srgbClr val="0097A7"/>
-      </a:accent5>
-      <a:accent6>
-        <a:srgbClr val="EEFF41"/>
-      </a:accent6>
-      <a:hlink>
-        <a:srgbClr val="0097A7"/>
-      </a:hlink>
-      <a:folHlink>
-        <a:srgbClr val="0097A7"/>
-      </a:folHlink>
-    </a:clrScheme>
-    <a:fontScheme name="Office">
-      <a:majorFont>
-        <a:latin typeface="Arial"/>
-        <a:ea typeface=""/>
-        <a:cs typeface=""/>
-        <a:font script="Jpan" typeface="ＭＳ Ｐゴシック"/>
-        <a:font script="Hang" typeface="맑은 고딕"/>
-        <a:font script="Hans" typeface="宋体"/>
-        <a:font script="Hant" typeface="新細明體"/>
-        <a:font script="Arab" typeface="Times New Roman"/>
-        <a:font script="Hebr" typeface="Times New Roman"/>
-        <a:font script="Thai" typeface="Angsana New"/>
-        <a:font script="Ethi" typeface="Nyala"/>
-        <a:font script="Beng" typeface="Vrinda"/>
-        <a:font script="Gujr" typeface="Shruti"/>
-        <a:font script="Khmr" typeface="MoolBoran"/>
-        <a:font script="Knda" typeface="Tunga"/>
-        <a:font script="Guru" typeface="Raavi"/>
-        <a:font script="Cans" typeface="Euphemia"/>
-        <a:font script="Cher" typeface="Plantagenet Cherokee"/>
-        <a:font script="Yiii" typeface="Microsoft Yi Baiti"/>
-        <a:font script="Tibt" typeface="Microsoft Himalaya"/>
-        <a:font script="Thaa" typeface="MV Boli"/>
-        <a:font script="Deva" typeface="Mangal"/>
-        <a:font script="Telu" typeface="Gautami"/>
-        <a:font script="Taml" typeface="Latha"/>
-        <a:font script="Syrc" typeface="Estrangelo Edessa"/>
-        <a:font script="Orya" typeface="Kalinga"/>
-        <a:font script="Mlym" typeface="Kartika"/>
-        <a:font script="Laoo" typeface="DokChampa"/>
-        <a:font script="Sinh" typeface="Iskoola Pota"/>
-        <a:font script="Mong" typeface="Mongolian Baiti"/>
-        <a:font script="Viet" typeface="Times New Roman"/>
-        <a:font script="Uigh" typeface="Microsoft Uighur"/>
-        <a:font script="Geor" typeface="Sylfaen"/>
-      </a:majorFont>
-      <a:minorFont>
-        <a:latin typeface="Arial"/>
-        <a:ea typeface=""/>
-        <a:cs typeface=""/>
-        <a:font script="Jpan" typeface="ＭＳ Ｐゴシック"/>
-        <a:font script="Hang" typeface="맑은 고딕"/>
-        <a:font script="Hans" typeface="宋体"/>
-        <a:font script="Hant" typeface="新細明體"/>
-        <a:font script="Arab" typeface="Arial"/>
-        <a:font script="Hebr" typeface="Arial"/>
-        <a:font script="Thai" typeface="Cordia New"/>
-        <a:font script="Ethi" typeface="Nyala"/>
-        <a:font script="Beng" typeface="Vrinda"/>
-        <a:font script="Gujr" typeface="Shruti"/>
-        <a:font script="Khmr" typeface="DaunPenh"/>
-        <a:font script="Knda" typeface="Tunga"/>
-        <a:font script="Guru" typeface="Raavi"/>
-        <a:font script="Cans" typeface="Euphemia"/>
-        <a:font script="Cher" typeface="Plantagenet Cherokee"/>
-        <a:font script="Yiii" typeface="Microsoft Yi Baiti"/>
-        <a:font script="Tibt" typeface="Microsoft Himalaya"/>
-        <a:font script="Thaa" typeface="MV Boli"/>
-        <a:font script="Deva" typeface="Mangal"/>
-        <a:font script="Telu" typeface="Gautami"/>
-        <a:font script="Taml" typeface="Latha"/>
-        <a:font script="Syrc" typeface="Estrangelo Edessa"/>
-        <a:font script="Orya" typeface="Kalinga"/>
-        <a:font script="Mlym" typeface="Kartika"/>
-        <a:font script="Laoo" typeface="DokChampa"/>
-        <a:font script="Sinh" typeface="Iskoola Pota"/>
-        <a:font script="Mong" typeface="Mongolian Baiti"/>
-        <a:font script="Viet" typeface="Arial"/>
-        <a:font script="Uigh" typeface="Microsoft Uighur"/>
-        <a:font script="Geor" typeface="Sylfaen"/>
-      </a:minorFont>
-    </a:fontScheme>
-    <a:fmtScheme name="Office">
-      <a:fillStyleLst>
-        <a:solidFill>
-          <a:schemeClr val="phClr"/>
-        </a:solidFill>
-        <a:gradFill rotWithShape="1">
-          <a:gsLst>
-            <a:gs pos="0">
-              <a:schemeClr val="phClr">
-                <a:tint val="50000"/>
-                <a:satMod val="300000"/>
-              </a:schemeClr>
-            </a:gs>
-            <a:gs pos="35000">
-              <a:schemeClr val="phClr">
-                <a:tint val="37000"/>
-                <a:satMod val="300000"/>
-              </a:schemeClr>
-            </a:gs>
-            <a:gs pos="100000">
-              <a:schemeClr val="phClr">
-                <a:tint val="15000"/>
-                <a:satMod val="350000"/>
-              </a:schemeClr>
-            </a:gs>
-          </a:gsLst>
-          <a:lin ang="16200000" scaled="1"/>
-        </a:gradFill>
-        <a:gradFill rotWithShape="1">
-          <a:gsLst>
-            <a:gs pos="0">
-              <a:schemeClr val="phClr">
-                <a:tint val="100000"/>
-                <a:shade val="100000"/>
-                <a:satMod val="130000"/>
-              </a:schemeClr>
-            </a:gs>
-            <a:gs pos="100000">
-              <a:schemeClr val="phClr">
-                <a:tint val="50000"/>
-                <a:shade val="100000"/>
-                <a:satMod val="350000"/>
-              </a:schemeClr>
-            </a:gs>
-          </a:gsLst>
-          <a:lin ang="16200000" scaled="0"/>
-        </a:gradFill>
-      </a:fillStyleLst>
-      <a:lnStyleLst>
-        <a:ln w="9525" cap="flat" cmpd="sng" algn="ctr">
-          <a:solidFill>
-            <a:schemeClr val="phClr">
-              <a:shade val="95000"/>
-              <a:satMod val="105000"/>
-            </a:schemeClr>
-          </a:solidFill>
-          <a:prstDash val="solid"/>
-        </a:ln>
-        <a:ln w="25400" cap="flat" cmpd="sng" algn="ctr">
-          <a:solidFill>
-            <a:schemeClr val="phClr"/>
-          </a:solidFill>
-          <a:prstDash val="solid"/>
-        </a:ln>
-        <a:ln w="38100" cap="flat" cmpd="sng" algn="ctr">
-          <a:solidFill>
-            <a:schemeClr val="phClr"/>
-          </a:solidFill>
-          <a:prstDash val="solid"/>
-        </a:ln>
-      </a:lnStyleLst>
-      <a:effectStyleLst>
-        <a:effectStyle>
-          <a:effectLst>
-            <a:outerShdw blurRad="40000" dist="20000" dir="5400000" rotWithShape="0">
-              <a:srgbClr val="000000">
-                <a:alpha val="38000"/>
-              </a:srgbClr>
-            </a:outerShdw>
-          </a:effectLst>
-        </a:effectStyle>
-        <a:effectStyle>
-          <a:effectLst>
-            <a:outerShdw blurRad="40000" dist="23000" dir="5400000" rotWithShape="0">
-              <a:srgbClr val="000000">
-                <a:alpha val="35000"/>
-              </a:srgbClr>
-            </a:outerShdw>
-          </a:effectLst>
-        </a:effectStyle>
-        <a:effectStyle>
-          <a:effectLst>
-            <a:outerShdw blurRad="40000" dist="23000" dir="5400000" rotWithShape="0">
-              <a:srgbClr val="000000">
-                <a:alpha val="35000"/>
-              </a:srgbClr>
-            </a:outerShdw>
-          </a:effectLst>
-          <a:scene3d>
-            <a:camera prst="orthographicFront">
-              <a:rot lat="0" lon="0" rev="0"/>
-            </a:camera>
-            <a:lightRig rig="threePt" dir="t">
-              <a:rot lat="0" lon="0" rev="1200000"/>
-            </a:lightRig>
-          </a:scene3d>
-          <a:sp3d>
-            <a:bevelT w="63500" h="25400"/>
-          </a:sp3d>
-        </a:effectStyle>
-      </a:effectStyleLst>
-      <a:bgFillStyleLst>
-        <a:solidFill>
-          <a:schemeClr val="phClr"/>
-        </a:solidFill>
-        <a:gradFill rotWithShape="1">
-          <a:gsLst>
-            <a:gs pos="0">
-              <a:schemeClr val="phClr">
-                <a:tint val="40000"/>
-                <a:satMod val="350000"/>
-              </a:schemeClr>
-            </a:gs>
-            <a:gs pos="40000">
-              <a:schemeClr val="phClr">
-                <a:tint val="45000"/>
-                <a:shade val="99000"/>
-                <a:satMod val="350000"/>
-              </a:schemeClr>
-            </a:gs>
-            <a:gs pos="100000">
-              <a:schemeClr val="phClr">
-                <a:shade val="20000"/>
-                <a:satMod val="255000"/>
-              </a:schemeClr>
-            </a:gs>
-          </a:gsLst>
-          <a:path path="circle">
-            <a:fillToRect l="50000" t="-80000" r="50000" b="180000"/>
-          </a:path>
-        </a:gradFill>
-        <a:gradFill rotWithShape="1">
-          <a:gsLst>
-            <a:gs pos="0">
-              <a:schemeClr val="phClr">
-                <a:tint val="80000"/>
-                <a:satMod val="300000"/>
-              </a:schemeClr>
-            </a:gs>
-            <a:gs pos="100000">
-              <a:schemeClr val="phClr">
-                <a:shade val="30000"/>
-                <a:satMod val="200000"/>
-              </a:schemeClr>
-            </a:gs>
-          </a:gsLst>
-          <a:path path="circle">
-            <a:fillToRect l="50000" t="50000" r="50000" b="50000"/>
-          </a:path>
-        </a:gradFill>
-      </a:bgFillStyleLst>
-    </a:fmtScheme>
-  </a:themeElements>
-</a:theme>
 </file>